--- a/Presentatie/ProjectThreadMatter.pptx
+++ b/Presentatie/ProjectThreadMatter.pptx
@@ -5,7 +5,7 @@
     <p:sldMasterId id="2147484099" r:id="rId1"/>
   </p:sldMasterIdLst>
   <p:notesMasterIdLst>
-    <p:notesMasterId r:id="rId24"/>
+    <p:notesMasterId r:id="rId35"/>
   </p:notesMasterIdLst>
   <p:sldIdLst>
     <p:sldId id="256" r:id="rId2"/>
@@ -14,22 +14,33 @@
     <p:sldId id="258" r:id="rId5"/>
     <p:sldId id="261" r:id="rId6"/>
     <p:sldId id="262" r:id="rId7"/>
-    <p:sldId id="263" r:id="rId8"/>
-    <p:sldId id="272" r:id="rId9"/>
-    <p:sldId id="273" r:id="rId10"/>
-    <p:sldId id="274" r:id="rId11"/>
-    <p:sldId id="275" r:id="rId12"/>
-    <p:sldId id="276" r:id="rId13"/>
-    <p:sldId id="277" r:id="rId14"/>
-    <p:sldId id="264" r:id="rId15"/>
-    <p:sldId id="265" r:id="rId16"/>
-    <p:sldId id="266" r:id="rId17"/>
-    <p:sldId id="267" r:id="rId18"/>
-    <p:sldId id="268" r:id="rId19"/>
-    <p:sldId id="269" r:id="rId20"/>
-    <p:sldId id="270" r:id="rId21"/>
-    <p:sldId id="271" r:id="rId22"/>
-    <p:sldId id="260" r:id="rId23"/>
+    <p:sldId id="283" r:id="rId8"/>
+    <p:sldId id="263" r:id="rId9"/>
+    <p:sldId id="272" r:id="rId10"/>
+    <p:sldId id="264" r:id="rId11"/>
+    <p:sldId id="278" r:id="rId12"/>
+    <p:sldId id="279" r:id="rId13"/>
+    <p:sldId id="280" r:id="rId14"/>
+    <p:sldId id="281" r:id="rId15"/>
+    <p:sldId id="282" r:id="rId16"/>
+    <p:sldId id="265" r:id="rId17"/>
+    <p:sldId id="284" r:id="rId18"/>
+    <p:sldId id="285" r:id="rId19"/>
+    <p:sldId id="286" r:id="rId20"/>
+    <p:sldId id="287" r:id="rId21"/>
+    <p:sldId id="273" r:id="rId22"/>
+    <p:sldId id="274" r:id="rId23"/>
+    <p:sldId id="275" r:id="rId24"/>
+    <p:sldId id="267" r:id="rId25"/>
+    <p:sldId id="289" r:id="rId26"/>
+    <p:sldId id="276" r:id="rId27"/>
+    <p:sldId id="277" r:id="rId28"/>
+    <p:sldId id="268" r:id="rId29"/>
+    <p:sldId id="269" r:id="rId30"/>
+    <p:sldId id="270" r:id="rId31"/>
+    <p:sldId id="271" r:id="rId32"/>
+    <p:sldId id="260" r:id="rId33"/>
+    <p:sldId id="288" r:id="rId34"/>
   </p:sldIdLst>
   <p:sldSz cx="12192000" cy="6858000"/>
   <p:notesSz cx="6858000" cy="9144000"/>
@@ -129,6 +140,75 @@
     </a:lvl9pPr>
   </p:defaultTextStyle>
   <p:extLst>
+    <p:ext uri="{521415D9-36F7-43E2-AB2F-B90AF26B5E84}">
+      <p14:sectionLst xmlns:p14="http://schemas.microsoft.com/office/powerpoint/2010/main">
+        <p14:section name="Default Section" id="{15999F22-7FA2-497E-ABBD-DA85941032E6}">
+          <p14:sldIdLst>
+            <p14:sldId id="256"/>
+            <p14:sldId id="259"/>
+            <p14:sldId id="257"/>
+            <p14:sldId id="258"/>
+          </p14:sldIdLst>
+        </p14:section>
+        <p14:section name="Matter" id="{1B385BDD-1311-4C05-AB98-C55843E603BA}">
+          <p14:sldIdLst>
+            <p14:sldId id="261"/>
+            <p14:sldId id="262"/>
+            <p14:sldId id="283"/>
+          </p14:sldIdLst>
+        </p14:section>
+        <p14:section name="Architecture" id="{15CA34BC-5069-4CA8-B11B-6BC7DA7A41E9}">
+          <p14:sldIdLst>
+            <p14:sldId id="263"/>
+            <p14:sldId id="272"/>
+          </p14:sldIdLst>
+        </p14:section>
+        <p14:section name="Data Model" id="{E50BDBCC-E178-4350-B59D-EE5B50AD1290}">
+          <p14:sldIdLst>
+            <p14:sldId id="264"/>
+            <p14:sldId id="278"/>
+            <p14:sldId id="279"/>
+            <p14:sldId id="280"/>
+            <p14:sldId id="281"/>
+            <p14:sldId id="282"/>
+          </p14:sldIdLst>
+        </p14:section>
+        <p14:section name="Interaction model" id="{89EE8640-9830-4B35-8711-250803445619}">
+          <p14:sldIdLst>
+            <p14:sldId id="265"/>
+            <p14:sldId id="284"/>
+            <p14:sldId id="285"/>
+            <p14:sldId id="286"/>
+            <p14:sldId id="287"/>
+          </p14:sldIdLst>
+        </p14:section>
+        <p14:section name="Network" id="{EF5C3729-0818-4157-83A7-3D32854B65C6}">
+          <p14:sldIdLst>
+            <p14:sldId id="273"/>
+            <p14:sldId id="274"/>
+            <p14:sldId id="275"/>
+            <p14:sldId id="267"/>
+            <p14:sldId id="289"/>
+          </p14:sldIdLst>
+        </p14:section>
+        <p14:section name="Fabric" id="{AEC8E8C8-7B9A-4C0E-A73C-CE70C2F304F0}">
+          <p14:sldIdLst>
+            <p14:sldId id="276"/>
+            <p14:sldId id="277"/>
+          </p14:sldIdLst>
+        </p14:section>
+        <p14:section name="Hub &amp; Bridge" id="{E1D12BC7-1AFF-4D7F-AF83-430EB5EF9C1A}">
+          <p14:sldIdLst>
+            <p14:sldId id="268"/>
+            <p14:sldId id="269"/>
+            <p14:sldId id="270"/>
+            <p14:sldId id="271"/>
+            <p14:sldId id="260"/>
+            <p14:sldId id="288"/>
+          </p14:sldIdLst>
+        </p14:section>
+      </p14:sectionLst>
+    </p:ext>
     <p:ext uri="{EFAFB233-063F-42B5-8137-9DF3F51BA10A}">
       <p15:sldGuideLst xmlns:p15="http://schemas.microsoft.com/office/powerpoint/2012/main"/>
     </p:ext>
@@ -230,7 +310,7 @@
           <a:p>
             <a:fld id="{0852F75F-8874-49BF-9ED3-AB69D9681A0E}" type="datetimeFigureOut">
               <a:rPr lang="en-US" smtClean="0"/>
-              <a:t>3/28/2024</a:t>
+              <a:t>4/18/2024</a:t>
             </a:fld>
             <a:endParaRPr lang="en-US"/>
           </a:p>
@@ -593,6 +673,174 @@
 </p:notes>
 </file>
 
+<file path=ppt/notesSlides/notesSlide10.xml><?xml version="1.0" encoding="utf-8"?>
+<p:notes xmlns:a="http://schemas.openxmlformats.org/drawingml/2006/main" xmlns:r="http://schemas.openxmlformats.org/officeDocument/2006/relationships" xmlns:p="http://schemas.openxmlformats.org/presentationml/2006/main">
+  <p:cSld>
+    <p:spTree>
+      <p:nvGrpSpPr>
+        <p:cNvPr id="1" name=""/>
+        <p:cNvGrpSpPr/>
+        <p:nvPr/>
+      </p:nvGrpSpPr>
+      <p:grpSpPr>
+        <a:xfrm>
+          <a:off x="0" y="0"/>
+          <a:ext cx="0" cy="0"/>
+          <a:chOff x="0" y="0"/>
+          <a:chExt cx="0" cy="0"/>
+        </a:xfrm>
+      </p:grpSpPr>
+      <p:sp>
+        <p:nvSpPr>
+          <p:cNvPr id="2" name="Slide Image Placeholder 1"/>
+          <p:cNvSpPr>
+            <a:spLocks noGrp="1" noRot="1" noChangeAspect="1"/>
+          </p:cNvSpPr>
+          <p:nvPr>
+            <p:ph type="sldImg"/>
+          </p:nvPr>
+        </p:nvSpPr>
+        <p:spPr/>
+      </p:sp>
+      <p:sp>
+        <p:nvSpPr>
+          <p:cNvPr id="3" name="Notes Placeholder 2"/>
+          <p:cNvSpPr>
+            <a:spLocks noGrp="1"/>
+          </p:cNvSpPr>
+          <p:nvPr>
+            <p:ph type="body" idx="1"/>
+          </p:nvPr>
+        </p:nvSpPr>
+        <p:spPr/>
+        <p:txBody>
+          <a:bodyPr/>
+          <a:lstStyle/>
+          <a:p>
+            <a:endParaRPr lang="en-US" dirty="0"/>
+          </a:p>
+        </p:txBody>
+      </p:sp>
+      <p:sp>
+        <p:nvSpPr>
+          <p:cNvPr id="4" name="Slide Number Placeholder 3"/>
+          <p:cNvSpPr>
+            <a:spLocks noGrp="1"/>
+          </p:cNvSpPr>
+          <p:nvPr>
+            <p:ph type="sldNum" sz="quarter" idx="5"/>
+          </p:nvPr>
+        </p:nvSpPr>
+        <p:spPr/>
+        <p:txBody>
+          <a:bodyPr/>
+          <a:lstStyle/>
+          <a:p>
+            <a:fld id="{F25EE968-3D25-4C8A-8999-1FB13EBA16FD}" type="slidenum">
+              <a:rPr lang="en-US" smtClean="0"/>
+              <a:t>26</a:t>
+            </a:fld>
+            <a:endParaRPr lang="en-US"/>
+          </a:p>
+        </p:txBody>
+      </p:sp>
+    </p:spTree>
+    <p:extLst>
+      <p:ext uri="{BB962C8B-B14F-4D97-AF65-F5344CB8AC3E}">
+        <p14:creationId xmlns:p14="http://schemas.microsoft.com/office/powerpoint/2010/main" val="2781667106"/>
+      </p:ext>
+    </p:extLst>
+  </p:cSld>
+  <p:clrMapOvr>
+    <a:masterClrMapping/>
+  </p:clrMapOvr>
+</p:notes>
+</file>
+
+<file path=ppt/notesSlides/notesSlide11.xml><?xml version="1.0" encoding="utf-8"?>
+<p:notes xmlns:a="http://schemas.openxmlformats.org/drawingml/2006/main" xmlns:r="http://schemas.openxmlformats.org/officeDocument/2006/relationships" xmlns:p="http://schemas.openxmlformats.org/presentationml/2006/main">
+  <p:cSld>
+    <p:spTree>
+      <p:nvGrpSpPr>
+        <p:cNvPr id="1" name=""/>
+        <p:cNvGrpSpPr/>
+        <p:nvPr/>
+      </p:nvGrpSpPr>
+      <p:grpSpPr>
+        <a:xfrm>
+          <a:off x="0" y="0"/>
+          <a:ext cx="0" cy="0"/>
+          <a:chOff x="0" y="0"/>
+          <a:chExt cx="0" cy="0"/>
+        </a:xfrm>
+      </p:grpSpPr>
+      <p:sp>
+        <p:nvSpPr>
+          <p:cNvPr id="2" name="Slide Image Placeholder 1"/>
+          <p:cNvSpPr>
+            <a:spLocks noGrp="1" noRot="1" noChangeAspect="1"/>
+          </p:cNvSpPr>
+          <p:nvPr>
+            <p:ph type="sldImg"/>
+          </p:nvPr>
+        </p:nvSpPr>
+        <p:spPr/>
+      </p:sp>
+      <p:sp>
+        <p:nvSpPr>
+          <p:cNvPr id="3" name="Notes Placeholder 2"/>
+          <p:cNvSpPr>
+            <a:spLocks noGrp="1"/>
+          </p:cNvSpPr>
+          <p:nvPr>
+            <p:ph type="body" idx="1"/>
+          </p:nvPr>
+        </p:nvSpPr>
+        <p:spPr/>
+        <p:txBody>
+          <a:bodyPr/>
+          <a:lstStyle/>
+          <a:p>
+            <a:endParaRPr lang="en-US" dirty="0"/>
+          </a:p>
+        </p:txBody>
+      </p:sp>
+      <p:sp>
+        <p:nvSpPr>
+          <p:cNvPr id="4" name="Slide Number Placeholder 3"/>
+          <p:cNvSpPr>
+            <a:spLocks noGrp="1"/>
+          </p:cNvSpPr>
+          <p:nvPr>
+            <p:ph type="sldNum" sz="quarter" idx="5"/>
+          </p:nvPr>
+        </p:nvSpPr>
+        <p:spPr/>
+        <p:txBody>
+          <a:bodyPr/>
+          <a:lstStyle/>
+          <a:p>
+            <a:fld id="{F25EE968-3D25-4C8A-8999-1FB13EBA16FD}" type="slidenum">
+              <a:rPr lang="en-US" smtClean="0"/>
+              <a:t>27</a:t>
+            </a:fld>
+            <a:endParaRPr lang="en-US"/>
+          </a:p>
+        </p:txBody>
+      </p:sp>
+    </p:spTree>
+    <p:extLst>
+      <p:ext uri="{BB962C8B-B14F-4D97-AF65-F5344CB8AC3E}">
+        <p14:creationId xmlns:p14="http://schemas.microsoft.com/office/powerpoint/2010/main" val="3930487725"/>
+      </p:ext>
+    </p:extLst>
+  </p:cSld>
+  <p:clrMapOvr>
+    <a:masterClrMapping/>
+  </p:clrMapOvr>
+</p:notes>
+</file>
+
 <file path=ppt/notesSlides/notesSlide2.xml><?xml version="1.0" encoding="utf-8"?>
 <p:notes xmlns:a="http://schemas.openxmlformats.org/drawingml/2006/main" xmlns:r="http://schemas.openxmlformats.org/officeDocument/2006/relationships" xmlns:p="http://schemas.openxmlformats.org/presentationml/2006/main">
   <p:cSld>
@@ -639,13 +887,8 @@
           <a:p>
             <a:r>
               <a:rPr lang="en-US" dirty="0"/>
-              <a:t>Application layer TCP/</a:t>
-            </a:r>
-            <a:r>
-              <a:rPr lang="en-US"/>
-              <a:t>IP mode</a:t>
-            </a:r>
-            <a:endParaRPr lang="en-US" dirty="0"/>
+              <a:t>Application layer TCP/IP mode</a:t>
+            </a:r>
           </a:p>
         </p:txBody>
       </p:sp>
@@ -666,7 +909,7 @@
           <a:p>
             <a:fld id="{F25EE968-3D25-4C8A-8999-1FB13EBA16FD}" type="slidenum">
               <a:rPr lang="en-US" smtClean="0"/>
-              <a:t>7</a:t>
+              <a:t>8</a:t>
             </a:fld>
             <a:endParaRPr lang="en-US"/>
           </a:p>
@@ -753,7 +996,7 @@
           <a:p>
             <a:fld id="{F25EE968-3D25-4C8A-8999-1FB13EBA16FD}" type="slidenum">
               <a:rPr lang="en-US" smtClean="0"/>
-              <a:t>8</a:t>
+              <a:t>9</a:t>
             </a:fld>
             <a:endParaRPr lang="en-US"/>
           </a:p>
@@ -817,16 +1060,9 @@
           <a:lstStyle/>
           <a:p>
             <a:r>
-              <a:rPr lang="en-US" b="0" i="0" dirty="0">
-                <a:solidFill>
-                  <a:srgbClr val="555555"/>
-                </a:solidFill>
-                <a:effectLst/>
-                <a:latin typeface="Inter"/>
-              </a:rPr>
-              <a:t>The Matter protocol can operate without a globally-routable IPv6 infrastructure and allows the flexibility of having multiple Matter networks run over the same set of constituent IP Networks.</a:t>
-            </a:r>
-            <a:endParaRPr lang="en-US" dirty="0"/>
+              <a:rPr lang="en-US" dirty="0"/>
+              <a:t>Every interaction except Subscribe consists of one transaction</a:t>
+            </a:r>
           </a:p>
         </p:txBody>
       </p:sp>
@@ -847,7 +1083,7 @@
           <a:p>
             <a:fld id="{F25EE968-3D25-4C8A-8999-1FB13EBA16FD}" type="slidenum">
               <a:rPr lang="en-US" smtClean="0"/>
-              <a:t>9</a:t>
+              <a:t>16</a:t>
             </a:fld>
             <a:endParaRPr lang="en-US"/>
           </a:p>
@@ -856,7 +1092,7 @@
     </p:spTree>
     <p:extLst>
       <p:ext uri="{BB962C8B-B14F-4D97-AF65-F5344CB8AC3E}">
-        <p14:creationId xmlns:p14="http://schemas.microsoft.com/office/powerpoint/2010/main" val="3802168039"/>
+        <p14:creationId xmlns:p14="http://schemas.microsoft.com/office/powerpoint/2010/main" val="4166821862"/>
       </p:ext>
     </p:extLst>
   </p:cSld>
@@ -910,6 +1146,12 @@
           <a:bodyPr/>
           <a:lstStyle/>
           <a:p>
+            <a:r>
+              <a:rPr lang="en-US" dirty="0"/>
+              <a:t>Write action = Write request, Timed Request, Suppress Response flag</a:t>
+            </a:r>
+          </a:p>
+          <a:p>
             <a:endParaRPr lang="en-US" dirty="0"/>
           </a:p>
         </p:txBody>
@@ -931,7 +1173,7 @@
           <a:p>
             <a:fld id="{F25EE968-3D25-4C8A-8999-1FB13EBA16FD}" type="slidenum">
               <a:rPr lang="en-US" smtClean="0"/>
-              <a:t>10</a:t>
+              <a:t>18</a:t>
             </a:fld>
             <a:endParaRPr lang="en-US"/>
           </a:p>
@@ -940,7 +1182,7 @@
     </p:spTree>
     <p:extLst>
       <p:ext uri="{BB962C8B-B14F-4D97-AF65-F5344CB8AC3E}">
-        <p14:creationId xmlns:p14="http://schemas.microsoft.com/office/powerpoint/2010/main" val="1993028282"/>
+        <p14:creationId xmlns:p14="http://schemas.microsoft.com/office/powerpoint/2010/main" val="2140317222"/>
       </p:ext>
     </p:extLst>
   </p:cSld>
@@ -994,7 +1236,10 @@
           <a:bodyPr/>
           <a:lstStyle/>
           <a:p>
-            <a:endParaRPr lang="en-US" dirty="0"/>
+            <a:r>
+              <a:rPr lang="en-US" dirty="0"/>
+              <a:t>Used for e.g.  By the controller to invoke one of the commands of the data link layer.</a:t>
+            </a:r>
           </a:p>
         </p:txBody>
       </p:sp>
@@ -1015,7 +1260,7 @@
           <a:p>
             <a:fld id="{F25EE968-3D25-4C8A-8999-1FB13EBA16FD}" type="slidenum">
               <a:rPr lang="en-US" smtClean="0"/>
-              <a:t>11</a:t>
+              <a:t>19</a:t>
             </a:fld>
             <a:endParaRPr lang="en-US"/>
           </a:p>
@@ -1024,7 +1269,7 @@
     </p:spTree>
     <p:extLst>
       <p:ext uri="{BB962C8B-B14F-4D97-AF65-F5344CB8AC3E}">
-        <p14:creationId xmlns:p14="http://schemas.microsoft.com/office/powerpoint/2010/main" val="2335627373"/>
+        <p14:creationId xmlns:p14="http://schemas.microsoft.com/office/powerpoint/2010/main" val="2313333940"/>
       </p:ext>
     </p:extLst>
   </p:cSld>
@@ -1078,6 +1323,16 @@
           <a:bodyPr/>
           <a:lstStyle/>
           <a:p>
+            <a:r>
+              <a:rPr lang="en-US" b="0" i="0" dirty="0">
+                <a:solidFill>
+                  <a:srgbClr val="555555"/>
+                </a:solidFill>
+                <a:effectLst/>
+                <a:latin typeface="Inter"/>
+              </a:rPr>
+              <a:t>The Matter protocol can operate without a globally-routable IPv6 infrastructure and allows the flexibility of having multiple Matter networks run over the same set of constituent IP Networks.</a:t>
+            </a:r>
             <a:endParaRPr lang="en-US" dirty="0"/>
           </a:p>
         </p:txBody>
@@ -1099,7 +1354,7 @@
           <a:p>
             <a:fld id="{F25EE968-3D25-4C8A-8999-1FB13EBA16FD}" type="slidenum">
               <a:rPr lang="en-US" smtClean="0"/>
-              <a:t>12</a:t>
+              <a:t>21</a:t>
             </a:fld>
             <a:endParaRPr lang="en-US"/>
           </a:p>
@@ -1108,7 +1363,7 @@
     </p:spTree>
     <p:extLst>
       <p:ext uri="{BB962C8B-B14F-4D97-AF65-F5344CB8AC3E}">
-        <p14:creationId xmlns:p14="http://schemas.microsoft.com/office/powerpoint/2010/main" val="2781667106"/>
+        <p14:creationId xmlns:p14="http://schemas.microsoft.com/office/powerpoint/2010/main" val="3802168039"/>
       </p:ext>
     </p:extLst>
   </p:cSld>
@@ -1183,7 +1438,7 @@
           <a:p>
             <a:fld id="{F25EE968-3D25-4C8A-8999-1FB13EBA16FD}" type="slidenum">
               <a:rPr lang="en-US" smtClean="0"/>
-              <a:t>13</a:t>
+              <a:t>22</a:t>
             </a:fld>
             <a:endParaRPr lang="en-US"/>
           </a:p>
@@ -1192,7 +1447,91 @@
     </p:spTree>
     <p:extLst>
       <p:ext uri="{BB962C8B-B14F-4D97-AF65-F5344CB8AC3E}">
-        <p14:creationId xmlns:p14="http://schemas.microsoft.com/office/powerpoint/2010/main" val="3930487725"/>
+        <p14:creationId xmlns:p14="http://schemas.microsoft.com/office/powerpoint/2010/main" val="1993028282"/>
+      </p:ext>
+    </p:extLst>
+  </p:cSld>
+  <p:clrMapOvr>
+    <a:masterClrMapping/>
+  </p:clrMapOvr>
+</p:notes>
+</file>
+
+<file path=ppt/notesSlides/notesSlide9.xml><?xml version="1.0" encoding="utf-8"?>
+<p:notes xmlns:a="http://schemas.openxmlformats.org/drawingml/2006/main" xmlns:r="http://schemas.openxmlformats.org/officeDocument/2006/relationships" xmlns:p="http://schemas.openxmlformats.org/presentationml/2006/main">
+  <p:cSld>
+    <p:spTree>
+      <p:nvGrpSpPr>
+        <p:cNvPr id="1" name=""/>
+        <p:cNvGrpSpPr/>
+        <p:nvPr/>
+      </p:nvGrpSpPr>
+      <p:grpSpPr>
+        <a:xfrm>
+          <a:off x="0" y="0"/>
+          <a:ext cx="0" cy="0"/>
+          <a:chOff x="0" y="0"/>
+          <a:chExt cx="0" cy="0"/>
+        </a:xfrm>
+      </p:grpSpPr>
+      <p:sp>
+        <p:nvSpPr>
+          <p:cNvPr id="2" name="Slide Image Placeholder 1"/>
+          <p:cNvSpPr>
+            <a:spLocks noGrp="1" noRot="1" noChangeAspect="1"/>
+          </p:cNvSpPr>
+          <p:nvPr>
+            <p:ph type="sldImg"/>
+          </p:nvPr>
+        </p:nvSpPr>
+        <p:spPr/>
+      </p:sp>
+      <p:sp>
+        <p:nvSpPr>
+          <p:cNvPr id="3" name="Notes Placeholder 2"/>
+          <p:cNvSpPr>
+            <a:spLocks noGrp="1"/>
+          </p:cNvSpPr>
+          <p:nvPr>
+            <p:ph type="body" idx="1"/>
+          </p:nvPr>
+        </p:nvSpPr>
+        <p:spPr/>
+        <p:txBody>
+          <a:bodyPr/>
+          <a:lstStyle/>
+          <a:p>
+            <a:endParaRPr lang="en-US" dirty="0"/>
+          </a:p>
+        </p:txBody>
+      </p:sp>
+      <p:sp>
+        <p:nvSpPr>
+          <p:cNvPr id="4" name="Slide Number Placeholder 3"/>
+          <p:cNvSpPr>
+            <a:spLocks noGrp="1"/>
+          </p:cNvSpPr>
+          <p:nvPr>
+            <p:ph type="sldNum" sz="quarter" idx="5"/>
+          </p:nvPr>
+        </p:nvSpPr>
+        <p:spPr/>
+        <p:txBody>
+          <a:bodyPr/>
+          <a:lstStyle/>
+          <a:p>
+            <a:fld id="{F25EE968-3D25-4C8A-8999-1FB13EBA16FD}" type="slidenum">
+              <a:rPr lang="en-US" smtClean="0"/>
+              <a:t>23</a:t>
+            </a:fld>
+            <a:endParaRPr lang="en-US"/>
+          </a:p>
+        </p:txBody>
+      </p:sp>
+    </p:spTree>
+    <p:extLst>
+      <p:ext uri="{BB962C8B-B14F-4D97-AF65-F5344CB8AC3E}">
+        <p14:creationId xmlns:p14="http://schemas.microsoft.com/office/powerpoint/2010/main" val="2335627373"/>
       </p:ext>
     </p:extLst>
   </p:cSld>
@@ -1947,7 +2286,7 @@
           <a:p>
             <a:fld id="{C6F3DA79-249A-48BB-8BC7-7C6812C9829B}" type="datetime1">
               <a:rPr lang="nl-BE" smtClean="0"/>
-              <a:t>28/03/2024</a:t>
+              <a:t>18/04/2024</a:t>
             </a:fld>
             <a:endParaRPr lang="nl-BE"/>
           </a:p>
@@ -2198,7 +2537,7 @@
           <a:p>
             <a:fld id="{20DB348C-F931-4122-87F8-0E72E89556F1}" type="datetime1">
               <a:rPr lang="nl-BE" smtClean="0"/>
-              <a:t>28/03/2024</a:t>
+              <a:t>18/04/2024</a:t>
             </a:fld>
             <a:endParaRPr lang="nl-BE"/>
           </a:p>
@@ -2512,7 +2851,7 @@
           <a:p>
             <a:fld id="{BADF2090-FAE2-49C0-8CF2-38E21E8D9F4F}" type="datetime1">
               <a:rPr lang="nl-BE" smtClean="0"/>
-              <a:t>28/03/2024</a:t>
+              <a:t>18/04/2024</a:t>
             </a:fld>
             <a:endParaRPr lang="nl-BE"/>
           </a:p>
@@ -2845,7 +3184,7 @@
           <a:p>
             <a:fld id="{F612063C-30C2-44CE-8C88-833B44449E8A}" type="datetime1">
               <a:rPr lang="nl-BE" smtClean="0"/>
-              <a:t>28/03/2024</a:t>
+              <a:t>18/04/2024</a:t>
             </a:fld>
             <a:endParaRPr lang="nl-BE"/>
           </a:p>
@@ -3159,7 +3498,7 @@
           <a:p>
             <a:fld id="{28D6578C-CFC1-4111-B7E4-83254E74158D}" type="datetime1">
               <a:rPr lang="nl-BE" smtClean="0"/>
-              <a:t>28/03/2024</a:t>
+              <a:t>18/04/2024</a:t>
             </a:fld>
             <a:endParaRPr lang="nl-BE"/>
           </a:p>
@@ -3552,7 +3891,7 @@
           <a:p>
             <a:fld id="{31F94E9F-7C49-4F5A-A9EF-B8A07D0CFD41}" type="datetime1">
               <a:rPr lang="nl-BE" smtClean="0"/>
-              <a:t>28/03/2024</a:t>
+              <a:t>18/04/2024</a:t>
             </a:fld>
             <a:endParaRPr lang="nl-BE"/>
           </a:p>
@@ -3722,7 +4061,7 @@
           <a:p>
             <a:fld id="{FE2B9362-4F5E-472A-A499-D4C4FF52EBE8}" type="datetime1">
               <a:rPr lang="nl-BE" smtClean="0"/>
-              <a:t>28/03/2024</a:t>
+              <a:t>18/04/2024</a:t>
             </a:fld>
             <a:endParaRPr lang="nl-BE"/>
           </a:p>
@@ -3902,7 +4241,7 @@
           <a:p>
             <a:fld id="{74BB2C97-3C8D-4F3B-AFE3-B95F1C041F19}" type="datetime1">
               <a:rPr lang="nl-BE" smtClean="0"/>
-              <a:t>28/03/2024</a:t>
+              <a:t>18/04/2024</a:t>
             </a:fld>
             <a:endParaRPr lang="nl-BE"/>
           </a:p>
@@ -4072,7 +4411,7 @@
           <a:p>
             <a:fld id="{6F4C90D0-3B6C-43BD-A6D3-E94AF718D9FA}" type="datetime1">
               <a:rPr lang="nl-BE" smtClean="0"/>
-              <a:t>28/03/2024</a:t>
+              <a:t>18/04/2024</a:t>
             </a:fld>
             <a:endParaRPr lang="nl-BE"/>
           </a:p>
@@ -4319,7 +4658,7 @@
           <a:p>
             <a:fld id="{B1889606-68D7-4187-91FB-E33726FC1BA6}" type="datetime1">
               <a:rPr lang="nl-BE" smtClean="0"/>
-              <a:t>28/03/2024</a:t>
+              <a:t>18/04/2024</a:t>
             </a:fld>
             <a:endParaRPr lang="nl-BE"/>
           </a:p>
@@ -4551,7 +4890,7 @@
           <a:p>
             <a:fld id="{7D1F0D3B-97C8-4826-B81B-B80B81A90C76}" type="datetime1">
               <a:rPr lang="nl-BE" smtClean="0"/>
-              <a:t>28/03/2024</a:t>
+              <a:t>18/04/2024</a:t>
             </a:fld>
             <a:endParaRPr lang="nl-BE"/>
           </a:p>
@@ -4925,7 +5264,7 @@
           <a:p>
             <a:fld id="{8457A9FF-749F-4E10-8374-39ADC54778E0}" type="datetime1">
               <a:rPr lang="nl-BE" smtClean="0"/>
-              <a:t>28/03/2024</a:t>
+              <a:t>18/04/2024</a:t>
             </a:fld>
             <a:endParaRPr lang="nl-BE"/>
           </a:p>
@@ -5048,7 +5387,7 @@
           <a:p>
             <a:fld id="{CE87F4D0-812F-4F9E-8A1A-6CF3A80C903C}" type="datetime1">
               <a:rPr lang="nl-BE" smtClean="0"/>
-              <a:t>28/03/2024</a:t>
+              <a:t>18/04/2024</a:t>
             </a:fld>
             <a:endParaRPr lang="nl-BE"/>
           </a:p>
@@ -5143,7 +5482,7 @@
           <a:p>
             <a:fld id="{27CAC4A9-3FAB-45C7-B978-CD9280374B2E}" type="datetime1">
               <a:rPr lang="nl-BE" smtClean="0"/>
-              <a:t>28/03/2024</a:t>
+              <a:t>18/04/2024</a:t>
             </a:fld>
             <a:endParaRPr lang="nl-BE"/>
           </a:p>
@@ -5398,7 +5737,7 @@
           <a:p>
             <a:fld id="{55EA97DE-8E9C-4DCB-81F5-A73FB16DA5C0}" type="datetime1">
               <a:rPr lang="nl-BE" smtClean="0"/>
-              <a:t>28/03/2024</a:t>
+              <a:t>18/04/2024</a:t>
             </a:fld>
             <a:endParaRPr lang="nl-BE"/>
           </a:p>
@@ -5703,7 +6042,7 @@
           <a:p>
             <a:fld id="{759BCB00-358C-45DB-BFB8-37126C91C1B7}" type="datetime1">
               <a:rPr lang="nl-BE" smtClean="0"/>
-              <a:t>28/03/2024</a:t>
+              <a:t>18/04/2024</a:t>
             </a:fld>
             <a:endParaRPr lang="nl-BE"/>
           </a:p>
@@ -6405,7 +6744,7 @@
           <a:p>
             <a:fld id="{A675449E-543C-46BA-880C-DE5882D71B63}" type="datetime1">
               <a:rPr lang="nl-BE" smtClean="0"/>
-              <a:t>28/03/2024</a:t>
+              <a:t>18/04/2024</a:t>
             </a:fld>
             <a:endParaRPr lang="nl-BE"/>
           </a:p>
@@ -7145,7 +7484,7 @@
           <p:cNvPr id="2" name="Title 1">
             <a:extLst>
               <a:ext uri="{FF2B5EF4-FFF2-40B4-BE49-F238E27FC236}">
-                <a16:creationId xmlns:a16="http://schemas.microsoft.com/office/drawing/2014/main" id="{CA0B9CA8-098C-7FBC-7F6A-23975F48B4D3}"/>
+                <a16:creationId xmlns:a16="http://schemas.microsoft.com/office/drawing/2014/main" id="{0FCF4E6A-816A-4660-CE0F-C9DC7A838CD2}"/>
               </a:ext>
             </a:extLst>
           </p:cNvPr>
@@ -7156,29 +7495,58 @@
             <p:ph type="title"/>
           </p:nvPr>
         </p:nvSpPr>
-        <p:spPr>
-          <a:xfrm>
-            <a:off x="401109" y="600075"/>
-            <a:ext cx="9514416" cy="1320800"/>
-          </a:xfrm>
-        </p:spPr>
+        <p:spPr/>
         <p:txBody>
           <a:bodyPr/>
           <a:lstStyle/>
           <a:p>
             <a:r>
               <a:rPr lang="en-US" dirty="0"/>
-              <a:t>Matter – Network – Single Network Topology</a:t>
-            </a:r>
-          </a:p>
-        </p:txBody>
-      </p:sp>
-      <p:sp>
-        <p:nvSpPr>
-          <p:cNvPr id="7" name="Slide Number Placeholder 6">
+              <a:t>Matter – Data Model - Concept</a:t>
+            </a:r>
+          </a:p>
+        </p:txBody>
+      </p:sp>
+      <p:sp>
+        <p:nvSpPr>
+          <p:cNvPr id="3" name="Content Placeholder 2">
             <a:extLst>
               <a:ext uri="{FF2B5EF4-FFF2-40B4-BE49-F238E27FC236}">
-                <a16:creationId xmlns:a16="http://schemas.microsoft.com/office/drawing/2014/main" id="{30308D5D-1202-99DC-FDE4-181F20DDC0DF}"/>
+                <a16:creationId xmlns:a16="http://schemas.microsoft.com/office/drawing/2014/main" id="{549D2CA6-1F58-7B53-0A67-E045863C3058}"/>
+              </a:ext>
+            </a:extLst>
+          </p:cNvPr>
+          <p:cNvSpPr>
+            <a:spLocks noGrp="1"/>
+          </p:cNvSpPr>
+          <p:nvPr>
+            <p:ph sz="half" idx="1"/>
+          </p:nvPr>
+        </p:nvSpPr>
+        <p:spPr/>
+        <p:txBody>
+          <a:bodyPr/>
+          <a:lstStyle/>
+          <a:p>
+            <a:r>
+              <a:rPr lang="en-US" dirty="0"/>
+              <a:t>Hierarchical model</a:t>
+            </a:r>
+          </a:p>
+          <a:p>
+            <a:r>
+              <a:rPr lang="en-US" dirty="0"/>
+              <a:t>Device features</a:t>
+            </a:r>
+          </a:p>
+        </p:txBody>
+      </p:sp>
+      <p:sp>
+        <p:nvSpPr>
+          <p:cNvPr id="8" name="Slide Number Placeholder 7">
+            <a:extLst>
+              <a:ext uri="{FF2B5EF4-FFF2-40B4-BE49-F238E27FC236}">
+                <a16:creationId xmlns:a16="http://schemas.microsoft.com/office/drawing/2014/main" id="{AD544AD0-58DE-D443-7A3D-C97FAFEF11AD}"/>
               </a:ext>
             </a:extLst>
           </p:cNvPr>
@@ -7204,43 +7572,38 @@
       </p:sp>
       <p:pic>
         <p:nvPicPr>
-          <p:cNvPr id="10" name="Content Placeholder 9">
+          <p:cNvPr id="6" name="Picture 5">
             <a:extLst>
               <a:ext uri="{FF2B5EF4-FFF2-40B4-BE49-F238E27FC236}">
-                <a16:creationId xmlns:a16="http://schemas.microsoft.com/office/drawing/2014/main" id="{1B1D4956-0E90-6D30-595C-11D49B45072F}"/>
+                <a16:creationId xmlns:a16="http://schemas.microsoft.com/office/drawing/2014/main" id="{89DA874B-AB4E-91F9-B097-457EB7236086}"/>
               </a:ext>
             </a:extLst>
           </p:cNvPr>
           <p:cNvPicPr>
-            <a:picLocks noGrp="1" noChangeAspect="1"/>
+            <a:picLocks noChangeAspect="1"/>
           </p:cNvPicPr>
-          <p:nvPr>
-            <p:ph sz="half" idx="1"/>
-          </p:nvPr>
+          <p:nvPr/>
         </p:nvPicPr>
         <p:blipFill>
-          <a:blip r:embed="rId3">
-            <a:extLst>
-              <a:ext uri="{28A0092B-C50C-407E-A947-70E740481C1C}">
-                <a14:useLocalDpi xmlns:a14="http://schemas.microsoft.com/office/drawing/2010/main" val="0"/>
-              </a:ext>
-            </a:extLst>
-          </a:blip>
+          <a:blip r:embed="rId2"/>
           <a:stretch>
             <a:fillRect/>
           </a:stretch>
         </p:blipFill>
         <p:spPr>
           <a:xfrm>
-            <a:off x="1830388" y="1525454"/>
-            <a:ext cx="6513512" cy="4515908"/>
+            <a:off x="1718718" y="3347897"/>
+            <a:ext cx="7802064" cy="2010056"/>
           </a:xfrm>
+          <a:prstGeom prst="rect">
+            <a:avLst/>
+          </a:prstGeom>
         </p:spPr>
       </p:pic>
     </p:spTree>
     <p:extLst>
       <p:ext uri="{BB962C8B-B14F-4D97-AF65-F5344CB8AC3E}">
-        <p14:creationId xmlns:p14="http://schemas.microsoft.com/office/powerpoint/2010/main" val="2629403092"/>
+        <p14:creationId xmlns:p14="http://schemas.microsoft.com/office/powerpoint/2010/main" val="1514791236"/>
       </p:ext>
     </p:extLst>
   </p:cSld>
@@ -7272,7 +7635,7 @@
           <p:cNvPr id="2" name="Title 1">
             <a:extLst>
               <a:ext uri="{FF2B5EF4-FFF2-40B4-BE49-F238E27FC236}">
-                <a16:creationId xmlns:a16="http://schemas.microsoft.com/office/drawing/2014/main" id="{CA0B9CA8-098C-7FBC-7F6A-23975F48B4D3}"/>
+                <a16:creationId xmlns:a16="http://schemas.microsoft.com/office/drawing/2014/main" id="{6B7D657B-70AE-2AD9-12B4-E10D6DB35C58}"/>
               </a:ext>
             </a:extLst>
           </p:cNvPr>
@@ -7283,29 +7646,119 @@
             <p:ph type="title"/>
           </p:nvPr>
         </p:nvSpPr>
-        <p:spPr>
-          <a:xfrm>
-            <a:off x="401109" y="600075"/>
-            <a:ext cx="9514416" cy="1320800"/>
-          </a:xfrm>
-        </p:spPr>
+        <p:spPr/>
         <p:txBody>
           <a:bodyPr/>
           <a:lstStyle/>
           <a:p>
             <a:r>
               <a:rPr lang="en-US" dirty="0"/>
-              <a:t>Matter – Network – Star Network Topology</a:t>
-            </a:r>
-          </a:p>
-        </p:txBody>
-      </p:sp>
-      <p:sp>
-        <p:nvSpPr>
-          <p:cNvPr id="7" name="Slide Number Placeholder 6">
+              <a:t>Matter – Data Model - Node</a:t>
+            </a:r>
+          </a:p>
+        </p:txBody>
+      </p:sp>
+      <p:sp>
+        <p:nvSpPr>
+          <p:cNvPr id="3" name="Content Placeholder 2">
             <a:extLst>
               <a:ext uri="{FF2B5EF4-FFF2-40B4-BE49-F238E27FC236}">
-                <a16:creationId xmlns:a16="http://schemas.microsoft.com/office/drawing/2014/main" id="{30308D5D-1202-99DC-FDE4-181F20DDC0DF}"/>
+                <a16:creationId xmlns:a16="http://schemas.microsoft.com/office/drawing/2014/main" id="{28BF9116-D5DC-08A0-C462-B864CAB3C93A}"/>
+              </a:ext>
+            </a:extLst>
+          </p:cNvPr>
+          <p:cNvSpPr>
+            <a:spLocks noGrp="1"/>
+          </p:cNvSpPr>
+          <p:nvPr>
+            <p:ph sz="half" idx="1"/>
+          </p:nvPr>
+        </p:nvSpPr>
+        <p:spPr/>
+        <p:txBody>
+          <a:bodyPr/>
+          <a:lstStyle/>
+          <a:p>
+            <a:r>
+              <a:rPr lang="en-US" dirty="0"/>
+              <a:t>Uniquely addressable entity</a:t>
+            </a:r>
+          </a:p>
+          <a:p>
+            <a:r>
+              <a:rPr lang="en-US" dirty="0"/>
+              <a:t>Set of behaviors</a:t>
+            </a:r>
+          </a:p>
+          <a:p>
+            <a:r>
+              <a:rPr lang="en-US" dirty="0"/>
+              <a:t>One or more endpoints</a:t>
+            </a:r>
+          </a:p>
+          <a:p>
+            <a:endParaRPr lang="en-US" dirty="0"/>
+          </a:p>
+        </p:txBody>
+      </p:sp>
+      <p:sp>
+        <p:nvSpPr>
+          <p:cNvPr id="4" name="Content Placeholder 3">
+            <a:extLst>
+              <a:ext uri="{FF2B5EF4-FFF2-40B4-BE49-F238E27FC236}">
+                <a16:creationId xmlns:a16="http://schemas.microsoft.com/office/drawing/2014/main" id="{17361ADB-E6F1-E4F4-3523-6D00E07C2881}"/>
+              </a:ext>
+            </a:extLst>
+          </p:cNvPr>
+          <p:cNvSpPr>
+            <a:spLocks noGrp="1"/>
+          </p:cNvSpPr>
+          <p:nvPr>
+            <p:ph sz="half" idx="2"/>
+          </p:nvPr>
+        </p:nvSpPr>
+        <p:spPr/>
+        <p:txBody>
+          <a:bodyPr/>
+          <a:lstStyle/>
+          <a:p>
+            <a:r>
+              <a:rPr lang="en-US" dirty="0"/>
+              <a:t>Commissioner</a:t>
+            </a:r>
+          </a:p>
+          <a:p>
+            <a:r>
+              <a:rPr lang="en-US" dirty="0"/>
+              <a:t>Controller</a:t>
+            </a:r>
+          </a:p>
+          <a:p>
+            <a:r>
+              <a:rPr lang="en-US" dirty="0"/>
+              <a:t>Controlee</a:t>
+            </a:r>
+          </a:p>
+          <a:p>
+            <a:r>
+              <a:rPr lang="en-US" dirty="0"/>
+              <a:t>OTA Provider</a:t>
+            </a:r>
+          </a:p>
+          <a:p>
+            <a:r>
+              <a:rPr lang="en-US" dirty="0"/>
+              <a:t>OTA Requestor</a:t>
+            </a:r>
+          </a:p>
+        </p:txBody>
+      </p:sp>
+      <p:sp>
+        <p:nvSpPr>
+          <p:cNvPr id="5" name="Slide Number Placeholder 4">
+            <a:extLst>
+              <a:ext uri="{FF2B5EF4-FFF2-40B4-BE49-F238E27FC236}">
+                <a16:creationId xmlns:a16="http://schemas.microsoft.com/office/drawing/2014/main" id="{7534FF2D-35FE-0D30-E531-29E9C48D6402}"/>
               </a:ext>
             </a:extLst>
           </p:cNvPr>
@@ -7331,43 +7784,38 @@
       </p:sp>
       <p:pic>
         <p:nvPicPr>
-          <p:cNvPr id="12" name="Content Placeholder 11">
+          <p:cNvPr id="6" name="Afbeelding 1">
             <a:extLst>
               <a:ext uri="{FF2B5EF4-FFF2-40B4-BE49-F238E27FC236}">
-                <a16:creationId xmlns:a16="http://schemas.microsoft.com/office/drawing/2014/main" id="{69D0524A-2458-90BD-4D7F-7A382B38C1CB}"/>
+                <a16:creationId xmlns:a16="http://schemas.microsoft.com/office/drawing/2014/main" id="{A9B6BE26-CD88-8099-CEF5-3C23A789ABC2}"/>
               </a:ext>
             </a:extLst>
           </p:cNvPr>
           <p:cNvPicPr>
-            <a:picLocks noGrp="1" noChangeAspect="1"/>
+            <a:picLocks noChangeAspect="1"/>
           </p:cNvPicPr>
-          <p:nvPr>
-            <p:ph sz="half" idx="1"/>
-          </p:nvPr>
+          <p:nvPr/>
         </p:nvPicPr>
         <p:blipFill>
-          <a:blip r:embed="rId3">
-            <a:extLst>
-              <a:ext uri="{28A0092B-C50C-407E-A947-70E740481C1C}">
-                <a14:useLocalDpi xmlns:a14="http://schemas.microsoft.com/office/drawing/2010/main" val="0"/>
-              </a:ext>
-            </a:extLst>
-          </a:blip>
+          <a:blip r:embed="rId2"/>
           <a:stretch>
             <a:fillRect/>
           </a:stretch>
         </p:blipFill>
         <p:spPr>
           <a:xfrm>
-            <a:off x="1782762" y="1427324"/>
-            <a:ext cx="5818187" cy="5106750"/>
+            <a:off x="836295" y="3342322"/>
+            <a:ext cx="3642360" cy="3145155"/>
           </a:xfrm>
+          <a:prstGeom prst="rect">
+            <a:avLst/>
+          </a:prstGeom>
         </p:spPr>
       </p:pic>
     </p:spTree>
     <p:extLst>
       <p:ext uri="{BB962C8B-B14F-4D97-AF65-F5344CB8AC3E}">
-        <p14:creationId xmlns:p14="http://schemas.microsoft.com/office/powerpoint/2010/main" val="3226292294"/>
+        <p14:creationId xmlns:p14="http://schemas.microsoft.com/office/powerpoint/2010/main" val="194990193"/>
       </p:ext>
     </p:extLst>
   </p:cSld>
@@ -7399,7 +7847,7 @@
           <p:cNvPr id="2" name="Title 1">
             <a:extLst>
               <a:ext uri="{FF2B5EF4-FFF2-40B4-BE49-F238E27FC236}">
-                <a16:creationId xmlns:a16="http://schemas.microsoft.com/office/drawing/2014/main" id="{CA0B9CA8-098C-7FBC-7F6A-23975F48B4D3}"/>
+                <a16:creationId xmlns:a16="http://schemas.microsoft.com/office/drawing/2014/main" id="{2C9AFEC1-9A07-61D2-5FA4-1B6979DE06CF}"/>
               </a:ext>
             </a:extLst>
           </p:cNvPr>
@@ -7410,29 +7858,58 @@
             <p:ph type="title"/>
           </p:nvPr>
         </p:nvSpPr>
-        <p:spPr>
-          <a:xfrm>
-            <a:off x="677334" y="451513"/>
-            <a:ext cx="9514416" cy="1320800"/>
-          </a:xfrm>
-        </p:spPr>
+        <p:spPr/>
         <p:txBody>
           <a:bodyPr/>
           <a:lstStyle/>
           <a:p>
             <a:r>
               <a:rPr lang="en-US" dirty="0"/>
-              <a:t>Matter – Network – Fabric</a:t>
-            </a:r>
-          </a:p>
-        </p:txBody>
-      </p:sp>
-      <p:sp>
-        <p:nvSpPr>
-          <p:cNvPr id="7" name="Slide Number Placeholder 6">
+              <a:t>Matter – Data Model - Endpoint</a:t>
+            </a:r>
+          </a:p>
+        </p:txBody>
+      </p:sp>
+      <p:sp>
+        <p:nvSpPr>
+          <p:cNvPr id="3" name="Content Placeholder 2">
             <a:extLst>
               <a:ext uri="{FF2B5EF4-FFF2-40B4-BE49-F238E27FC236}">
-                <a16:creationId xmlns:a16="http://schemas.microsoft.com/office/drawing/2014/main" id="{30308D5D-1202-99DC-FDE4-181F20DDC0DF}"/>
+                <a16:creationId xmlns:a16="http://schemas.microsoft.com/office/drawing/2014/main" id="{C7AF235F-AE9E-B2D2-4711-3B50A1FD8B32}"/>
+              </a:ext>
+            </a:extLst>
+          </p:cNvPr>
+          <p:cNvSpPr>
+            <a:spLocks noGrp="1"/>
+          </p:cNvSpPr>
+          <p:nvPr>
+            <p:ph sz="half" idx="1"/>
+          </p:nvPr>
+        </p:nvSpPr>
+        <p:spPr/>
+        <p:txBody>
+          <a:bodyPr/>
+          <a:lstStyle/>
+          <a:p>
+            <a:r>
+              <a:rPr lang="en-US" dirty="0"/>
+              <a:t>Set of functionality’s</a:t>
+            </a:r>
+          </a:p>
+          <a:p>
+            <a:r>
+              <a:rPr lang="en-US" dirty="0"/>
+              <a:t>Contains clusters </a:t>
+            </a:r>
+          </a:p>
+        </p:txBody>
+      </p:sp>
+      <p:sp>
+        <p:nvSpPr>
+          <p:cNvPr id="5" name="Slide Number Placeholder 4">
+            <a:extLst>
+              <a:ext uri="{FF2B5EF4-FFF2-40B4-BE49-F238E27FC236}">
+                <a16:creationId xmlns:a16="http://schemas.microsoft.com/office/drawing/2014/main" id="{7BE0A404-9F31-25F0-0AFF-C395A0B2B2B1}"/>
               </a:ext>
             </a:extLst>
           </p:cNvPr>
@@ -7456,35 +7933,40 @@
           </a:p>
         </p:txBody>
       </p:sp>
-      <p:sp>
-        <p:nvSpPr>
-          <p:cNvPr id="9" name="Content Placeholder 8">
+      <p:pic>
+        <p:nvPicPr>
+          <p:cNvPr id="6" name="Afbeelding 1">
             <a:extLst>
               <a:ext uri="{FF2B5EF4-FFF2-40B4-BE49-F238E27FC236}">
-                <a16:creationId xmlns:a16="http://schemas.microsoft.com/office/drawing/2014/main" id="{C188CEC9-CFBA-ACA3-28F8-299C59AD77F7}"/>
+                <a16:creationId xmlns:a16="http://schemas.microsoft.com/office/drawing/2014/main" id="{1D2B8609-DFF7-86DE-D7CA-952697B93FF4}"/>
               </a:ext>
             </a:extLst>
           </p:cNvPr>
-          <p:cNvSpPr>
-            <a:spLocks noGrp="1"/>
-          </p:cNvSpPr>
-          <p:nvPr>
-            <p:ph sz="half" idx="1"/>
-          </p:nvPr>
-        </p:nvSpPr>
-        <p:spPr/>
-        <p:txBody>
-          <a:bodyPr/>
-          <a:lstStyle/>
-          <a:p>
-            <a:endParaRPr lang="en-US" dirty="0"/>
-          </a:p>
-        </p:txBody>
-      </p:sp>
+          <p:cNvPicPr>
+            <a:picLocks noChangeAspect="1"/>
+          </p:cNvPicPr>
+          <p:nvPr/>
+        </p:nvPicPr>
+        <p:blipFill>
+          <a:blip r:embed="rId2"/>
+          <a:stretch>
+            <a:fillRect/>
+          </a:stretch>
+        </p:blipFill>
+        <p:spPr>
+          <a:xfrm>
+            <a:off x="836295" y="3342322"/>
+            <a:ext cx="3642360" cy="3145155"/>
+          </a:xfrm>
+          <a:prstGeom prst="rect">
+            <a:avLst/>
+          </a:prstGeom>
+        </p:spPr>
+      </p:pic>
     </p:spTree>
     <p:extLst>
       <p:ext uri="{BB962C8B-B14F-4D97-AF65-F5344CB8AC3E}">
-        <p14:creationId xmlns:p14="http://schemas.microsoft.com/office/powerpoint/2010/main" val="3613099459"/>
+        <p14:creationId xmlns:p14="http://schemas.microsoft.com/office/powerpoint/2010/main" val="1574858842"/>
       </p:ext>
     </p:extLst>
   </p:cSld>
@@ -7516,7 +7998,7 @@
           <p:cNvPr id="2" name="Title 1">
             <a:extLst>
               <a:ext uri="{FF2B5EF4-FFF2-40B4-BE49-F238E27FC236}">
-                <a16:creationId xmlns:a16="http://schemas.microsoft.com/office/drawing/2014/main" id="{CA0B9CA8-098C-7FBC-7F6A-23975F48B4D3}"/>
+                <a16:creationId xmlns:a16="http://schemas.microsoft.com/office/drawing/2014/main" id="{1F4F8124-821F-053B-99B7-B41F9CEF7B91}"/>
               </a:ext>
             </a:extLst>
           </p:cNvPr>
@@ -7527,29 +8009,101 @@
             <p:ph type="title"/>
           </p:nvPr>
         </p:nvSpPr>
-        <p:spPr>
-          <a:xfrm>
-            <a:off x="401109" y="600075"/>
-            <a:ext cx="9514416" cy="1320800"/>
-          </a:xfrm>
-        </p:spPr>
+        <p:spPr/>
         <p:txBody>
           <a:bodyPr/>
           <a:lstStyle/>
           <a:p>
             <a:r>
               <a:rPr lang="en-US" dirty="0"/>
-              <a:t>Matter – Network – Multiple fabrics</a:t>
-            </a:r>
-          </a:p>
-        </p:txBody>
-      </p:sp>
-      <p:sp>
-        <p:nvSpPr>
-          <p:cNvPr id="7" name="Slide Number Placeholder 6">
+              <a:t>Matter – Data Model - Cluster</a:t>
+            </a:r>
+          </a:p>
+        </p:txBody>
+      </p:sp>
+      <p:sp>
+        <p:nvSpPr>
+          <p:cNvPr id="3" name="Content Placeholder 2">
             <a:extLst>
               <a:ext uri="{FF2B5EF4-FFF2-40B4-BE49-F238E27FC236}">
-                <a16:creationId xmlns:a16="http://schemas.microsoft.com/office/drawing/2014/main" id="{30308D5D-1202-99DC-FDE4-181F20DDC0DF}"/>
+                <a16:creationId xmlns:a16="http://schemas.microsoft.com/office/drawing/2014/main" id="{43B8BC60-547D-D7DD-0D42-1C6193CF263D}"/>
+              </a:ext>
+            </a:extLst>
+          </p:cNvPr>
+          <p:cNvSpPr>
+            <a:spLocks noGrp="1"/>
+          </p:cNvSpPr>
+          <p:nvPr>
+            <p:ph sz="half" idx="1"/>
+          </p:nvPr>
+        </p:nvSpPr>
+        <p:spPr/>
+        <p:txBody>
+          <a:bodyPr/>
+          <a:lstStyle/>
+          <a:p>
+            <a:r>
+              <a:rPr lang="en-US" dirty="0"/>
+              <a:t>Reusable building blocks</a:t>
+            </a:r>
+          </a:p>
+          <a:p>
+            <a:r>
+              <a:rPr lang="en-US" dirty="0"/>
+              <a:t>Grouping commonly used functionality</a:t>
+            </a:r>
+          </a:p>
+          <a:p>
+            <a:r>
+              <a:rPr lang="en-US" dirty="0"/>
+              <a:t>Commands</a:t>
+            </a:r>
+          </a:p>
+          <a:p>
+            <a:r>
+              <a:rPr lang="en-US" dirty="0"/>
+              <a:t>Attributes</a:t>
+            </a:r>
+          </a:p>
+          <a:p>
+            <a:r>
+              <a:rPr lang="en-US" dirty="0"/>
+              <a:t>Events</a:t>
+            </a:r>
+          </a:p>
+        </p:txBody>
+      </p:sp>
+      <p:sp>
+        <p:nvSpPr>
+          <p:cNvPr id="4" name="Content Placeholder 3">
+            <a:extLst>
+              <a:ext uri="{FF2B5EF4-FFF2-40B4-BE49-F238E27FC236}">
+                <a16:creationId xmlns:a16="http://schemas.microsoft.com/office/drawing/2014/main" id="{ECCACD3E-7D11-9C24-8E32-90E614EE3064}"/>
+              </a:ext>
+            </a:extLst>
+          </p:cNvPr>
+          <p:cNvSpPr>
+            <a:spLocks noGrp="1"/>
+          </p:cNvSpPr>
+          <p:nvPr>
+            <p:ph sz="half" idx="2"/>
+          </p:nvPr>
+        </p:nvSpPr>
+        <p:spPr/>
+        <p:txBody>
+          <a:bodyPr/>
+          <a:lstStyle/>
+          <a:p>
+            <a:endParaRPr lang="en-US"/>
+          </a:p>
+        </p:txBody>
+      </p:sp>
+      <p:sp>
+        <p:nvSpPr>
+          <p:cNvPr id="5" name="Slide Number Placeholder 4">
+            <a:extLst>
+              <a:ext uri="{FF2B5EF4-FFF2-40B4-BE49-F238E27FC236}">
+                <a16:creationId xmlns:a16="http://schemas.microsoft.com/office/drawing/2014/main" id="{197C3423-AB6A-CE0A-10C4-E7992FB98B57}"/>
               </a:ext>
             </a:extLst>
           </p:cNvPr>
@@ -7575,45 +8129,10 @@
       </p:sp>
       <p:pic>
         <p:nvPicPr>
-          <p:cNvPr id="12" name="Content Placeholder 11">
+          <p:cNvPr id="6" name="Afbeelding 1">
             <a:extLst>
               <a:ext uri="{FF2B5EF4-FFF2-40B4-BE49-F238E27FC236}">
-                <a16:creationId xmlns:a16="http://schemas.microsoft.com/office/drawing/2014/main" id="{69D0524A-2458-90BD-4D7F-7A382B38C1CB}"/>
-              </a:ext>
-            </a:extLst>
-          </p:cNvPr>
-          <p:cNvPicPr>
-            <a:picLocks noGrp="1" noChangeAspect="1"/>
-          </p:cNvPicPr>
-          <p:nvPr>
-            <p:ph sz="half" idx="1"/>
-          </p:nvPr>
-        </p:nvPicPr>
-        <p:blipFill>
-          <a:blip r:embed="rId3">
-            <a:extLst>
-              <a:ext uri="{28A0092B-C50C-407E-A947-70E740481C1C}">
-                <a14:useLocalDpi xmlns:a14="http://schemas.microsoft.com/office/drawing/2010/main" val="0"/>
-              </a:ext>
-            </a:extLst>
-          </a:blip>
-          <a:stretch>
-            <a:fillRect/>
-          </a:stretch>
-        </p:blipFill>
-        <p:spPr>
-          <a:xfrm>
-            <a:off x="0" y="1515223"/>
-            <a:ext cx="6087096" cy="5342777"/>
-          </a:xfrm>
-        </p:spPr>
-      </p:pic>
-      <p:pic>
-        <p:nvPicPr>
-          <p:cNvPr id="5" name="Content Placeholder 11">
-            <a:extLst>
-              <a:ext uri="{FF2B5EF4-FFF2-40B4-BE49-F238E27FC236}">
-                <a16:creationId xmlns:a16="http://schemas.microsoft.com/office/drawing/2014/main" id="{6BEAE703-AACC-6E1B-0440-30BCAFBEB637}"/>
+                <a16:creationId xmlns:a16="http://schemas.microsoft.com/office/drawing/2014/main" id="{4DFDA84E-9E97-F4EF-4F5B-B4C17E2CED01}"/>
               </a:ext>
             </a:extLst>
           </p:cNvPr>
@@ -7623,78 +8142,55 @@
           <p:nvPr/>
         </p:nvPicPr>
         <p:blipFill>
-          <a:blip r:embed="rId3">
-            <a:extLst>
-              <a:ext uri="{28A0092B-C50C-407E-A947-70E740481C1C}">
-                <a14:useLocalDpi xmlns:a14="http://schemas.microsoft.com/office/drawing/2010/main" val="0"/>
-              </a:ext>
-            </a:extLst>
-          </a:blip>
+          <a:blip r:embed="rId2"/>
           <a:stretch>
             <a:fillRect/>
           </a:stretch>
         </p:blipFill>
         <p:spPr>
-          <a:xfrm flipH="1">
-            <a:off x="5971865" y="1373098"/>
-            <a:ext cx="6249020" cy="5484902"/>
+          <a:xfrm>
+            <a:off x="4584516" y="1472409"/>
+            <a:ext cx="5492233" cy="2228498"/>
           </a:xfrm>
           <a:prstGeom prst="rect">
             <a:avLst/>
           </a:prstGeom>
         </p:spPr>
       </p:pic>
-      <p:sp>
-        <p:nvSpPr>
-          <p:cNvPr id="6" name="Oval 5">
+      <p:pic>
+        <p:nvPicPr>
+          <p:cNvPr id="7" name="Afbeelding 1">
             <a:extLst>
               <a:ext uri="{FF2B5EF4-FFF2-40B4-BE49-F238E27FC236}">
-                <a16:creationId xmlns:a16="http://schemas.microsoft.com/office/drawing/2014/main" id="{29B1DB07-0F58-3D20-8D8D-3A20EB1DFA17}"/>
+                <a16:creationId xmlns:a16="http://schemas.microsoft.com/office/drawing/2014/main" id="{1788EF44-655F-0185-9DC6-2964A1501AC9}"/>
               </a:ext>
             </a:extLst>
           </p:cNvPr>
-          <p:cNvSpPr/>
+          <p:cNvPicPr>
+            <a:picLocks noChangeAspect="1"/>
+          </p:cNvPicPr>
           <p:nvPr/>
-        </p:nvSpPr>
+        </p:nvPicPr>
+        <p:blipFill>
+          <a:blip r:embed="rId3"/>
+          <a:stretch>
+            <a:fillRect/>
+          </a:stretch>
+        </p:blipFill>
         <p:spPr>
           <a:xfrm>
-            <a:off x="5100948" y="3784601"/>
-            <a:ext cx="1933575" cy="1152525"/>
+            <a:off x="4608416" y="3816001"/>
+            <a:ext cx="5444434" cy="2308573"/>
           </a:xfrm>
-          <a:prstGeom prst="ellipse">
+          <a:prstGeom prst="rect">
             <a:avLst/>
           </a:prstGeom>
-          <a:noFill/>
         </p:spPr>
-        <p:style>
-          <a:lnRef idx="2">
-            <a:schemeClr val="accent1">
-              <a:shade val="15000"/>
-            </a:schemeClr>
-          </a:lnRef>
-          <a:fillRef idx="1">
-            <a:schemeClr val="accent1"/>
-          </a:fillRef>
-          <a:effectRef idx="0">
-            <a:schemeClr val="accent1"/>
-          </a:effectRef>
-          <a:fontRef idx="minor">
-            <a:schemeClr val="lt1"/>
-          </a:fontRef>
-        </p:style>
-        <p:txBody>
-          <a:bodyPr rtlCol="0" anchor="ctr"/>
-          <a:lstStyle/>
-          <a:p>
-            <a:pPr algn="ctr"/>
-            <a:endParaRPr lang="en-US"/>
-          </a:p>
-        </p:txBody>
-      </p:sp>
+      </p:pic>
     </p:spTree>
     <p:extLst>
       <p:ext uri="{BB962C8B-B14F-4D97-AF65-F5344CB8AC3E}">
-        <p14:creationId xmlns:p14="http://schemas.microsoft.com/office/powerpoint/2010/main" val="1493003627"/>
+        <p14:creationId xmlns:p14="http://schemas.microsoft.com/office/powerpoint/2010/main" val="4266261871"/>
       </p:ext>
     </p:extLst>
   </p:cSld>
@@ -7726,7 +8222,7 @@
           <p:cNvPr id="2" name="Title 1">
             <a:extLst>
               <a:ext uri="{FF2B5EF4-FFF2-40B4-BE49-F238E27FC236}">
-                <a16:creationId xmlns:a16="http://schemas.microsoft.com/office/drawing/2014/main" id="{0FCF4E6A-816A-4660-CE0F-C9DC7A838CD2}"/>
+                <a16:creationId xmlns:a16="http://schemas.microsoft.com/office/drawing/2014/main" id="{DD930164-C017-1F16-3C38-1373A87F8C50}"/>
               </a:ext>
             </a:extLst>
           </p:cNvPr>
@@ -7744,7 +8240,7 @@
           <a:p>
             <a:r>
               <a:rPr lang="en-US" dirty="0"/>
-              <a:t>Matter – Data Model</a:t>
+              <a:t>Matter – Data Model – Device Type</a:t>
             </a:r>
           </a:p>
         </p:txBody>
@@ -7754,7 +8250,7 @@
           <p:cNvPr id="3" name="Content Placeholder 2">
             <a:extLst>
               <a:ext uri="{FF2B5EF4-FFF2-40B4-BE49-F238E27FC236}">
-                <a16:creationId xmlns:a16="http://schemas.microsoft.com/office/drawing/2014/main" id="{549D2CA6-1F58-7B53-0A67-E045863C3058}"/>
+                <a16:creationId xmlns:a16="http://schemas.microsoft.com/office/drawing/2014/main" id="{8765CD78-6E14-50C3-515E-14A658AD89F9}"/>
               </a:ext>
             </a:extLst>
           </p:cNvPr>
@@ -7770,7 +8266,16 @@
           <a:bodyPr/>
           <a:lstStyle/>
           <a:p>
-            <a:endParaRPr lang="en-US"/>
+            <a:r>
+              <a:rPr lang="en-US" dirty="0"/>
+              <a:t>Officially defined collection of requirements</a:t>
+            </a:r>
+          </a:p>
+          <a:p>
+            <a:r>
+              <a:rPr lang="en-US" dirty="0"/>
+              <a:t>Intended to ensure interoperability</a:t>
+            </a:r>
           </a:p>
         </p:txBody>
       </p:sp>
@@ -7779,7 +8284,7 @@
           <p:cNvPr id="4" name="Content Placeholder 3">
             <a:extLst>
               <a:ext uri="{FF2B5EF4-FFF2-40B4-BE49-F238E27FC236}">
-                <a16:creationId xmlns:a16="http://schemas.microsoft.com/office/drawing/2014/main" id="{CD7A037E-7E62-A159-CCA0-EBED3C8118D6}"/>
+                <a16:creationId xmlns:a16="http://schemas.microsoft.com/office/drawing/2014/main" id="{771A2312-88BE-5EEA-E1AD-2F7BDFFC513A}"/>
               </a:ext>
             </a:extLst>
           </p:cNvPr>
@@ -7795,16 +8300,16 @@
           <a:bodyPr/>
           <a:lstStyle/>
           <a:p>
-            <a:endParaRPr lang="en-US"/>
-          </a:p>
-        </p:txBody>
-      </p:sp>
-      <p:sp>
-        <p:nvSpPr>
-          <p:cNvPr id="8" name="Slide Number Placeholder 7">
+            <a:endParaRPr lang="en-US" dirty="0"/>
+          </a:p>
+        </p:txBody>
+      </p:sp>
+      <p:sp>
+        <p:nvSpPr>
+          <p:cNvPr id="5" name="Slide Number Placeholder 4">
             <a:extLst>
               <a:ext uri="{FF2B5EF4-FFF2-40B4-BE49-F238E27FC236}">
-                <a16:creationId xmlns:a16="http://schemas.microsoft.com/office/drawing/2014/main" id="{AD544AD0-58DE-D443-7A3D-C97FAFEF11AD}"/>
+                <a16:creationId xmlns:a16="http://schemas.microsoft.com/office/drawing/2014/main" id="{FD0BA368-2417-5CA3-F74E-C86DE6FA5669}"/>
               </a:ext>
             </a:extLst>
           </p:cNvPr>
@@ -7828,10 +8333,70 @@
           </a:p>
         </p:txBody>
       </p:sp>
+      <p:pic>
+        <p:nvPicPr>
+          <p:cNvPr id="7" name="Picture 6">
+            <a:extLst>
+              <a:ext uri="{FF2B5EF4-FFF2-40B4-BE49-F238E27FC236}">
+                <a16:creationId xmlns:a16="http://schemas.microsoft.com/office/drawing/2014/main" id="{B965FD2D-FE8B-1D1F-0176-50A4A85100E8}"/>
+              </a:ext>
+            </a:extLst>
+          </p:cNvPr>
+          <p:cNvPicPr>
+            <a:picLocks noChangeAspect="1"/>
+          </p:cNvPicPr>
+          <p:nvPr/>
+        </p:nvPicPr>
+        <p:blipFill>
+          <a:blip r:embed="rId2"/>
+          <a:stretch>
+            <a:fillRect/>
+          </a:stretch>
+        </p:blipFill>
+        <p:spPr>
+          <a:xfrm>
+            <a:off x="4969762" y="1795464"/>
+            <a:ext cx="6496957" cy="1962424"/>
+          </a:xfrm>
+          <a:prstGeom prst="rect">
+            <a:avLst/>
+          </a:prstGeom>
+        </p:spPr>
+      </p:pic>
+      <p:pic>
+        <p:nvPicPr>
+          <p:cNvPr id="9" name="Picture 8">
+            <a:extLst>
+              <a:ext uri="{FF2B5EF4-FFF2-40B4-BE49-F238E27FC236}">
+                <a16:creationId xmlns:a16="http://schemas.microsoft.com/office/drawing/2014/main" id="{7B89E80C-EA88-04ED-A368-82F270288FE0}"/>
+              </a:ext>
+            </a:extLst>
+          </p:cNvPr>
+          <p:cNvPicPr>
+            <a:picLocks noChangeAspect="1"/>
+          </p:cNvPicPr>
+          <p:nvPr/>
+        </p:nvPicPr>
+        <p:blipFill>
+          <a:blip r:embed="rId3"/>
+          <a:stretch>
+            <a:fillRect/>
+          </a:stretch>
+        </p:blipFill>
+        <p:spPr>
+          <a:xfrm>
+            <a:off x="4884039" y="3891092"/>
+            <a:ext cx="6573167" cy="2105319"/>
+          </a:xfrm>
+          <a:prstGeom prst="rect">
+            <a:avLst/>
+          </a:prstGeom>
+        </p:spPr>
+      </p:pic>
     </p:spTree>
     <p:extLst>
       <p:ext uri="{BB962C8B-B14F-4D97-AF65-F5344CB8AC3E}">
-        <p14:creationId xmlns:p14="http://schemas.microsoft.com/office/powerpoint/2010/main" val="1514791236"/>
+        <p14:creationId xmlns:p14="http://schemas.microsoft.com/office/powerpoint/2010/main" val="705134624"/>
       </p:ext>
     </p:extLst>
   </p:cSld>
@@ -7863,7 +8428,7 @@
           <p:cNvPr id="2" name="Title 1">
             <a:extLst>
               <a:ext uri="{FF2B5EF4-FFF2-40B4-BE49-F238E27FC236}">
-                <a16:creationId xmlns:a16="http://schemas.microsoft.com/office/drawing/2014/main" id="{49493741-CF63-DE85-4796-9E900C9228AF}"/>
+                <a16:creationId xmlns:a16="http://schemas.microsoft.com/office/drawing/2014/main" id="{1F4F8124-821F-053B-99B7-B41F9CEF7B91}"/>
               </a:ext>
             </a:extLst>
           </p:cNvPr>
@@ -7881,7 +8446,7 @@
           <a:p>
             <a:r>
               <a:rPr lang="en-US" dirty="0"/>
-              <a:t>Matter – Interaction Model</a:t>
+              <a:t>Matter – Data Model – Custom Cluster</a:t>
             </a:r>
           </a:p>
         </p:txBody>
@@ -7891,7 +8456,7 @@
           <p:cNvPr id="3" name="Content Placeholder 2">
             <a:extLst>
               <a:ext uri="{FF2B5EF4-FFF2-40B4-BE49-F238E27FC236}">
-                <a16:creationId xmlns:a16="http://schemas.microsoft.com/office/drawing/2014/main" id="{933FF058-6359-F62F-FE4B-76D040965695}"/>
+                <a16:creationId xmlns:a16="http://schemas.microsoft.com/office/drawing/2014/main" id="{43B8BC60-547D-D7DD-0D42-1C6193CF263D}"/>
               </a:ext>
             </a:extLst>
           </p:cNvPr>
@@ -7902,46 +8467,44 @@
             <p:ph sz="half" idx="1"/>
           </p:nvPr>
         </p:nvSpPr>
-        <p:spPr/>
-        <p:txBody>
-          <a:bodyPr/>
-          <a:lstStyle/>
-          <a:p>
-            <a:endParaRPr lang="en-US"/>
-          </a:p>
-        </p:txBody>
-      </p:sp>
-      <p:sp>
-        <p:nvSpPr>
-          <p:cNvPr id="4" name="Content Placeholder 3">
+        <p:spPr>
+          <a:xfrm>
+            <a:off x="677333" y="2160589"/>
+            <a:ext cx="9047691" cy="3880772"/>
+          </a:xfrm>
+        </p:spPr>
+        <p:txBody>
+          <a:bodyPr/>
+          <a:lstStyle/>
+          <a:p>
+            <a:r>
+              <a:rPr lang="en-US" dirty="0"/>
+              <a:t>Designed to add functionalities</a:t>
+            </a:r>
+          </a:p>
+          <a:p>
+            <a:r>
+              <a:rPr lang="en-US" dirty="0"/>
+              <a:t>Reusing or extend a existing cluster will only work with custom controller</a:t>
+            </a:r>
+          </a:p>
+          <a:p>
+            <a:r>
+              <a:rPr lang="en-US" dirty="0"/>
+              <a:t>A new cluster specification only possible with a least an adoption-level member</a:t>
+            </a:r>
+          </a:p>
+          <a:p>
+            <a:endParaRPr lang="en-US" dirty="0"/>
+          </a:p>
+        </p:txBody>
+      </p:sp>
+      <p:sp>
+        <p:nvSpPr>
+          <p:cNvPr id="5" name="Slide Number Placeholder 4">
             <a:extLst>
               <a:ext uri="{FF2B5EF4-FFF2-40B4-BE49-F238E27FC236}">
-                <a16:creationId xmlns:a16="http://schemas.microsoft.com/office/drawing/2014/main" id="{2FE3FD48-2AE0-A365-C247-B491DADD22A0}"/>
-              </a:ext>
-            </a:extLst>
-          </p:cNvPr>
-          <p:cNvSpPr>
-            <a:spLocks noGrp="1"/>
-          </p:cNvSpPr>
-          <p:nvPr>
-            <p:ph sz="half" idx="2"/>
-          </p:nvPr>
-        </p:nvSpPr>
-        <p:spPr/>
-        <p:txBody>
-          <a:bodyPr/>
-          <a:lstStyle/>
-          <a:p>
-            <a:endParaRPr lang="en-US"/>
-          </a:p>
-        </p:txBody>
-      </p:sp>
-      <p:sp>
-        <p:nvSpPr>
-          <p:cNvPr id="5" name="Slide Number Placeholder 4">
-            <a:extLst>
-              <a:ext uri="{FF2B5EF4-FFF2-40B4-BE49-F238E27FC236}">
-                <a16:creationId xmlns:a16="http://schemas.microsoft.com/office/drawing/2014/main" id="{E54FD819-A971-AB90-2C34-704BC4506F87}"/>
+                <a16:creationId xmlns:a16="http://schemas.microsoft.com/office/drawing/2014/main" id="{197C3423-AB6A-CE0A-10C4-E7992FB98B57}"/>
               </a:ext>
             </a:extLst>
           </p:cNvPr>
@@ -7968,7 +8531,7 @@
     </p:spTree>
     <p:extLst>
       <p:ext uri="{BB962C8B-B14F-4D97-AF65-F5344CB8AC3E}">
-        <p14:creationId xmlns:p14="http://schemas.microsoft.com/office/powerpoint/2010/main" val="1368906910"/>
+        <p14:creationId xmlns:p14="http://schemas.microsoft.com/office/powerpoint/2010/main" val="864894159"/>
       </p:ext>
     </p:extLst>
   </p:cSld>
@@ -8000,7 +8563,7 @@
           <p:cNvPr id="2" name="Title 1">
             <a:extLst>
               <a:ext uri="{FF2B5EF4-FFF2-40B4-BE49-F238E27FC236}">
-                <a16:creationId xmlns:a16="http://schemas.microsoft.com/office/drawing/2014/main" id="{814602A3-036D-79A8-1247-A2BDB917E5AD}"/>
+                <a16:creationId xmlns:a16="http://schemas.microsoft.com/office/drawing/2014/main" id="{49493741-CF63-DE85-4796-9E900C9228AF}"/>
               </a:ext>
             </a:extLst>
           </p:cNvPr>
@@ -8018,7 +8581,7 @@
           <a:p>
             <a:r>
               <a:rPr lang="en-US" dirty="0"/>
-              <a:t>Matter - Security</a:t>
+              <a:t>Matter – Interaction Model</a:t>
             </a:r>
           </a:p>
         </p:txBody>
@@ -8028,7 +8591,7 @@
           <p:cNvPr id="3" name="Content Placeholder 2">
             <a:extLst>
               <a:ext uri="{FF2B5EF4-FFF2-40B4-BE49-F238E27FC236}">
-                <a16:creationId xmlns:a16="http://schemas.microsoft.com/office/drawing/2014/main" id="{30AA1AA1-B3E4-0035-54D8-3FB5AF9A3F82}"/>
+                <a16:creationId xmlns:a16="http://schemas.microsoft.com/office/drawing/2014/main" id="{933FF058-6359-F62F-FE4B-76D040965695}"/>
               </a:ext>
             </a:extLst>
           </p:cNvPr>
@@ -8039,12 +8602,38 @@
             <p:ph sz="half" idx="1"/>
           </p:nvPr>
         </p:nvSpPr>
-        <p:spPr/>
-        <p:txBody>
-          <a:bodyPr/>
-          <a:lstStyle/>
-          <a:p>
-            <a:endParaRPr lang="en-US"/>
+        <p:spPr>
+          <a:xfrm>
+            <a:off x="677334" y="2160589"/>
+            <a:ext cx="5866341" cy="3880772"/>
+          </a:xfrm>
+        </p:spPr>
+        <p:txBody>
+          <a:bodyPr/>
+          <a:lstStyle/>
+          <a:p>
+            <a:r>
+              <a:rPr lang="en-US" dirty="0"/>
+              <a:t>Defines the methods of communication</a:t>
+            </a:r>
+          </a:p>
+          <a:p>
+            <a:r>
+              <a:rPr lang="en-US" dirty="0"/>
+              <a:t>Communicates through interactions that are a sequence of transactions</a:t>
+            </a:r>
+          </a:p>
+          <a:p>
+            <a:r>
+              <a:rPr lang="en-US" dirty="0"/>
+              <a:t>Transactions are a sequence or actions</a:t>
+            </a:r>
+          </a:p>
+          <a:p>
+            <a:r>
+              <a:rPr lang="en-US" dirty="0"/>
+              <a:t>Initiators - Targets</a:t>
+            </a:r>
           </a:p>
         </p:txBody>
       </p:sp>
@@ -8053,7 +8642,7 @@
           <p:cNvPr id="4" name="Content Placeholder 3">
             <a:extLst>
               <a:ext uri="{FF2B5EF4-FFF2-40B4-BE49-F238E27FC236}">
-                <a16:creationId xmlns:a16="http://schemas.microsoft.com/office/drawing/2014/main" id="{ADA38CB9-A52C-A12F-2D2F-AEABF5159876}"/>
+                <a16:creationId xmlns:a16="http://schemas.microsoft.com/office/drawing/2014/main" id="{2FE3FD48-2AE0-A365-C247-B491DADD22A0}"/>
               </a:ext>
             </a:extLst>
           </p:cNvPr>
@@ -8064,12 +8653,48 @@
             <p:ph sz="half" idx="2"/>
           </p:nvPr>
         </p:nvSpPr>
-        <p:spPr/>
-        <p:txBody>
-          <a:bodyPr/>
-          <a:lstStyle/>
-          <a:p>
-            <a:endParaRPr lang="en-US"/>
+        <p:spPr>
+          <a:xfrm>
+            <a:off x="6543675" y="2160588"/>
+            <a:ext cx="4184034" cy="3880773"/>
+          </a:xfrm>
+        </p:spPr>
+        <p:txBody>
+          <a:bodyPr/>
+          <a:lstStyle/>
+          <a:p>
+            <a:r>
+              <a:rPr lang="en-US" dirty="0"/>
+              <a:t>4 types of interaction</a:t>
+            </a:r>
+          </a:p>
+          <a:p>
+            <a:pPr lvl="1"/>
+            <a:r>
+              <a:rPr lang="en-US" dirty="0"/>
+              <a:t>Read</a:t>
+            </a:r>
+          </a:p>
+          <a:p>
+            <a:pPr lvl="1"/>
+            <a:r>
+              <a:rPr lang="en-US" dirty="0"/>
+              <a:t>Write</a:t>
+            </a:r>
+          </a:p>
+          <a:p>
+            <a:pPr lvl="1"/>
+            <a:r>
+              <a:rPr lang="en-US" dirty="0"/>
+              <a:t>Invoke</a:t>
+            </a:r>
+          </a:p>
+          <a:p>
+            <a:pPr lvl="1"/>
+            <a:r>
+              <a:rPr lang="en-US" dirty="0"/>
+              <a:t>Subscribe</a:t>
+            </a:r>
           </a:p>
         </p:txBody>
       </p:sp>
@@ -8078,7 +8703,7 @@
           <p:cNvPr id="5" name="Slide Number Placeholder 4">
             <a:extLst>
               <a:ext uri="{FF2B5EF4-FFF2-40B4-BE49-F238E27FC236}">
-                <a16:creationId xmlns:a16="http://schemas.microsoft.com/office/drawing/2014/main" id="{D4E972DD-072D-8117-5D6C-F856273D4A8A}"/>
+                <a16:creationId xmlns:a16="http://schemas.microsoft.com/office/drawing/2014/main" id="{E54FD819-A971-AB90-2C34-704BC4506F87}"/>
               </a:ext>
             </a:extLst>
           </p:cNvPr>
@@ -8102,10 +8727,39 @@
           </a:p>
         </p:txBody>
       </p:sp>
+      <p:pic>
+        <p:nvPicPr>
+          <p:cNvPr id="8" name="Picture 7">
+            <a:extLst>
+              <a:ext uri="{FF2B5EF4-FFF2-40B4-BE49-F238E27FC236}">
+                <a16:creationId xmlns:a16="http://schemas.microsoft.com/office/drawing/2014/main" id="{EA32247F-A19C-29A3-242D-27E3C5D154E7}"/>
+              </a:ext>
+            </a:extLst>
+          </p:cNvPr>
+          <p:cNvPicPr>
+            <a:picLocks noChangeAspect="1"/>
+          </p:cNvPicPr>
+          <p:nvPr/>
+        </p:nvPicPr>
+        <p:blipFill rotWithShape="1">
+          <a:blip r:embed="rId3"/>
+          <a:srcRect r="-64" b="3088"/>
+          <a:stretch/>
+        </p:blipFill>
+        <p:spPr>
+          <a:xfrm>
+            <a:off x="2952922" y="3973730"/>
+            <a:ext cx="4184034" cy="2432758"/>
+          </a:xfrm>
+          <a:prstGeom prst="rect">
+            <a:avLst/>
+          </a:prstGeom>
+        </p:spPr>
+      </p:pic>
     </p:spTree>
     <p:extLst>
       <p:ext uri="{BB962C8B-B14F-4D97-AF65-F5344CB8AC3E}">
-        <p14:creationId xmlns:p14="http://schemas.microsoft.com/office/powerpoint/2010/main" val="3672144587"/>
+        <p14:creationId xmlns:p14="http://schemas.microsoft.com/office/powerpoint/2010/main" val="1368906910"/>
       </p:ext>
     </p:extLst>
   </p:cSld>
@@ -8137,7 +8791,7 @@
           <p:cNvPr id="2" name="Title 1">
             <a:extLst>
               <a:ext uri="{FF2B5EF4-FFF2-40B4-BE49-F238E27FC236}">
-                <a16:creationId xmlns:a16="http://schemas.microsoft.com/office/drawing/2014/main" id="{F6E9D7BE-F7C6-C69C-D8B1-C769D28B622B}"/>
+                <a16:creationId xmlns:a16="http://schemas.microsoft.com/office/drawing/2014/main" id="{53D14AC6-4334-7F4D-FA54-B9938CA730DE}"/>
               </a:ext>
             </a:extLst>
           </p:cNvPr>
@@ -8155,7 +8809,7 @@
           <a:p>
             <a:r>
               <a:rPr lang="en-US" dirty="0"/>
-              <a:t>Matter - Commissioning</a:t>
+              <a:t>Matter – Interaction Model – Read</a:t>
             </a:r>
           </a:p>
         </p:txBody>
@@ -8165,7 +8819,7 @@
           <p:cNvPr id="3" name="Content Placeholder 2">
             <a:extLst>
               <a:ext uri="{FF2B5EF4-FFF2-40B4-BE49-F238E27FC236}">
-                <a16:creationId xmlns:a16="http://schemas.microsoft.com/office/drawing/2014/main" id="{AF3C6589-459E-B8B7-C28E-F8284569867A}"/>
+                <a16:creationId xmlns:a16="http://schemas.microsoft.com/office/drawing/2014/main" id="{3587F61F-7439-7891-452E-2FDC73816114}"/>
               </a:ext>
             </a:extLst>
           </p:cNvPr>
@@ -8181,41 +8835,46 @@
           <a:bodyPr/>
           <a:lstStyle/>
           <a:p>
-            <a:endParaRPr lang="en-US"/>
-          </a:p>
-        </p:txBody>
-      </p:sp>
-      <p:sp>
-        <p:nvSpPr>
-          <p:cNvPr id="4" name="Content Placeholder 3">
+            <a:r>
+              <a:rPr lang="en-US" dirty="0"/>
+              <a:t>Get attributes and/or events</a:t>
+            </a:r>
+          </a:p>
+          <a:p>
+            <a:r>
+              <a:rPr lang="en-US" dirty="0"/>
+              <a:t>Restricted to unicast</a:t>
+            </a:r>
+          </a:p>
+          <a:p>
+            <a:r>
+              <a:rPr lang="en-US" dirty="0"/>
+              <a:t>Initiator requests a list of attributes and/or events</a:t>
+            </a:r>
+          </a:p>
+          <a:p>
+            <a:r>
+              <a:rPr lang="en-US" dirty="0"/>
+              <a:t>Target responds with requested list and a suppress response flag</a:t>
+            </a:r>
+          </a:p>
+          <a:p>
+            <a:r>
+              <a:rPr lang="en-US" dirty="0"/>
+              <a:t>Initiator generates a status response, not send when suppress response flag is set</a:t>
+            </a:r>
+          </a:p>
+          <a:p>
+            <a:endParaRPr lang="en-US" dirty="0"/>
+          </a:p>
+        </p:txBody>
+      </p:sp>
+      <p:sp>
+        <p:nvSpPr>
+          <p:cNvPr id="5" name="Slide Number Placeholder 4">
             <a:extLst>
               <a:ext uri="{FF2B5EF4-FFF2-40B4-BE49-F238E27FC236}">
-                <a16:creationId xmlns:a16="http://schemas.microsoft.com/office/drawing/2014/main" id="{376DC46A-0E56-A2AA-5770-FD388BF7F0F8}"/>
-              </a:ext>
-            </a:extLst>
-          </p:cNvPr>
-          <p:cNvSpPr>
-            <a:spLocks noGrp="1"/>
-          </p:cNvSpPr>
-          <p:nvPr>
-            <p:ph sz="half" idx="2"/>
-          </p:nvPr>
-        </p:nvSpPr>
-        <p:spPr/>
-        <p:txBody>
-          <a:bodyPr/>
-          <a:lstStyle/>
-          <a:p>
-            <a:endParaRPr lang="en-US"/>
-          </a:p>
-        </p:txBody>
-      </p:sp>
-      <p:sp>
-        <p:nvSpPr>
-          <p:cNvPr id="5" name="Slide Number Placeholder 4">
-            <a:extLst>
-              <a:ext uri="{FF2B5EF4-FFF2-40B4-BE49-F238E27FC236}">
-                <a16:creationId xmlns:a16="http://schemas.microsoft.com/office/drawing/2014/main" id="{BC73E1AC-C020-ED58-CB66-DDB49712ACE8}"/>
+                <a16:creationId xmlns:a16="http://schemas.microsoft.com/office/drawing/2014/main" id="{BC185C51-D9E2-1605-FFE7-C73D419EDEC5}"/>
               </a:ext>
             </a:extLst>
           </p:cNvPr>
@@ -8239,10 +8898,40 @@
           </a:p>
         </p:txBody>
       </p:sp>
+      <p:pic>
+        <p:nvPicPr>
+          <p:cNvPr id="6" name="Afbeelding 1">
+            <a:extLst>
+              <a:ext uri="{FF2B5EF4-FFF2-40B4-BE49-F238E27FC236}">
+                <a16:creationId xmlns:a16="http://schemas.microsoft.com/office/drawing/2014/main" id="{0EC20BF1-076D-8B27-1ADA-3405F32DE162}"/>
+              </a:ext>
+            </a:extLst>
+          </p:cNvPr>
+          <p:cNvPicPr>
+            <a:picLocks noChangeAspect="1"/>
+          </p:cNvPicPr>
+          <p:nvPr/>
+        </p:nvPicPr>
+        <p:blipFill>
+          <a:blip r:embed="rId2"/>
+          <a:stretch>
+            <a:fillRect/>
+          </a:stretch>
+        </p:blipFill>
+        <p:spPr>
+          <a:xfrm>
+            <a:off x="4975668" y="2119314"/>
+            <a:ext cx="4385681" cy="3300411"/>
+          </a:xfrm>
+          <a:prstGeom prst="rect">
+            <a:avLst/>
+          </a:prstGeom>
+        </p:spPr>
+      </p:pic>
     </p:spTree>
     <p:extLst>
       <p:ext uri="{BB962C8B-B14F-4D97-AF65-F5344CB8AC3E}">
-        <p14:creationId xmlns:p14="http://schemas.microsoft.com/office/powerpoint/2010/main" val="4241260348"/>
+        <p14:creationId xmlns:p14="http://schemas.microsoft.com/office/powerpoint/2010/main" val="872688954"/>
       </p:ext>
     </p:extLst>
   </p:cSld>
@@ -8274,7 +8963,7 @@
           <p:cNvPr id="2" name="Title 1">
             <a:extLst>
               <a:ext uri="{FF2B5EF4-FFF2-40B4-BE49-F238E27FC236}">
-                <a16:creationId xmlns:a16="http://schemas.microsoft.com/office/drawing/2014/main" id="{3D648EE7-3197-ECF0-99ED-8158F4EC167D}"/>
+                <a16:creationId xmlns:a16="http://schemas.microsoft.com/office/drawing/2014/main" id="{C9B7CF2B-2EE8-BC97-3A39-F63718E65B5C}"/>
               </a:ext>
             </a:extLst>
           </p:cNvPr>
@@ -8292,7 +8981,7 @@
           <a:p>
             <a:r>
               <a:rPr lang="en-US" dirty="0"/>
-              <a:t>Matter – Hub &amp; Bridge</a:t>
+              <a:t>Matter – Interaction Model - Write</a:t>
             </a:r>
           </a:p>
         </p:txBody>
@@ -8302,7 +8991,7 @@
           <p:cNvPr id="3" name="Content Placeholder 2">
             <a:extLst>
               <a:ext uri="{FF2B5EF4-FFF2-40B4-BE49-F238E27FC236}">
-                <a16:creationId xmlns:a16="http://schemas.microsoft.com/office/drawing/2014/main" id="{FF01C297-C12A-79DC-EB8D-DBE66056B72E}"/>
+                <a16:creationId xmlns:a16="http://schemas.microsoft.com/office/drawing/2014/main" id="{BA7C2121-5C17-1187-E789-8CE6F2AF9E6A}"/>
               </a:ext>
             </a:extLst>
           </p:cNvPr>
@@ -8318,41 +9007,37 @@
           <a:bodyPr/>
           <a:lstStyle/>
           <a:p>
-            <a:endParaRPr lang="en-US"/>
-          </a:p>
-        </p:txBody>
-      </p:sp>
-      <p:sp>
-        <p:nvSpPr>
-          <p:cNvPr id="4" name="Content Placeholder 3">
+            <a:r>
+              <a:rPr lang="en-US" dirty="0"/>
+              <a:t>Modify values of attributes</a:t>
+            </a:r>
+          </a:p>
+          <a:p>
+            <a:r>
+              <a:rPr lang="en-US" dirty="0"/>
+              <a:t>Untimed or Timed transaction</a:t>
+            </a:r>
+          </a:p>
+          <a:p>
+            <a:r>
+              <a:rPr lang="en-US" dirty="0"/>
+              <a:t>Untimed two actions</a:t>
+            </a:r>
+          </a:p>
+          <a:p>
+            <a:r>
+              <a:rPr lang="en-US" dirty="0"/>
+              <a:t>Timed four actions</a:t>
+            </a:r>
+          </a:p>
+        </p:txBody>
+      </p:sp>
+      <p:sp>
+        <p:nvSpPr>
+          <p:cNvPr id="5" name="Slide Number Placeholder 4">
             <a:extLst>
               <a:ext uri="{FF2B5EF4-FFF2-40B4-BE49-F238E27FC236}">
-                <a16:creationId xmlns:a16="http://schemas.microsoft.com/office/drawing/2014/main" id="{ADF718B8-406E-1529-A66A-196EFEF164AC}"/>
-              </a:ext>
-            </a:extLst>
-          </p:cNvPr>
-          <p:cNvSpPr>
-            <a:spLocks noGrp="1"/>
-          </p:cNvSpPr>
-          <p:nvPr>
-            <p:ph sz="half" idx="2"/>
-          </p:nvPr>
-        </p:nvSpPr>
-        <p:spPr/>
-        <p:txBody>
-          <a:bodyPr/>
-          <a:lstStyle/>
-          <a:p>
-            <a:endParaRPr lang="en-US"/>
-          </a:p>
-        </p:txBody>
-      </p:sp>
-      <p:sp>
-        <p:nvSpPr>
-          <p:cNvPr id="5" name="Slide Number Placeholder 4">
-            <a:extLst>
-              <a:ext uri="{FF2B5EF4-FFF2-40B4-BE49-F238E27FC236}">
-                <a16:creationId xmlns:a16="http://schemas.microsoft.com/office/drawing/2014/main" id="{727A2D65-E7D3-A4D1-60DF-D99340E3E44C}"/>
+                <a16:creationId xmlns:a16="http://schemas.microsoft.com/office/drawing/2014/main" id="{AE37102F-D27E-EB04-1E0D-7A7494517615}"/>
               </a:ext>
             </a:extLst>
           </p:cNvPr>
@@ -8376,10 +9061,70 @@
           </a:p>
         </p:txBody>
       </p:sp>
+      <p:pic>
+        <p:nvPicPr>
+          <p:cNvPr id="6" name="Afbeelding 1">
+            <a:extLst>
+              <a:ext uri="{FF2B5EF4-FFF2-40B4-BE49-F238E27FC236}">
+                <a16:creationId xmlns:a16="http://schemas.microsoft.com/office/drawing/2014/main" id="{2929BD4E-95EB-88A5-E72B-AA8471101CF4}"/>
+              </a:ext>
+            </a:extLst>
+          </p:cNvPr>
+          <p:cNvPicPr>
+            <a:picLocks noChangeAspect="1"/>
+          </p:cNvPicPr>
+          <p:nvPr/>
+        </p:nvPicPr>
+        <p:blipFill>
+          <a:blip r:embed="rId3"/>
+          <a:stretch>
+            <a:fillRect/>
+          </a:stretch>
+        </p:blipFill>
+        <p:spPr>
+          <a:xfrm>
+            <a:off x="5216643" y="1491049"/>
+            <a:ext cx="3051486" cy="1999280"/>
+          </a:xfrm>
+          <a:prstGeom prst="rect">
+            <a:avLst/>
+          </a:prstGeom>
+        </p:spPr>
+      </p:pic>
+      <p:pic>
+        <p:nvPicPr>
+          <p:cNvPr id="10" name="Afbeelding 1">
+            <a:extLst>
+              <a:ext uri="{FF2B5EF4-FFF2-40B4-BE49-F238E27FC236}">
+                <a16:creationId xmlns:a16="http://schemas.microsoft.com/office/drawing/2014/main" id="{4A6FA4D2-EEEE-6EB5-AAD0-5B30AAC35200}"/>
+              </a:ext>
+            </a:extLst>
+          </p:cNvPr>
+          <p:cNvPicPr>
+            <a:picLocks noChangeAspect="1"/>
+          </p:cNvPicPr>
+          <p:nvPr/>
+        </p:nvPicPr>
+        <p:blipFill>
+          <a:blip r:embed="rId4"/>
+          <a:stretch>
+            <a:fillRect/>
+          </a:stretch>
+        </p:blipFill>
+        <p:spPr>
+          <a:xfrm>
+            <a:off x="5343315" y="3605424"/>
+            <a:ext cx="2905392" cy="2974672"/>
+          </a:xfrm>
+          <a:prstGeom prst="rect">
+            <a:avLst/>
+          </a:prstGeom>
+        </p:spPr>
+      </p:pic>
     </p:spTree>
     <p:extLst>
       <p:ext uri="{BB962C8B-B14F-4D97-AF65-F5344CB8AC3E}">
-        <p14:creationId xmlns:p14="http://schemas.microsoft.com/office/powerpoint/2010/main" val="1713073154"/>
+        <p14:creationId xmlns:p14="http://schemas.microsoft.com/office/powerpoint/2010/main" val="1776547486"/>
       </p:ext>
     </p:extLst>
   </p:cSld>
@@ -8411,7 +9156,7 @@
           <p:cNvPr id="2" name="Title 1">
             <a:extLst>
               <a:ext uri="{FF2B5EF4-FFF2-40B4-BE49-F238E27FC236}">
-                <a16:creationId xmlns:a16="http://schemas.microsoft.com/office/drawing/2014/main" id="{62782A39-B55C-1A7B-E458-EBDBAEE74436}"/>
+                <a16:creationId xmlns:a16="http://schemas.microsoft.com/office/drawing/2014/main" id="{657E3BFD-815A-7AE5-F9CE-EF20A831FC8E}"/>
               </a:ext>
             </a:extLst>
           </p:cNvPr>
@@ -8429,8 +9174,80 @@
           <a:p>
             <a:r>
               <a:rPr lang="en-US" dirty="0"/>
-              <a:t>Matter – CSA Membership &amp; certification</a:t>
-            </a:r>
+              <a:t>Matter – Interaction Model - Invoke</a:t>
+            </a:r>
+          </a:p>
+        </p:txBody>
+      </p:sp>
+      <p:sp>
+        <p:nvSpPr>
+          <p:cNvPr id="3" name="Content Placeholder 2">
+            <a:extLst>
+              <a:ext uri="{FF2B5EF4-FFF2-40B4-BE49-F238E27FC236}">
+                <a16:creationId xmlns:a16="http://schemas.microsoft.com/office/drawing/2014/main" id="{E5577C96-4826-5A47-1910-54B57621CD18}"/>
+              </a:ext>
+            </a:extLst>
+          </p:cNvPr>
+          <p:cNvSpPr>
+            <a:spLocks noGrp="1"/>
+          </p:cNvSpPr>
+          <p:nvPr>
+            <p:ph sz="half" idx="1"/>
+          </p:nvPr>
+        </p:nvSpPr>
+        <p:spPr/>
+        <p:txBody>
+          <a:bodyPr/>
+          <a:lstStyle/>
+          <a:p>
+            <a:r>
+              <a:rPr lang="en-US" dirty="0"/>
+              <a:t>To invoke commands</a:t>
+            </a:r>
+          </a:p>
+          <a:p>
+            <a:r>
+              <a:rPr lang="en-US" dirty="0"/>
+              <a:t>Similar to write interaction</a:t>
+            </a:r>
+          </a:p>
+          <a:p>
+            <a:r>
+              <a:rPr lang="en-US" dirty="0"/>
+              <a:t>Untimed / Timed</a:t>
+            </a:r>
+          </a:p>
+          <a:p>
+            <a:endParaRPr lang="en-US" dirty="0"/>
+          </a:p>
+        </p:txBody>
+      </p:sp>
+      <p:sp>
+        <p:nvSpPr>
+          <p:cNvPr id="5" name="Slide Number Placeholder 4">
+            <a:extLst>
+              <a:ext uri="{FF2B5EF4-FFF2-40B4-BE49-F238E27FC236}">
+                <a16:creationId xmlns:a16="http://schemas.microsoft.com/office/drawing/2014/main" id="{B6B3C4E6-36BB-F42C-59EE-FB3BE0A2DAA6}"/>
+              </a:ext>
+            </a:extLst>
+          </p:cNvPr>
+          <p:cNvSpPr>
+            <a:spLocks noGrp="1"/>
+          </p:cNvSpPr>
+          <p:nvPr>
+            <p:ph type="sldNum" sz="quarter" idx="12"/>
+          </p:nvPr>
+        </p:nvSpPr>
+        <p:spPr/>
+        <p:txBody>
+          <a:bodyPr/>
+          <a:lstStyle/>
+          <a:p>
+            <a:fld id="{E120E24D-9AC4-413F-A247-89E1AB2D5697}" type="slidenum">
+              <a:rPr lang="nl-BE" smtClean="0"/>
+              <a:t>19</a:t>
+            </a:fld>
+            <a:endParaRPr lang="nl-BE"/>
           </a:p>
         </p:txBody>
       </p:sp>
@@ -8439,7 +9256,7 @@
           <p:cNvPr id="6" name="Picture 5">
             <a:extLst>
               <a:ext uri="{FF2B5EF4-FFF2-40B4-BE49-F238E27FC236}">
-                <a16:creationId xmlns:a16="http://schemas.microsoft.com/office/drawing/2014/main" id="{8A3AB1FB-5128-62F0-34F2-C921977A5333}"/>
+                <a16:creationId xmlns:a16="http://schemas.microsoft.com/office/drawing/2014/main" id="{44A215F2-9E0C-DEC5-9F8D-CB6D47EDCC1A}"/>
               </a:ext>
             </a:extLst>
           </p:cNvPr>
@@ -8449,54 +9266,55 @@
           <p:nvPr/>
         </p:nvPicPr>
         <p:blipFill>
-          <a:blip r:embed="rId2"/>
+          <a:blip r:embed="rId3"/>
           <a:stretch>
             <a:fillRect/>
           </a:stretch>
         </p:blipFill>
         <p:spPr>
           <a:xfrm>
-            <a:off x="346047" y="1791012"/>
-            <a:ext cx="9030643" cy="3720102"/>
+            <a:off x="5472975" y="1511841"/>
+            <a:ext cx="2638230" cy="1917159"/>
           </a:xfrm>
           <a:prstGeom prst="rect">
             <a:avLst/>
           </a:prstGeom>
         </p:spPr>
       </p:pic>
-      <p:sp>
-        <p:nvSpPr>
-          <p:cNvPr id="7" name="Slide Number Placeholder 6">
+      <p:pic>
+        <p:nvPicPr>
+          <p:cNvPr id="7" name="Picture 6">
             <a:extLst>
               <a:ext uri="{FF2B5EF4-FFF2-40B4-BE49-F238E27FC236}">
-                <a16:creationId xmlns:a16="http://schemas.microsoft.com/office/drawing/2014/main" id="{4F030277-6895-BF52-5E47-729326A28CE1}"/>
+                <a16:creationId xmlns:a16="http://schemas.microsoft.com/office/drawing/2014/main" id="{9408D6F6-0D43-DD8B-0528-895549609D89}"/>
               </a:ext>
             </a:extLst>
           </p:cNvPr>
-          <p:cNvSpPr>
-            <a:spLocks noGrp="1"/>
-          </p:cNvSpPr>
-          <p:nvPr>
-            <p:ph type="sldNum" sz="quarter" idx="12"/>
-          </p:nvPr>
-        </p:nvSpPr>
-        <p:spPr/>
-        <p:txBody>
-          <a:bodyPr/>
-          <a:lstStyle/>
-          <a:p>
-            <a:fld id="{E120E24D-9AC4-413F-A247-89E1AB2D5697}" type="slidenum">
-              <a:rPr lang="nl-BE" smtClean="0"/>
-              <a:t>19</a:t>
-            </a:fld>
-            <a:endParaRPr lang="nl-BE"/>
-          </a:p>
-        </p:txBody>
-      </p:sp>
+          <p:cNvPicPr>
+            <a:picLocks noChangeAspect="1"/>
+          </p:cNvPicPr>
+          <p:nvPr/>
+        </p:nvPicPr>
+        <p:blipFill>
+          <a:blip r:embed="rId4"/>
+          <a:stretch>
+            <a:fillRect/>
+          </a:stretch>
+        </p:blipFill>
+        <p:spPr>
+          <a:xfrm>
+            <a:off x="5542222" y="3565406"/>
+            <a:ext cx="2627183" cy="2747298"/>
+          </a:xfrm>
+          <a:prstGeom prst="rect">
+            <a:avLst/>
+          </a:prstGeom>
+        </p:spPr>
+      </p:pic>
     </p:spTree>
     <p:extLst>
       <p:ext uri="{BB962C8B-B14F-4D97-AF65-F5344CB8AC3E}">
-        <p14:creationId xmlns:p14="http://schemas.microsoft.com/office/powerpoint/2010/main" val="3368218669"/>
+        <p14:creationId xmlns:p14="http://schemas.microsoft.com/office/powerpoint/2010/main" val="3727308641"/>
       </p:ext>
     </p:extLst>
   </p:cSld>
@@ -8652,7 +9470,7 @@
           <p:cNvPr id="2" name="Title 1">
             <a:extLst>
               <a:ext uri="{FF2B5EF4-FFF2-40B4-BE49-F238E27FC236}">
-                <a16:creationId xmlns:a16="http://schemas.microsoft.com/office/drawing/2014/main" id="{B3A0456A-85A3-899D-1779-2C5B29ABF814}"/>
+                <a16:creationId xmlns:a16="http://schemas.microsoft.com/office/drawing/2014/main" id="{D46DBCAB-DDC7-3FC1-A310-FE84A37D3835}"/>
               </a:ext>
             </a:extLst>
           </p:cNvPr>
@@ -8670,7 +9488,7 @@
           <a:p>
             <a:r>
               <a:rPr lang="en-US" dirty="0"/>
-              <a:t>Matter – Hardware</a:t>
+              <a:t>Matter – Interaction Model - Subscribe</a:t>
             </a:r>
           </a:p>
         </p:txBody>
@@ -8680,7 +9498,7 @@
           <p:cNvPr id="3" name="Content Placeholder 2">
             <a:extLst>
               <a:ext uri="{FF2B5EF4-FFF2-40B4-BE49-F238E27FC236}">
-                <a16:creationId xmlns:a16="http://schemas.microsoft.com/office/drawing/2014/main" id="{EEE256C6-A04F-2CE1-9815-F03AC6BADD71}"/>
+                <a16:creationId xmlns:a16="http://schemas.microsoft.com/office/drawing/2014/main" id="{84AA28DE-53D7-1DEF-E3C9-FFA7C588F658}"/>
               </a:ext>
             </a:extLst>
           </p:cNvPr>
@@ -8696,41 +9514,46 @@
           <a:bodyPr/>
           <a:lstStyle/>
           <a:p>
-            <a:endParaRPr lang="en-US"/>
-          </a:p>
-        </p:txBody>
-      </p:sp>
-      <p:sp>
-        <p:nvSpPr>
-          <p:cNvPr id="4" name="Content Placeholder 3">
+            <a:r>
+              <a:rPr lang="en-US" dirty="0"/>
+              <a:t>Used to automatically receive updates</a:t>
+            </a:r>
+          </a:p>
+          <a:p>
+            <a:r>
+              <a:rPr lang="en-US" dirty="0"/>
+              <a:t>Restricted to unicast</a:t>
+            </a:r>
+          </a:p>
+          <a:p>
+            <a:r>
+              <a:rPr lang="en-US" dirty="0"/>
+              <a:t>Initiator send the request</a:t>
+            </a:r>
+          </a:p>
+          <a:p>
+            <a:r>
+              <a:rPr lang="en-US" dirty="0"/>
+              <a:t>Target respond with first batch of data</a:t>
+            </a:r>
+          </a:p>
+          <a:p>
+            <a:r>
+              <a:rPr lang="en-US" dirty="0"/>
+              <a:t>Will be checked with status and subscribe response</a:t>
+            </a:r>
+          </a:p>
+          <a:p>
+            <a:endParaRPr lang="en-US" dirty="0"/>
+          </a:p>
+        </p:txBody>
+      </p:sp>
+      <p:sp>
+        <p:nvSpPr>
+          <p:cNvPr id="5" name="Slide Number Placeholder 4">
             <a:extLst>
               <a:ext uri="{FF2B5EF4-FFF2-40B4-BE49-F238E27FC236}">
-                <a16:creationId xmlns:a16="http://schemas.microsoft.com/office/drawing/2014/main" id="{63ABE3FC-3ABB-3B03-E7B8-62AD8C79E6BF}"/>
-              </a:ext>
-            </a:extLst>
-          </p:cNvPr>
-          <p:cNvSpPr>
-            <a:spLocks noGrp="1"/>
-          </p:cNvSpPr>
-          <p:nvPr>
-            <p:ph sz="half" idx="2"/>
-          </p:nvPr>
-        </p:nvSpPr>
-        <p:spPr/>
-        <p:txBody>
-          <a:bodyPr/>
-          <a:lstStyle/>
-          <a:p>
-            <a:endParaRPr lang="en-US"/>
-          </a:p>
-        </p:txBody>
-      </p:sp>
-      <p:sp>
-        <p:nvSpPr>
-          <p:cNvPr id="5" name="Slide Number Placeholder 4">
-            <a:extLst>
-              <a:ext uri="{FF2B5EF4-FFF2-40B4-BE49-F238E27FC236}">
-                <a16:creationId xmlns:a16="http://schemas.microsoft.com/office/drawing/2014/main" id="{610EC97A-6E81-1B76-3730-694721D3D70E}"/>
+                <a16:creationId xmlns:a16="http://schemas.microsoft.com/office/drawing/2014/main" id="{8B05A495-4AB9-86CF-91E3-0046FBA26300}"/>
               </a:ext>
             </a:extLst>
           </p:cNvPr>
@@ -8754,10 +9577,40 @@
           </a:p>
         </p:txBody>
       </p:sp>
+      <p:pic>
+        <p:nvPicPr>
+          <p:cNvPr id="6" name="Afbeelding 1">
+            <a:extLst>
+              <a:ext uri="{FF2B5EF4-FFF2-40B4-BE49-F238E27FC236}">
+                <a16:creationId xmlns:a16="http://schemas.microsoft.com/office/drawing/2014/main" id="{DF193F26-1FA9-54B6-D0A3-135618EB3C65}"/>
+              </a:ext>
+            </a:extLst>
+          </p:cNvPr>
+          <p:cNvPicPr>
+            <a:picLocks noChangeAspect="1"/>
+          </p:cNvPicPr>
+          <p:nvPr/>
+        </p:nvPicPr>
+        <p:blipFill>
+          <a:blip r:embed="rId2"/>
+          <a:stretch>
+            <a:fillRect/>
+          </a:stretch>
+        </p:blipFill>
+        <p:spPr>
+          <a:xfrm>
+            <a:off x="5369559" y="1760540"/>
+            <a:ext cx="3002915" cy="4216138"/>
+          </a:xfrm>
+          <a:prstGeom prst="rect">
+            <a:avLst/>
+          </a:prstGeom>
+        </p:spPr>
+      </p:pic>
     </p:spTree>
     <p:extLst>
       <p:ext uri="{BB962C8B-B14F-4D97-AF65-F5344CB8AC3E}">
-        <p14:creationId xmlns:p14="http://schemas.microsoft.com/office/powerpoint/2010/main" val="1631806897"/>
+        <p14:creationId xmlns:p14="http://schemas.microsoft.com/office/powerpoint/2010/main" val="3862440442"/>
       </p:ext>
     </p:extLst>
   </p:cSld>
@@ -8789,7 +9642,7 @@
           <p:cNvPr id="2" name="Title 1">
             <a:extLst>
               <a:ext uri="{FF2B5EF4-FFF2-40B4-BE49-F238E27FC236}">
-                <a16:creationId xmlns:a16="http://schemas.microsoft.com/office/drawing/2014/main" id="{13DBA585-8DE8-8AD2-AA09-A00CC60BCDE7}"/>
+                <a16:creationId xmlns:a16="http://schemas.microsoft.com/office/drawing/2014/main" id="{CA0B9CA8-098C-7FBC-7F6A-23975F48B4D3}"/>
               </a:ext>
             </a:extLst>
           </p:cNvPr>
@@ -8807,7 +9660,7 @@
           <a:p>
             <a:r>
               <a:rPr lang="en-US" dirty="0"/>
-              <a:t>Matter – Develop with Matter</a:t>
+              <a:t>Matter – Network</a:t>
             </a:r>
           </a:p>
         </p:txBody>
@@ -8817,7 +9670,7 @@
           <p:cNvPr id="3" name="Content Placeholder 2">
             <a:extLst>
               <a:ext uri="{FF2B5EF4-FFF2-40B4-BE49-F238E27FC236}">
-                <a16:creationId xmlns:a16="http://schemas.microsoft.com/office/drawing/2014/main" id="{1697BA7D-59DA-144E-C188-3FDB91338516}"/>
+                <a16:creationId xmlns:a16="http://schemas.microsoft.com/office/drawing/2014/main" id="{A591820D-66C5-9848-0DE4-1A026A9F08F7}"/>
               </a:ext>
             </a:extLst>
           </p:cNvPr>
@@ -8828,10 +9681,39 @@
             <p:ph sz="half" idx="1"/>
           </p:nvPr>
         </p:nvSpPr>
-        <p:spPr/>
-        <p:txBody>
-          <a:bodyPr/>
-          <a:lstStyle/>
+        <p:spPr>
+          <a:xfrm>
+            <a:off x="677334" y="2160590"/>
+            <a:ext cx="5013347" cy="3880772"/>
+          </a:xfrm>
+        </p:spPr>
+        <p:txBody>
+          <a:bodyPr/>
+          <a:lstStyle/>
+          <a:p>
+            <a:r>
+              <a:rPr lang="en-US" dirty="0"/>
+              <a:t>IPv6</a:t>
+            </a:r>
+          </a:p>
+          <a:p>
+            <a:r>
+              <a:rPr lang="en-US" dirty="0"/>
+              <a:t>Focus on three link layer technologies</a:t>
+            </a:r>
+          </a:p>
+          <a:p>
+            <a:r>
+              <a:rPr lang="en-US" dirty="0"/>
+              <a:t>Single Network Topology</a:t>
+            </a:r>
+          </a:p>
+          <a:p>
+            <a:r>
+              <a:rPr lang="en-US" dirty="0"/>
+              <a:t>Star Network Topology</a:t>
+            </a:r>
+          </a:p>
           <a:p>
             <a:endParaRPr lang="en-US" dirty="0"/>
           </a:p>
@@ -8839,35 +9721,10 @@
       </p:sp>
       <p:sp>
         <p:nvSpPr>
-          <p:cNvPr id="4" name="Content Placeholder 3">
+          <p:cNvPr id="7" name="Slide Number Placeholder 6">
             <a:extLst>
               <a:ext uri="{FF2B5EF4-FFF2-40B4-BE49-F238E27FC236}">
-                <a16:creationId xmlns:a16="http://schemas.microsoft.com/office/drawing/2014/main" id="{B144949A-4389-61E4-B0F3-DE62713CDF63}"/>
-              </a:ext>
-            </a:extLst>
-          </p:cNvPr>
-          <p:cNvSpPr>
-            <a:spLocks noGrp="1"/>
-          </p:cNvSpPr>
-          <p:nvPr>
-            <p:ph sz="half" idx="2"/>
-          </p:nvPr>
-        </p:nvSpPr>
-        <p:spPr/>
-        <p:txBody>
-          <a:bodyPr/>
-          <a:lstStyle/>
-          <a:p>
-            <a:endParaRPr lang="en-US"/>
-          </a:p>
-        </p:txBody>
-      </p:sp>
-      <p:sp>
-        <p:nvSpPr>
-          <p:cNvPr id="5" name="Slide Number Placeholder 4">
-            <a:extLst>
-              <a:ext uri="{FF2B5EF4-FFF2-40B4-BE49-F238E27FC236}">
-                <a16:creationId xmlns:a16="http://schemas.microsoft.com/office/drawing/2014/main" id="{C94A9BC8-1B4A-FE30-A6C2-1A223983342F}"/>
+                <a16:creationId xmlns:a16="http://schemas.microsoft.com/office/drawing/2014/main" id="{30308D5D-1202-99DC-FDE4-181F20DDC0DF}"/>
               </a:ext>
             </a:extLst>
           </p:cNvPr>
@@ -8894,7 +9751,7 @@
     </p:spTree>
     <p:extLst>
       <p:ext uri="{BB962C8B-B14F-4D97-AF65-F5344CB8AC3E}">
-        <p14:creationId xmlns:p14="http://schemas.microsoft.com/office/powerpoint/2010/main" val="1942464613"/>
+        <p14:creationId xmlns:p14="http://schemas.microsoft.com/office/powerpoint/2010/main" val="2603978881"/>
       </p:ext>
     </p:extLst>
   </p:cSld>
@@ -8926,7 +9783,7 @@
           <p:cNvPr id="2" name="Title 1">
             <a:extLst>
               <a:ext uri="{FF2B5EF4-FFF2-40B4-BE49-F238E27FC236}">
-                <a16:creationId xmlns:a16="http://schemas.microsoft.com/office/drawing/2014/main" id="{F2CEB216-696F-AA13-4F83-E7A2CA2B152E}"/>
+                <a16:creationId xmlns:a16="http://schemas.microsoft.com/office/drawing/2014/main" id="{CA0B9CA8-098C-7FBC-7F6A-23975F48B4D3}"/>
               </a:ext>
             </a:extLst>
           </p:cNvPr>
@@ -8937,61 +9794,29 @@
             <p:ph type="title"/>
           </p:nvPr>
         </p:nvSpPr>
-        <p:spPr/>
+        <p:spPr>
+          <a:xfrm>
+            <a:off x="401109" y="600075"/>
+            <a:ext cx="9514416" cy="1320800"/>
+          </a:xfrm>
+        </p:spPr>
         <p:txBody>
           <a:bodyPr/>
           <a:lstStyle/>
           <a:p>
             <a:r>
               <a:rPr lang="en-US" dirty="0"/>
-              <a:t>OpenThread</a:t>
-            </a:r>
-          </a:p>
-        </p:txBody>
-      </p:sp>
-      <p:sp>
-        <p:nvSpPr>
-          <p:cNvPr id="3" name="Content Placeholder 2">
+              <a:t>Matter – Network – Single Network Topology</a:t>
+            </a:r>
+          </a:p>
+        </p:txBody>
+      </p:sp>
+      <p:sp>
+        <p:nvSpPr>
+          <p:cNvPr id="7" name="Slide Number Placeholder 6">
             <a:extLst>
               <a:ext uri="{FF2B5EF4-FFF2-40B4-BE49-F238E27FC236}">
-                <a16:creationId xmlns:a16="http://schemas.microsoft.com/office/drawing/2014/main" id="{8A8732D5-4226-1A27-160D-A706972AC23E}"/>
-              </a:ext>
-            </a:extLst>
-          </p:cNvPr>
-          <p:cNvSpPr>
-            <a:spLocks noGrp="1"/>
-          </p:cNvSpPr>
-          <p:nvPr>
-            <p:ph idx="1"/>
-          </p:nvPr>
-        </p:nvSpPr>
-        <p:spPr/>
-        <p:txBody>
-          <a:bodyPr/>
-          <a:lstStyle/>
-          <a:p>
-            <a:r>
-              <a:rPr lang="en-US" dirty="0"/>
-              <a:t>IPv6 mesh network</a:t>
-            </a:r>
-          </a:p>
-          <a:p>
-            <a:r>
-              <a:rPr lang="en-US" dirty="0"/>
-              <a:t>Low-power</a:t>
-            </a:r>
-          </a:p>
-          <a:p>
-            <a:endParaRPr lang="en-US" dirty="0"/>
-          </a:p>
-        </p:txBody>
-      </p:sp>
-      <p:sp>
-        <p:nvSpPr>
-          <p:cNvPr id="4" name="Slide Number Placeholder 3">
-            <a:extLst>
-              <a:ext uri="{FF2B5EF4-FFF2-40B4-BE49-F238E27FC236}">
-                <a16:creationId xmlns:a16="http://schemas.microsoft.com/office/drawing/2014/main" id="{5DF1CD3F-F64D-CAB5-7B89-D9327C68F45D}"/>
+                <a16:creationId xmlns:a16="http://schemas.microsoft.com/office/drawing/2014/main" id="{30308D5D-1202-99DC-FDE4-181F20DDC0DF}"/>
               </a:ext>
             </a:extLst>
           </p:cNvPr>
@@ -9015,10 +9840,1097 @@
           </a:p>
         </p:txBody>
       </p:sp>
+      <p:pic>
+        <p:nvPicPr>
+          <p:cNvPr id="10" name="Content Placeholder 9">
+            <a:extLst>
+              <a:ext uri="{FF2B5EF4-FFF2-40B4-BE49-F238E27FC236}">
+                <a16:creationId xmlns:a16="http://schemas.microsoft.com/office/drawing/2014/main" id="{1B1D4956-0E90-6D30-595C-11D49B45072F}"/>
+              </a:ext>
+            </a:extLst>
+          </p:cNvPr>
+          <p:cNvPicPr>
+            <a:picLocks noGrp="1" noChangeAspect="1"/>
+          </p:cNvPicPr>
+          <p:nvPr>
+            <p:ph sz="half" idx="1"/>
+          </p:nvPr>
+        </p:nvPicPr>
+        <p:blipFill>
+          <a:blip r:embed="rId3">
+            <a:extLst>
+              <a:ext uri="{28A0092B-C50C-407E-A947-70E740481C1C}">
+                <a14:useLocalDpi xmlns:a14="http://schemas.microsoft.com/office/drawing/2010/main" val="0"/>
+              </a:ext>
+            </a:extLst>
+          </a:blip>
+          <a:stretch>
+            <a:fillRect/>
+          </a:stretch>
+        </p:blipFill>
+        <p:spPr>
+          <a:xfrm>
+            <a:off x="1830388" y="1525454"/>
+            <a:ext cx="6513512" cy="4515908"/>
+          </a:xfrm>
+        </p:spPr>
+      </p:pic>
     </p:spTree>
     <p:extLst>
       <p:ext uri="{BB962C8B-B14F-4D97-AF65-F5344CB8AC3E}">
-        <p14:creationId xmlns:p14="http://schemas.microsoft.com/office/powerpoint/2010/main" val="2145771448"/>
+        <p14:creationId xmlns:p14="http://schemas.microsoft.com/office/powerpoint/2010/main" val="2629403092"/>
+      </p:ext>
+    </p:extLst>
+  </p:cSld>
+  <p:clrMapOvr>
+    <a:masterClrMapping/>
+  </p:clrMapOvr>
+</p:sld>
+</file>
+
+<file path=ppt/slides/slide23.xml><?xml version="1.0" encoding="utf-8"?>
+<p:sld xmlns:a="http://schemas.openxmlformats.org/drawingml/2006/main" xmlns:r="http://schemas.openxmlformats.org/officeDocument/2006/relationships" xmlns:p="http://schemas.openxmlformats.org/presentationml/2006/main">
+  <p:cSld>
+    <p:spTree>
+      <p:nvGrpSpPr>
+        <p:cNvPr id="1" name=""/>
+        <p:cNvGrpSpPr/>
+        <p:nvPr/>
+      </p:nvGrpSpPr>
+      <p:grpSpPr>
+        <a:xfrm>
+          <a:off x="0" y="0"/>
+          <a:ext cx="0" cy="0"/>
+          <a:chOff x="0" y="0"/>
+          <a:chExt cx="0" cy="0"/>
+        </a:xfrm>
+      </p:grpSpPr>
+      <p:sp>
+        <p:nvSpPr>
+          <p:cNvPr id="2" name="Title 1">
+            <a:extLst>
+              <a:ext uri="{FF2B5EF4-FFF2-40B4-BE49-F238E27FC236}">
+                <a16:creationId xmlns:a16="http://schemas.microsoft.com/office/drawing/2014/main" id="{CA0B9CA8-098C-7FBC-7F6A-23975F48B4D3}"/>
+              </a:ext>
+            </a:extLst>
+          </p:cNvPr>
+          <p:cNvSpPr>
+            <a:spLocks noGrp="1"/>
+          </p:cNvSpPr>
+          <p:nvPr>
+            <p:ph type="title"/>
+          </p:nvPr>
+        </p:nvSpPr>
+        <p:spPr>
+          <a:xfrm>
+            <a:off x="401109" y="600075"/>
+            <a:ext cx="9514416" cy="1320800"/>
+          </a:xfrm>
+        </p:spPr>
+        <p:txBody>
+          <a:bodyPr/>
+          <a:lstStyle/>
+          <a:p>
+            <a:r>
+              <a:rPr lang="en-US" dirty="0"/>
+              <a:t>Matter – Network – Star Network Topology</a:t>
+            </a:r>
+          </a:p>
+        </p:txBody>
+      </p:sp>
+      <p:sp>
+        <p:nvSpPr>
+          <p:cNvPr id="7" name="Slide Number Placeholder 6">
+            <a:extLst>
+              <a:ext uri="{FF2B5EF4-FFF2-40B4-BE49-F238E27FC236}">
+                <a16:creationId xmlns:a16="http://schemas.microsoft.com/office/drawing/2014/main" id="{30308D5D-1202-99DC-FDE4-181F20DDC0DF}"/>
+              </a:ext>
+            </a:extLst>
+          </p:cNvPr>
+          <p:cNvSpPr>
+            <a:spLocks noGrp="1"/>
+          </p:cNvSpPr>
+          <p:nvPr>
+            <p:ph type="sldNum" sz="quarter" idx="12"/>
+          </p:nvPr>
+        </p:nvSpPr>
+        <p:spPr/>
+        <p:txBody>
+          <a:bodyPr/>
+          <a:lstStyle/>
+          <a:p>
+            <a:fld id="{E120E24D-9AC4-413F-A247-89E1AB2D5697}" type="slidenum">
+              <a:rPr lang="nl-BE" smtClean="0"/>
+              <a:t>23</a:t>
+            </a:fld>
+            <a:endParaRPr lang="nl-BE"/>
+          </a:p>
+        </p:txBody>
+      </p:sp>
+      <p:pic>
+        <p:nvPicPr>
+          <p:cNvPr id="12" name="Content Placeholder 11">
+            <a:extLst>
+              <a:ext uri="{FF2B5EF4-FFF2-40B4-BE49-F238E27FC236}">
+                <a16:creationId xmlns:a16="http://schemas.microsoft.com/office/drawing/2014/main" id="{69D0524A-2458-90BD-4D7F-7A382B38C1CB}"/>
+              </a:ext>
+            </a:extLst>
+          </p:cNvPr>
+          <p:cNvPicPr>
+            <a:picLocks noGrp="1" noChangeAspect="1"/>
+          </p:cNvPicPr>
+          <p:nvPr>
+            <p:ph sz="half" idx="1"/>
+          </p:nvPr>
+        </p:nvPicPr>
+        <p:blipFill>
+          <a:blip r:embed="rId3">
+            <a:extLst>
+              <a:ext uri="{28A0092B-C50C-407E-A947-70E740481C1C}">
+                <a14:useLocalDpi xmlns:a14="http://schemas.microsoft.com/office/drawing/2010/main" val="0"/>
+              </a:ext>
+            </a:extLst>
+          </a:blip>
+          <a:stretch>
+            <a:fillRect/>
+          </a:stretch>
+        </p:blipFill>
+        <p:spPr>
+          <a:xfrm>
+            <a:off x="1782762" y="1427324"/>
+            <a:ext cx="5818187" cy="5106750"/>
+          </a:xfrm>
+        </p:spPr>
+      </p:pic>
+    </p:spTree>
+    <p:extLst>
+      <p:ext uri="{BB962C8B-B14F-4D97-AF65-F5344CB8AC3E}">
+        <p14:creationId xmlns:p14="http://schemas.microsoft.com/office/powerpoint/2010/main" val="3226292294"/>
+      </p:ext>
+    </p:extLst>
+  </p:cSld>
+  <p:clrMapOvr>
+    <a:masterClrMapping/>
+  </p:clrMapOvr>
+</p:sld>
+</file>
+
+<file path=ppt/slides/slide24.xml><?xml version="1.0" encoding="utf-8"?>
+<p:sld xmlns:a="http://schemas.openxmlformats.org/drawingml/2006/main" xmlns:r="http://schemas.openxmlformats.org/officeDocument/2006/relationships" xmlns:p="http://schemas.openxmlformats.org/presentationml/2006/main">
+  <p:cSld>
+    <p:spTree>
+      <p:nvGrpSpPr>
+        <p:cNvPr id="1" name=""/>
+        <p:cNvGrpSpPr/>
+        <p:nvPr/>
+      </p:nvGrpSpPr>
+      <p:grpSpPr>
+        <a:xfrm>
+          <a:off x="0" y="0"/>
+          <a:ext cx="0" cy="0"/>
+          <a:chOff x="0" y="0"/>
+          <a:chExt cx="0" cy="0"/>
+        </a:xfrm>
+      </p:grpSpPr>
+      <p:sp>
+        <p:nvSpPr>
+          <p:cNvPr id="2" name="Title 1">
+            <a:extLst>
+              <a:ext uri="{FF2B5EF4-FFF2-40B4-BE49-F238E27FC236}">
+                <a16:creationId xmlns:a16="http://schemas.microsoft.com/office/drawing/2014/main" id="{F6E9D7BE-F7C6-C69C-D8B1-C769D28B622B}"/>
+              </a:ext>
+            </a:extLst>
+          </p:cNvPr>
+          <p:cNvSpPr>
+            <a:spLocks noGrp="1"/>
+          </p:cNvSpPr>
+          <p:nvPr>
+            <p:ph type="title"/>
+          </p:nvPr>
+        </p:nvSpPr>
+        <p:spPr/>
+        <p:txBody>
+          <a:bodyPr/>
+          <a:lstStyle/>
+          <a:p>
+            <a:r>
+              <a:rPr lang="en-US" dirty="0"/>
+              <a:t>Matter - Commissioning</a:t>
+            </a:r>
+          </a:p>
+        </p:txBody>
+      </p:sp>
+      <p:sp>
+        <p:nvSpPr>
+          <p:cNvPr id="3" name="Content Placeholder 2">
+            <a:extLst>
+              <a:ext uri="{FF2B5EF4-FFF2-40B4-BE49-F238E27FC236}">
+                <a16:creationId xmlns:a16="http://schemas.microsoft.com/office/drawing/2014/main" id="{AF3C6589-459E-B8B7-C28E-F8284569867A}"/>
+              </a:ext>
+            </a:extLst>
+          </p:cNvPr>
+          <p:cNvSpPr>
+            <a:spLocks noGrp="1"/>
+          </p:cNvSpPr>
+          <p:nvPr>
+            <p:ph sz="half" idx="1"/>
+          </p:nvPr>
+        </p:nvSpPr>
+        <p:spPr/>
+        <p:txBody>
+          <a:bodyPr/>
+          <a:lstStyle/>
+          <a:p>
+            <a:r>
+              <a:rPr lang="en-US" dirty="0"/>
+              <a:t>Pairing method</a:t>
+            </a:r>
+          </a:p>
+          <a:p>
+            <a:r>
+              <a:rPr lang="en-US" dirty="0"/>
+              <a:t>Performed over BLE</a:t>
+            </a:r>
+          </a:p>
+          <a:p>
+            <a:r>
+              <a:rPr lang="en-US" dirty="0"/>
+              <a:t>Controller needs onboarding payload:</a:t>
+            </a:r>
+          </a:p>
+          <a:p>
+            <a:pPr lvl="1"/>
+            <a:r>
+              <a:rPr lang="en-US" dirty="0"/>
+              <a:t>QR Code</a:t>
+            </a:r>
+          </a:p>
+          <a:p>
+            <a:pPr lvl="1"/>
+            <a:r>
+              <a:rPr lang="en-US" dirty="0"/>
+              <a:t>QR Code Payload used in command line tools</a:t>
+            </a:r>
+          </a:p>
+          <a:p>
+            <a:pPr lvl="1"/>
+            <a:r>
+              <a:rPr lang="en-US" dirty="0"/>
+              <a:t>Manual pairing code</a:t>
+            </a:r>
+          </a:p>
+          <a:p>
+            <a:r>
+              <a:rPr lang="en-US" dirty="0"/>
+              <a:t>Security steps</a:t>
+            </a:r>
+          </a:p>
+        </p:txBody>
+      </p:sp>
+      <p:sp>
+        <p:nvSpPr>
+          <p:cNvPr id="4" name="Content Placeholder 3">
+            <a:extLst>
+              <a:ext uri="{FF2B5EF4-FFF2-40B4-BE49-F238E27FC236}">
+                <a16:creationId xmlns:a16="http://schemas.microsoft.com/office/drawing/2014/main" id="{376DC46A-0E56-A2AA-5770-FD388BF7F0F8}"/>
+              </a:ext>
+            </a:extLst>
+          </p:cNvPr>
+          <p:cNvSpPr>
+            <a:spLocks noGrp="1"/>
+          </p:cNvSpPr>
+          <p:nvPr>
+            <p:ph sz="half" idx="2"/>
+          </p:nvPr>
+        </p:nvSpPr>
+        <p:spPr/>
+        <p:txBody>
+          <a:bodyPr/>
+          <a:lstStyle/>
+          <a:p>
+            <a:endParaRPr lang="en-US"/>
+          </a:p>
+        </p:txBody>
+      </p:sp>
+      <p:sp>
+        <p:nvSpPr>
+          <p:cNvPr id="5" name="Slide Number Placeholder 4">
+            <a:extLst>
+              <a:ext uri="{FF2B5EF4-FFF2-40B4-BE49-F238E27FC236}">
+                <a16:creationId xmlns:a16="http://schemas.microsoft.com/office/drawing/2014/main" id="{BC73E1AC-C020-ED58-CB66-DDB49712ACE8}"/>
+              </a:ext>
+            </a:extLst>
+          </p:cNvPr>
+          <p:cNvSpPr>
+            <a:spLocks noGrp="1"/>
+          </p:cNvSpPr>
+          <p:nvPr>
+            <p:ph type="sldNum" sz="quarter" idx="12"/>
+          </p:nvPr>
+        </p:nvSpPr>
+        <p:spPr/>
+        <p:txBody>
+          <a:bodyPr/>
+          <a:lstStyle/>
+          <a:p>
+            <a:fld id="{E120E24D-9AC4-413F-A247-89E1AB2D5697}" type="slidenum">
+              <a:rPr lang="nl-BE" smtClean="0"/>
+              <a:t>24</a:t>
+            </a:fld>
+            <a:endParaRPr lang="nl-BE"/>
+          </a:p>
+        </p:txBody>
+      </p:sp>
+    </p:spTree>
+    <p:extLst>
+      <p:ext uri="{BB962C8B-B14F-4D97-AF65-F5344CB8AC3E}">
+        <p14:creationId xmlns:p14="http://schemas.microsoft.com/office/powerpoint/2010/main" val="4241260348"/>
+      </p:ext>
+    </p:extLst>
+  </p:cSld>
+  <p:clrMapOvr>
+    <a:masterClrMapping/>
+  </p:clrMapOvr>
+</p:sld>
+</file>
+
+<file path=ppt/slides/slide25.xml><?xml version="1.0" encoding="utf-8"?>
+<p:sld xmlns:a="http://schemas.openxmlformats.org/drawingml/2006/main" xmlns:r="http://schemas.openxmlformats.org/officeDocument/2006/relationships" xmlns:p="http://schemas.openxmlformats.org/presentationml/2006/main">
+  <p:cSld>
+    <p:spTree>
+      <p:nvGrpSpPr>
+        <p:cNvPr id="1" name=""/>
+        <p:cNvGrpSpPr/>
+        <p:nvPr/>
+      </p:nvGrpSpPr>
+      <p:grpSpPr>
+        <a:xfrm>
+          <a:off x="0" y="0"/>
+          <a:ext cx="0" cy="0"/>
+          <a:chOff x="0" y="0"/>
+          <a:chExt cx="0" cy="0"/>
+        </a:xfrm>
+      </p:grpSpPr>
+      <p:sp>
+        <p:nvSpPr>
+          <p:cNvPr id="2" name="Title 1">
+            <a:extLst>
+              <a:ext uri="{FF2B5EF4-FFF2-40B4-BE49-F238E27FC236}">
+                <a16:creationId xmlns:a16="http://schemas.microsoft.com/office/drawing/2014/main" id="{F6E9D7BE-F7C6-C69C-D8B1-C769D28B622B}"/>
+              </a:ext>
+            </a:extLst>
+          </p:cNvPr>
+          <p:cNvSpPr>
+            <a:spLocks noGrp="1"/>
+          </p:cNvSpPr>
+          <p:nvPr>
+            <p:ph type="title"/>
+          </p:nvPr>
+        </p:nvSpPr>
+        <p:spPr/>
+        <p:txBody>
+          <a:bodyPr/>
+          <a:lstStyle/>
+          <a:p>
+            <a:r>
+              <a:rPr lang="en-US" dirty="0"/>
+              <a:t>Matter - Commissioning</a:t>
+            </a:r>
+          </a:p>
+        </p:txBody>
+      </p:sp>
+      <p:sp>
+        <p:nvSpPr>
+          <p:cNvPr id="5" name="Slide Number Placeholder 4">
+            <a:extLst>
+              <a:ext uri="{FF2B5EF4-FFF2-40B4-BE49-F238E27FC236}">
+                <a16:creationId xmlns:a16="http://schemas.microsoft.com/office/drawing/2014/main" id="{BC73E1AC-C020-ED58-CB66-DDB49712ACE8}"/>
+              </a:ext>
+            </a:extLst>
+          </p:cNvPr>
+          <p:cNvSpPr>
+            <a:spLocks noGrp="1"/>
+          </p:cNvSpPr>
+          <p:nvPr>
+            <p:ph type="sldNum" sz="quarter" idx="12"/>
+          </p:nvPr>
+        </p:nvSpPr>
+        <p:spPr/>
+        <p:txBody>
+          <a:bodyPr/>
+          <a:lstStyle/>
+          <a:p>
+            <a:fld id="{E120E24D-9AC4-413F-A247-89E1AB2D5697}" type="slidenum">
+              <a:rPr lang="nl-BE" smtClean="0"/>
+              <a:t>25</a:t>
+            </a:fld>
+            <a:endParaRPr lang="nl-BE"/>
+          </a:p>
+        </p:txBody>
+      </p:sp>
+      <p:pic>
+        <p:nvPicPr>
+          <p:cNvPr id="8" name="Afbeelding 1">
+            <a:extLst>
+              <a:ext uri="{FF2B5EF4-FFF2-40B4-BE49-F238E27FC236}">
+                <a16:creationId xmlns:a16="http://schemas.microsoft.com/office/drawing/2014/main" id="{BB8722CA-66F6-DAB3-CE11-2F06E45E0584}"/>
+              </a:ext>
+            </a:extLst>
+          </p:cNvPr>
+          <p:cNvPicPr>
+            <a:picLocks noChangeAspect="1"/>
+          </p:cNvPicPr>
+          <p:nvPr/>
+        </p:nvPicPr>
+        <p:blipFill>
+          <a:blip r:embed="rId2"/>
+          <a:stretch>
+            <a:fillRect/>
+          </a:stretch>
+        </p:blipFill>
+        <p:spPr>
+          <a:xfrm>
+            <a:off x="1444307" y="1445259"/>
+            <a:ext cx="5740195" cy="5117465"/>
+          </a:xfrm>
+          <a:prstGeom prst="rect">
+            <a:avLst/>
+          </a:prstGeom>
+        </p:spPr>
+      </p:pic>
+    </p:spTree>
+    <p:extLst>
+      <p:ext uri="{BB962C8B-B14F-4D97-AF65-F5344CB8AC3E}">
+        <p14:creationId xmlns:p14="http://schemas.microsoft.com/office/powerpoint/2010/main" val="3259686116"/>
+      </p:ext>
+    </p:extLst>
+  </p:cSld>
+  <p:clrMapOvr>
+    <a:masterClrMapping/>
+  </p:clrMapOvr>
+</p:sld>
+</file>
+
+<file path=ppt/slides/slide26.xml><?xml version="1.0" encoding="utf-8"?>
+<p:sld xmlns:a="http://schemas.openxmlformats.org/drawingml/2006/main" xmlns:r="http://schemas.openxmlformats.org/officeDocument/2006/relationships" xmlns:p="http://schemas.openxmlformats.org/presentationml/2006/main">
+  <p:cSld>
+    <p:spTree>
+      <p:nvGrpSpPr>
+        <p:cNvPr id="1" name=""/>
+        <p:cNvGrpSpPr/>
+        <p:nvPr/>
+      </p:nvGrpSpPr>
+      <p:grpSpPr>
+        <a:xfrm>
+          <a:off x="0" y="0"/>
+          <a:ext cx="0" cy="0"/>
+          <a:chOff x="0" y="0"/>
+          <a:chExt cx="0" cy="0"/>
+        </a:xfrm>
+      </p:grpSpPr>
+      <p:sp>
+        <p:nvSpPr>
+          <p:cNvPr id="2" name="Title 1">
+            <a:extLst>
+              <a:ext uri="{FF2B5EF4-FFF2-40B4-BE49-F238E27FC236}">
+                <a16:creationId xmlns:a16="http://schemas.microsoft.com/office/drawing/2014/main" id="{CA0B9CA8-098C-7FBC-7F6A-23975F48B4D3}"/>
+              </a:ext>
+            </a:extLst>
+          </p:cNvPr>
+          <p:cNvSpPr>
+            <a:spLocks noGrp="1"/>
+          </p:cNvSpPr>
+          <p:nvPr>
+            <p:ph type="title"/>
+          </p:nvPr>
+        </p:nvSpPr>
+        <p:spPr>
+          <a:xfrm>
+            <a:off x="677334" y="451513"/>
+            <a:ext cx="9514416" cy="1320800"/>
+          </a:xfrm>
+        </p:spPr>
+        <p:txBody>
+          <a:bodyPr/>
+          <a:lstStyle/>
+          <a:p>
+            <a:r>
+              <a:rPr lang="en-US" dirty="0"/>
+              <a:t>Matter – Fabric</a:t>
+            </a:r>
+          </a:p>
+        </p:txBody>
+      </p:sp>
+      <p:sp>
+        <p:nvSpPr>
+          <p:cNvPr id="7" name="Slide Number Placeholder 6">
+            <a:extLst>
+              <a:ext uri="{FF2B5EF4-FFF2-40B4-BE49-F238E27FC236}">
+                <a16:creationId xmlns:a16="http://schemas.microsoft.com/office/drawing/2014/main" id="{30308D5D-1202-99DC-FDE4-181F20DDC0DF}"/>
+              </a:ext>
+            </a:extLst>
+          </p:cNvPr>
+          <p:cNvSpPr>
+            <a:spLocks noGrp="1"/>
+          </p:cNvSpPr>
+          <p:nvPr>
+            <p:ph type="sldNum" sz="quarter" idx="12"/>
+          </p:nvPr>
+        </p:nvSpPr>
+        <p:spPr/>
+        <p:txBody>
+          <a:bodyPr/>
+          <a:lstStyle/>
+          <a:p>
+            <a:fld id="{E120E24D-9AC4-413F-A247-89E1AB2D5697}" type="slidenum">
+              <a:rPr lang="nl-BE" smtClean="0"/>
+              <a:t>26</a:t>
+            </a:fld>
+            <a:endParaRPr lang="nl-BE"/>
+          </a:p>
+        </p:txBody>
+      </p:sp>
+      <p:pic>
+        <p:nvPicPr>
+          <p:cNvPr id="3" name="Content Placeholder 11">
+            <a:extLst>
+              <a:ext uri="{FF2B5EF4-FFF2-40B4-BE49-F238E27FC236}">
+                <a16:creationId xmlns:a16="http://schemas.microsoft.com/office/drawing/2014/main" id="{43F92D5B-E7F7-A1E9-9003-1E885EFE1CDC}"/>
+              </a:ext>
+            </a:extLst>
+          </p:cNvPr>
+          <p:cNvPicPr>
+            <a:picLocks noChangeAspect="1"/>
+          </p:cNvPicPr>
+          <p:nvPr/>
+        </p:nvPicPr>
+        <p:blipFill>
+          <a:blip r:embed="rId3">
+            <a:extLst>
+              <a:ext uri="{28A0092B-C50C-407E-A947-70E740481C1C}">
+                <a14:useLocalDpi xmlns:a14="http://schemas.microsoft.com/office/drawing/2010/main" val="0"/>
+              </a:ext>
+            </a:extLst>
+          </a:blip>
+          <a:stretch>
+            <a:fillRect/>
+          </a:stretch>
+        </p:blipFill>
+        <p:spPr>
+          <a:xfrm>
+            <a:off x="4378591" y="-10187"/>
+            <a:ext cx="7813409" cy="6858000"/>
+          </a:xfrm>
+          <a:prstGeom prst="rect">
+            <a:avLst/>
+          </a:prstGeom>
+        </p:spPr>
+      </p:pic>
+      <p:sp>
+        <p:nvSpPr>
+          <p:cNvPr id="9" name="Content Placeholder 8">
+            <a:extLst>
+              <a:ext uri="{FF2B5EF4-FFF2-40B4-BE49-F238E27FC236}">
+                <a16:creationId xmlns:a16="http://schemas.microsoft.com/office/drawing/2014/main" id="{C188CEC9-CFBA-ACA3-28F8-299C59AD77F7}"/>
+              </a:ext>
+            </a:extLst>
+          </p:cNvPr>
+          <p:cNvSpPr>
+            <a:spLocks noGrp="1"/>
+          </p:cNvSpPr>
+          <p:nvPr>
+            <p:ph sz="half" idx="1"/>
+          </p:nvPr>
+        </p:nvSpPr>
+        <p:spPr/>
+        <p:txBody>
+          <a:bodyPr/>
+          <a:lstStyle/>
+          <a:p>
+            <a:r>
+              <a:rPr lang="en-US" dirty="0"/>
+              <a:t>The whole network</a:t>
+            </a:r>
+          </a:p>
+          <a:p>
+            <a:r>
+              <a:rPr lang="en-US" dirty="0"/>
+              <a:t>Sharing the same security domain</a:t>
+            </a:r>
+          </a:p>
+          <a:p>
+            <a:endParaRPr lang="en-US" dirty="0"/>
+          </a:p>
+        </p:txBody>
+      </p:sp>
+    </p:spTree>
+    <p:extLst>
+      <p:ext uri="{BB962C8B-B14F-4D97-AF65-F5344CB8AC3E}">
+        <p14:creationId xmlns:p14="http://schemas.microsoft.com/office/powerpoint/2010/main" val="3613099459"/>
+      </p:ext>
+    </p:extLst>
+  </p:cSld>
+  <p:clrMapOvr>
+    <a:masterClrMapping/>
+  </p:clrMapOvr>
+</p:sld>
+</file>
+
+<file path=ppt/slides/slide27.xml><?xml version="1.0" encoding="utf-8"?>
+<p:sld xmlns:a="http://schemas.openxmlformats.org/drawingml/2006/main" xmlns:r="http://schemas.openxmlformats.org/officeDocument/2006/relationships" xmlns:p="http://schemas.openxmlformats.org/presentationml/2006/main">
+  <p:cSld>
+    <p:spTree>
+      <p:nvGrpSpPr>
+        <p:cNvPr id="1" name=""/>
+        <p:cNvGrpSpPr/>
+        <p:nvPr/>
+      </p:nvGrpSpPr>
+      <p:grpSpPr>
+        <a:xfrm>
+          <a:off x="0" y="0"/>
+          <a:ext cx="0" cy="0"/>
+          <a:chOff x="0" y="0"/>
+          <a:chExt cx="0" cy="0"/>
+        </a:xfrm>
+      </p:grpSpPr>
+      <p:sp>
+        <p:nvSpPr>
+          <p:cNvPr id="2" name="Title 1">
+            <a:extLst>
+              <a:ext uri="{FF2B5EF4-FFF2-40B4-BE49-F238E27FC236}">
+                <a16:creationId xmlns:a16="http://schemas.microsoft.com/office/drawing/2014/main" id="{CA0B9CA8-098C-7FBC-7F6A-23975F48B4D3}"/>
+              </a:ext>
+            </a:extLst>
+          </p:cNvPr>
+          <p:cNvSpPr>
+            <a:spLocks noGrp="1"/>
+          </p:cNvSpPr>
+          <p:nvPr>
+            <p:ph type="title"/>
+          </p:nvPr>
+        </p:nvSpPr>
+        <p:spPr>
+          <a:xfrm>
+            <a:off x="401109" y="600075"/>
+            <a:ext cx="9514416" cy="1320800"/>
+          </a:xfrm>
+        </p:spPr>
+        <p:txBody>
+          <a:bodyPr/>
+          <a:lstStyle/>
+          <a:p>
+            <a:r>
+              <a:rPr lang="en-US" dirty="0"/>
+              <a:t>Matter – Multi-Admin</a:t>
+            </a:r>
+          </a:p>
+        </p:txBody>
+      </p:sp>
+      <p:sp>
+        <p:nvSpPr>
+          <p:cNvPr id="7" name="Slide Number Placeholder 6">
+            <a:extLst>
+              <a:ext uri="{FF2B5EF4-FFF2-40B4-BE49-F238E27FC236}">
+                <a16:creationId xmlns:a16="http://schemas.microsoft.com/office/drawing/2014/main" id="{30308D5D-1202-99DC-FDE4-181F20DDC0DF}"/>
+              </a:ext>
+            </a:extLst>
+          </p:cNvPr>
+          <p:cNvSpPr>
+            <a:spLocks noGrp="1"/>
+          </p:cNvSpPr>
+          <p:nvPr>
+            <p:ph type="sldNum" sz="quarter" idx="12"/>
+          </p:nvPr>
+        </p:nvSpPr>
+        <p:spPr/>
+        <p:txBody>
+          <a:bodyPr/>
+          <a:lstStyle/>
+          <a:p>
+            <a:fld id="{E120E24D-9AC4-413F-A247-89E1AB2D5697}" type="slidenum">
+              <a:rPr lang="nl-BE" smtClean="0"/>
+              <a:t>27</a:t>
+            </a:fld>
+            <a:endParaRPr lang="nl-BE"/>
+          </a:p>
+        </p:txBody>
+      </p:sp>
+      <p:pic>
+        <p:nvPicPr>
+          <p:cNvPr id="12" name="Content Placeholder 11">
+            <a:extLst>
+              <a:ext uri="{FF2B5EF4-FFF2-40B4-BE49-F238E27FC236}">
+                <a16:creationId xmlns:a16="http://schemas.microsoft.com/office/drawing/2014/main" id="{69D0524A-2458-90BD-4D7F-7A382B38C1CB}"/>
+              </a:ext>
+            </a:extLst>
+          </p:cNvPr>
+          <p:cNvPicPr>
+            <a:picLocks noGrp="1" noChangeAspect="1"/>
+          </p:cNvPicPr>
+          <p:nvPr>
+            <p:ph sz="half" idx="1"/>
+          </p:nvPr>
+        </p:nvPicPr>
+        <p:blipFill>
+          <a:blip r:embed="rId3">
+            <a:extLst>
+              <a:ext uri="{28A0092B-C50C-407E-A947-70E740481C1C}">
+                <a14:useLocalDpi xmlns:a14="http://schemas.microsoft.com/office/drawing/2010/main" val="0"/>
+              </a:ext>
+            </a:extLst>
+          </a:blip>
+          <a:stretch>
+            <a:fillRect/>
+          </a:stretch>
+        </p:blipFill>
+        <p:spPr>
+          <a:xfrm>
+            <a:off x="0" y="1515223"/>
+            <a:ext cx="6087096" cy="5342777"/>
+          </a:xfrm>
+        </p:spPr>
+      </p:pic>
+      <p:pic>
+        <p:nvPicPr>
+          <p:cNvPr id="5" name="Content Placeholder 11">
+            <a:extLst>
+              <a:ext uri="{FF2B5EF4-FFF2-40B4-BE49-F238E27FC236}">
+                <a16:creationId xmlns:a16="http://schemas.microsoft.com/office/drawing/2014/main" id="{6BEAE703-AACC-6E1B-0440-30BCAFBEB637}"/>
+              </a:ext>
+            </a:extLst>
+          </p:cNvPr>
+          <p:cNvPicPr>
+            <a:picLocks noChangeAspect="1"/>
+          </p:cNvPicPr>
+          <p:nvPr/>
+        </p:nvPicPr>
+        <p:blipFill>
+          <a:blip r:embed="rId3">
+            <a:extLst>
+              <a:ext uri="{28A0092B-C50C-407E-A947-70E740481C1C}">
+                <a14:useLocalDpi xmlns:a14="http://schemas.microsoft.com/office/drawing/2010/main" val="0"/>
+              </a:ext>
+            </a:extLst>
+          </a:blip>
+          <a:stretch>
+            <a:fillRect/>
+          </a:stretch>
+        </p:blipFill>
+        <p:spPr>
+          <a:xfrm flipH="1">
+            <a:off x="5971865" y="1373098"/>
+            <a:ext cx="6249020" cy="5484902"/>
+          </a:xfrm>
+          <a:prstGeom prst="rect">
+            <a:avLst/>
+          </a:prstGeom>
+        </p:spPr>
+      </p:pic>
+      <p:sp>
+        <p:nvSpPr>
+          <p:cNvPr id="6" name="Oval 5">
+            <a:extLst>
+              <a:ext uri="{FF2B5EF4-FFF2-40B4-BE49-F238E27FC236}">
+                <a16:creationId xmlns:a16="http://schemas.microsoft.com/office/drawing/2014/main" id="{29B1DB07-0F58-3D20-8D8D-3A20EB1DFA17}"/>
+              </a:ext>
+            </a:extLst>
+          </p:cNvPr>
+          <p:cNvSpPr/>
+          <p:nvPr/>
+        </p:nvSpPr>
+        <p:spPr>
+          <a:xfrm>
+            <a:off x="5100948" y="3784601"/>
+            <a:ext cx="1933575" cy="1152525"/>
+          </a:xfrm>
+          <a:prstGeom prst="ellipse">
+            <a:avLst/>
+          </a:prstGeom>
+          <a:noFill/>
+        </p:spPr>
+        <p:style>
+          <a:lnRef idx="2">
+            <a:schemeClr val="accent1">
+              <a:shade val="15000"/>
+            </a:schemeClr>
+          </a:lnRef>
+          <a:fillRef idx="1">
+            <a:schemeClr val="accent1"/>
+          </a:fillRef>
+          <a:effectRef idx="0">
+            <a:schemeClr val="accent1"/>
+          </a:effectRef>
+          <a:fontRef idx="minor">
+            <a:schemeClr val="lt1"/>
+          </a:fontRef>
+        </p:style>
+        <p:txBody>
+          <a:bodyPr rtlCol="0" anchor="ctr"/>
+          <a:lstStyle/>
+          <a:p>
+            <a:pPr algn="ctr"/>
+            <a:endParaRPr lang="en-US"/>
+          </a:p>
+        </p:txBody>
+      </p:sp>
+    </p:spTree>
+    <p:extLst>
+      <p:ext uri="{BB962C8B-B14F-4D97-AF65-F5344CB8AC3E}">
+        <p14:creationId xmlns:p14="http://schemas.microsoft.com/office/powerpoint/2010/main" val="1493003627"/>
+      </p:ext>
+    </p:extLst>
+  </p:cSld>
+  <p:clrMapOvr>
+    <a:masterClrMapping/>
+  </p:clrMapOvr>
+</p:sld>
+</file>
+
+<file path=ppt/slides/slide28.xml><?xml version="1.0" encoding="utf-8"?>
+<p:sld xmlns:a="http://schemas.openxmlformats.org/drawingml/2006/main" xmlns:r="http://schemas.openxmlformats.org/officeDocument/2006/relationships" xmlns:p="http://schemas.openxmlformats.org/presentationml/2006/main">
+  <p:cSld>
+    <p:spTree>
+      <p:nvGrpSpPr>
+        <p:cNvPr id="1" name=""/>
+        <p:cNvGrpSpPr/>
+        <p:nvPr/>
+      </p:nvGrpSpPr>
+      <p:grpSpPr>
+        <a:xfrm>
+          <a:off x="0" y="0"/>
+          <a:ext cx="0" cy="0"/>
+          <a:chOff x="0" y="0"/>
+          <a:chExt cx="0" cy="0"/>
+        </a:xfrm>
+      </p:grpSpPr>
+      <p:sp>
+        <p:nvSpPr>
+          <p:cNvPr id="2" name="Title 1">
+            <a:extLst>
+              <a:ext uri="{FF2B5EF4-FFF2-40B4-BE49-F238E27FC236}">
+                <a16:creationId xmlns:a16="http://schemas.microsoft.com/office/drawing/2014/main" id="{3D648EE7-3197-ECF0-99ED-8158F4EC167D}"/>
+              </a:ext>
+            </a:extLst>
+          </p:cNvPr>
+          <p:cNvSpPr>
+            <a:spLocks noGrp="1"/>
+          </p:cNvSpPr>
+          <p:nvPr>
+            <p:ph type="title"/>
+          </p:nvPr>
+        </p:nvSpPr>
+        <p:spPr/>
+        <p:txBody>
+          <a:bodyPr/>
+          <a:lstStyle/>
+          <a:p>
+            <a:r>
+              <a:rPr lang="en-US" dirty="0"/>
+              <a:t>Matter – Hub &amp; Bridge</a:t>
+            </a:r>
+          </a:p>
+        </p:txBody>
+      </p:sp>
+      <p:sp>
+        <p:nvSpPr>
+          <p:cNvPr id="3" name="Content Placeholder 2">
+            <a:extLst>
+              <a:ext uri="{FF2B5EF4-FFF2-40B4-BE49-F238E27FC236}">
+                <a16:creationId xmlns:a16="http://schemas.microsoft.com/office/drawing/2014/main" id="{FF01C297-C12A-79DC-EB8D-DBE66056B72E}"/>
+              </a:ext>
+            </a:extLst>
+          </p:cNvPr>
+          <p:cNvSpPr>
+            <a:spLocks noGrp="1"/>
+          </p:cNvSpPr>
+          <p:nvPr>
+            <p:ph sz="half" idx="1"/>
+          </p:nvPr>
+        </p:nvSpPr>
+        <p:spPr/>
+        <p:txBody>
+          <a:bodyPr/>
+          <a:lstStyle/>
+          <a:p>
+            <a:endParaRPr lang="en-US"/>
+          </a:p>
+        </p:txBody>
+      </p:sp>
+      <p:sp>
+        <p:nvSpPr>
+          <p:cNvPr id="4" name="Content Placeholder 3">
+            <a:extLst>
+              <a:ext uri="{FF2B5EF4-FFF2-40B4-BE49-F238E27FC236}">
+                <a16:creationId xmlns:a16="http://schemas.microsoft.com/office/drawing/2014/main" id="{ADF718B8-406E-1529-A66A-196EFEF164AC}"/>
+              </a:ext>
+            </a:extLst>
+          </p:cNvPr>
+          <p:cNvSpPr>
+            <a:spLocks noGrp="1"/>
+          </p:cNvSpPr>
+          <p:nvPr>
+            <p:ph sz="half" idx="2"/>
+          </p:nvPr>
+        </p:nvSpPr>
+        <p:spPr/>
+        <p:txBody>
+          <a:bodyPr/>
+          <a:lstStyle/>
+          <a:p>
+            <a:endParaRPr lang="en-US"/>
+          </a:p>
+        </p:txBody>
+      </p:sp>
+      <p:sp>
+        <p:nvSpPr>
+          <p:cNvPr id="5" name="Slide Number Placeholder 4">
+            <a:extLst>
+              <a:ext uri="{FF2B5EF4-FFF2-40B4-BE49-F238E27FC236}">
+                <a16:creationId xmlns:a16="http://schemas.microsoft.com/office/drawing/2014/main" id="{727A2D65-E7D3-A4D1-60DF-D99340E3E44C}"/>
+              </a:ext>
+            </a:extLst>
+          </p:cNvPr>
+          <p:cNvSpPr>
+            <a:spLocks noGrp="1"/>
+          </p:cNvSpPr>
+          <p:nvPr>
+            <p:ph type="sldNum" sz="quarter" idx="12"/>
+          </p:nvPr>
+        </p:nvSpPr>
+        <p:spPr/>
+        <p:txBody>
+          <a:bodyPr/>
+          <a:lstStyle/>
+          <a:p>
+            <a:fld id="{E120E24D-9AC4-413F-A247-89E1AB2D5697}" type="slidenum">
+              <a:rPr lang="nl-BE" smtClean="0"/>
+              <a:t>28</a:t>
+            </a:fld>
+            <a:endParaRPr lang="nl-BE"/>
+          </a:p>
+        </p:txBody>
+      </p:sp>
+    </p:spTree>
+    <p:extLst>
+      <p:ext uri="{BB962C8B-B14F-4D97-AF65-F5344CB8AC3E}">
+        <p14:creationId xmlns:p14="http://schemas.microsoft.com/office/powerpoint/2010/main" val="1713073154"/>
+      </p:ext>
+    </p:extLst>
+  </p:cSld>
+  <p:clrMapOvr>
+    <a:masterClrMapping/>
+  </p:clrMapOvr>
+</p:sld>
+</file>
+
+<file path=ppt/slides/slide29.xml><?xml version="1.0" encoding="utf-8"?>
+<p:sld xmlns:a="http://schemas.openxmlformats.org/drawingml/2006/main" xmlns:r="http://schemas.openxmlformats.org/officeDocument/2006/relationships" xmlns:p="http://schemas.openxmlformats.org/presentationml/2006/main">
+  <p:cSld>
+    <p:spTree>
+      <p:nvGrpSpPr>
+        <p:cNvPr id="1" name=""/>
+        <p:cNvGrpSpPr/>
+        <p:nvPr/>
+      </p:nvGrpSpPr>
+      <p:grpSpPr>
+        <a:xfrm>
+          <a:off x="0" y="0"/>
+          <a:ext cx="0" cy="0"/>
+          <a:chOff x="0" y="0"/>
+          <a:chExt cx="0" cy="0"/>
+        </a:xfrm>
+      </p:grpSpPr>
+      <p:sp>
+        <p:nvSpPr>
+          <p:cNvPr id="2" name="Title 1">
+            <a:extLst>
+              <a:ext uri="{FF2B5EF4-FFF2-40B4-BE49-F238E27FC236}">
+                <a16:creationId xmlns:a16="http://schemas.microsoft.com/office/drawing/2014/main" id="{62782A39-B55C-1A7B-E458-EBDBAEE74436}"/>
+              </a:ext>
+            </a:extLst>
+          </p:cNvPr>
+          <p:cNvSpPr>
+            <a:spLocks noGrp="1"/>
+          </p:cNvSpPr>
+          <p:nvPr>
+            <p:ph type="title"/>
+          </p:nvPr>
+        </p:nvSpPr>
+        <p:spPr/>
+        <p:txBody>
+          <a:bodyPr/>
+          <a:lstStyle/>
+          <a:p>
+            <a:r>
+              <a:rPr lang="en-US" dirty="0"/>
+              <a:t>Matter – CSA Membership &amp; certification</a:t>
+            </a:r>
+          </a:p>
+        </p:txBody>
+      </p:sp>
+      <p:pic>
+        <p:nvPicPr>
+          <p:cNvPr id="6" name="Picture 5">
+            <a:extLst>
+              <a:ext uri="{FF2B5EF4-FFF2-40B4-BE49-F238E27FC236}">
+                <a16:creationId xmlns:a16="http://schemas.microsoft.com/office/drawing/2014/main" id="{8A3AB1FB-5128-62F0-34F2-C921977A5333}"/>
+              </a:ext>
+            </a:extLst>
+          </p:cNvPr>
+          <p:cNvPicPr>
+            <a:picLocks noChangeAspect="1"/>
+          </p:cNvPicPr>
+          <p:nvPr/>
+        </p:nvPicPr>
+        <p:blipFill>
+          <a:blip r:embed="rId2"/>
+          <a:stretch>
+            <a:fillRect/>
+          </a:stretch>
+        </p:blipFill>
+        <p:spPr>
+          <a:xfrm>
+            <a:off x="346047" y="1791012"/>
+            <a:ext cx="9030643" cy="3720102"/>
+          </a:xfrm>
+          <a:prstGeom prst="rect">
+            <a:avLst/>
+          </a:prstGeom>
+        </p:spPr>
+      </p:pic>
+      <p:sp>
+        <p:nvSpPr>
+          <p:cNvPr id="7" name="Slide Number Placeholder 6">
+            <a:extLst>
+              <a:ext uri="{FF2B5EF4-FFF2-40B4-BE49-F238E27FC236}">
+                <a16:creationId xmlns:a16="http://schemas.microsoft.com/office/drawing/2014/main" id="{4F030277-6895-BF52-5E47-729326A28CE1}"/>
+              </a:ext>
+            </a:extLst>
+          </p:cNvPr>
+          <p:cNvSpPr>
+            <a:spLocks noGrp="1"/>
+          </p:cNvSpPr>
+          <p:nvPr>
+            <p:ph type="sldNum" sz="quarter" idx="12"/>
+          </p:nvPr>
+        </p:nvSpPr>
+        <p:spPr/>
+        <p:txBody>
+          <a:bodyPr/>
+          <a:lstStyle/>
+          <a:p>
+            <a:fld id="{E120E24D-9AC4-413F-A247-89E1AB2D5697}" type="slidenum">
+              <a:rPr lang="nl-BE" smtClean="0"/>
+              <a:t>29</a:t>
+            </a:fld>
+            <a:endParaRPr lang="nl-BE"/>
+          </a:p>
+        </p:txBody>
+      </p:sp>
+    </p:spTree>
+    <p:extLst>
+      <p:ext uri="{BB962C8B-B14F-4D97-AF65-F5344CB8AC3E}">
+        <p14:creationId xmlns:p14="http://schemas.microsoft.com/office/powerpoint/2010/main" val="3368218669"/>
       </p:ext>
     </p:extLst>
   </p:cSld>
@@ -9141,6 +11053,23 @@
             <a:endParaRPr lang="nl-BE" dirty="0"/>
           </a:p>
           <a:p>
+            <a:r>
+              <a:rPr lang="nl-BE" dirty="0"/>
+              <a:t>Q</a:t>
+            </a:r>
+            <a:r>
+              <a:rPr lang="nl-BE" dirty="0">
+                <a:latin typeface="Arial" panose="020B0604020202020204" pitchFamily="34" charset="0"/>
+                <a:cs typeface="Arial" panose="020B0604020202020204" pitchFamily="34" charset="0"/>
+              </a:rPr>
+              <a:t>&amp;</a:t>
+            </a:r>
+            <a:r>
+              <a:rPr lang="nl-BE" dirty="0"/>
+              <a:t>A</a:t>
+            </a:r>
+          </a:p>
+          <a:p>
             <a:endParaRPr lang="nl-BE" dirty="0"/>
           </a:p>
         </p:txBody>
@@ -9203,6 +11132,527 @@
     <p:extLst>
       <p:ext uri="{BB962C8B-B14F-4D97-AF65-F5344CB8AC3E}">
         <p14:creationId xmlns:p14="http://schemas.microsoft.com/office/powerpoint/2010/main" val="926776781"/>
+      </p:ext>
+    </p:extLst>
+  </p:cSld>
+  <p:clrMapOvr>
+    <a:masterClrMapping/>
+  </p:clrMapOvr>
+</p:sld>
+</file>
+
+<file path=ppt/slides/slide30.xml><?xml version="1.0" encoding="utf-8"?>
+<p:sld xmlns:a="http://schemas.openxmlformats.org/drawingml/2006/main" xmlns:r="http://schemas.openxmlformats.org/officeDocument/2006/relationships" xmlns:p="http://schemas.openxmlformats.org/presentationml/2006/main">
+  <p:cSld>
+    <p:spTree>
+      <p:nvGrpSpPr>
+        <p:cNvPr id="1" name=""/>
+        <p:cNvGrpSpPr/>
+        <p:nvPr/>
+      </p:nvGrpSpPr>
+      <p:grpSpPr>
+        <a:xfrm>
+          <a:off x="0" y="0"/>
+          <a:ext cx="0" cy="0"/>
+          <a:chOff x="0" y="0"/>
+          <a:chExt cx="0" cy="0"/>
+        </a:xfrm>
+      </p:grpSpPr>
+      <p:sp>
+        <p:nvSpPr>
+          <p:cNvPr id="2" name="Title 1">
+            <a:extLst>
+              <a:ext uri="{FF2B5EF4-FFF2-40B4-BE49-F238E27FC236}">
+                <a16:creationId xmlns:a16="http://schemas.microsoft.com/office/drawing/2014/main" id="{B3A0456A-85A3-899D-1779-2C5B29ABF814}"/>
+              </a:ext>
+            </a:extLst>
+          </p:cNvPr>
+          <p:cNvSpPr>
+            <a:spLocks noGrp="1"/>
+          </p:cNvSpPr>
+          <p:nvPr>
+            <p:ph type="title"/>
+          </p:nvPr>
+        </p:nvSpPr>
+        <p:spPr/>
+        <p:txBody>
+          <a:bodyPr/>
+          <a:lstStyle/>
+          <a:p>
+            <a:r>
+              <a:rPr lang="en-US" dirty="0"/>
+              <a:t>Matter – Hardware</a:t>
+            </a:r>
+          </a:p>
+        </p:txBody>
+      </p:sp>
+      <p:sp>
+        <p:nvSpPr>
+          <p:cNvPr id="3" name="Content Placeholder 2">
+            <a:extLst>
+              <a:ext uri="{FF2B5EF4-FFF2-40B4-BE49-F238E27FC236}">
+                <a16:creationId xmlns:a16="http://schemas.microsoft.com/office/drawing/2014/main" id="{EEE256C6-A04F-2CE1-9815-F03AC6BADD71}"/>
+              </a:ext>
+            </a:extLst>
+          </p:cNvPr>
+          <p:cNvSpPr>
+            <a:spLocks noGrp="1"/>
+          </p:cNvSpPr>
+          <p:nvPr>
+            <p:ph sz="half" idx="1"/>
+          </p:nvPr>
+        </p:nvSpPr>
+        <p:spPr/>
+        <p:txBody>
+          <a:bodyPr/>
+          <a:lstStyle/>
+          <a:p>
+            <a:endParaRPr lang="en-US"/>
+          </a:p>
+        </p:txBody>
+      </p:sp>
+      <p:sp>
+        <p:nvSpPr>
+          <p:cNvPr id="4" name="Content Placeholder 3">
+            <a:extLst>
+              <a:ext uri="{FF2B5EF4-FFF2-40B4-BE49-F238E27FC236}">
+                <a16:creationId xmlns:a16="http://schemas.microsoft.com/office/drawing/2014/main" id="{63ABE3FC-3ABB-3B03-E7B8-62AD8C79E6BF}"/>
+              </a:ext>
+            </a:extLst>
+          </p:cNvPr>
+          <p:cNvSpPr>
+            <a:spLocks noGrp="1"/>
+          </p:cNvSpPr>
+          <p:nvPr>
+            <p:ph sz="half" idx="2"/>
+          </p:nvPr>
+        </p:nvSpPr>
+        <p:spPr/>
+        <p:txBody>
+          <a:bodyPr/>
+          <a:lstStyle/>
+          <a:p>
+            <a:endParaRPr lang="en-US"/>
+          </a:p>
+        </p:txBody>
+      </p:sp>
+      <p:sp>
+        <p:nvSpPr>
+          <p:cNvPr id="5" name="Slide Number Placeholder 4">
+            <a:extLst>
+              <a:ext uri="{FF2B5EF4-FFF2-40B4-BE49-F238E27FC236}">
+                <a16:creationId xmlns:a16="http://schemas.microsoft.com/office/drawing/2014/main" id="{610EC97A-6E81-1B76-3730-694721D3D70E}"/>
+              </a:ext>
+            </a:extLst>
+          </p:cNvPr>
+          <p:cNvSpPr>
+            <a:spLocks noGrp="1"/>
+          </p:cNvSpPr>
+          <p:nvPr>
+            <p:ph type="sldNum" sz="quarter" idx="12"/>
+          </p:nvPr>
+        </p:nvSpPr>
+        <p:spPr/>
+        <p:txBody>
+          <a:bodyPr/>
+          <a:lstStyle/>
+          <a:p>
+            <a:fld id="{E120E24D-9AC4-413F-A247-89E1AB2D5697}" type="slidenum">
+              <a:rPr lang="nl-BE" smtClean="0"/>
+              <a:t>30</a:t>
+            </a:fld>
+            <a:endParaRPr lang="nl-BE"/>
+          </a:p>
+        </p:txBody>
+      </p:sp>
+    </p:spTree>
+    <p:extLst>
+      <p:ext uri="{BB962C8B-B14F-4D97-AF65-F5344CB8AC3E}">
+        <p14:creationId xmlns:p14="http://schemas.microsoft.com/office/powerpoint/2010/main" val="1631806897"/>
+      </p:ext>
+    </p:extLst>
+  </p:cSld>
+  <p:clrMapOvr>
+    <a:masterClrMapping/>
+  </p:clrMapOvr>
+</p:sld>
+</file>
+
+<file path=ppt/slides/slide31.xml><?xml version="1.0" encoding="utf-8"?>
+<p:sld xmlns:a="http://schemas.openxmlformats.org/drawingml/2006/main" xmlns:r="http://schemas.openxmlformats.org/officeDocument/2006/relationships" xmlns:p="http://schemas.openxmlformats.org/presentationml/2006/main">
+  <p:cSld>
+    <p:spTree>
+      <p:nvGrpSpPr>
+        <p:cNvPr id="1" name=""/>
+        <p:cNvGrpSpPr/>
+        <p:nvPr/>
+      </p:nvGrpSpPr>
+      <p:grpSpPr>
+        <a:xfrm>
+          <a:off x="0" y="0"/>
+          <a:ext cx="0" cy="0"/>
+          <a:chOff x="0" y="0"/>
+          <a:chExt cx="0" cy="0"/>
+        </a:xfrm>
+      </p:grpSpPr>
+      <p:sp>
+        <p:nvSpPr>
+          <p:cNvPr id="2" name="Title 1">
+            <a:extLst>
+              <a:ext uri="{FF2B5EF4-FFF2-40B4-BE49-F238E27FC236}">
+                <a16:creationId xmlns:a16="http://schemas.microsoft.com/office/drawing/2014/main" id="{13DBA585-8DE8-8AD2-AA09-A00CC60BCDE7}"/>
+              </a:ext>
+            </a:extLst>
+          </p:cNvPr>
+          <p:cNvSpPr>
+            <a:spLocks noGrp="1"/>
+          </p:cNvSpPr>
+          <p:nvPr>
+            <p:ph type="title"/>
+          </p:nvPr>
+        </p:nvSpPr>
+        <p:spPr/>
+        <p:txBody>
+          <a:bodyPr/>
+          <a:lstStyle/>
+          <a:p>
+            <a:r>
+              <a:rPr lang="en-US" dirty="0"/>
+              <a:t>Matter – Develop with Matter</a:t>
+            </a:r>
+          </a:p>
+        </p:txBody>
+      </p:sp>
+      <p:sp>
+        <p:nvSpPr>
+          <p:cNvPr id="3" name="Content Placeholder 2">
+            <a:extLst>
+              <a:ext uri="{FF2B5EF4-FFF2-40B4-BE49-F238E27FC236}">
+                <a16:creationId xmlns:a16="http://schemas.microsoft.com/office/drawing/2014/main" id="{1697BA7D-59DA-144E-C188-3FDB91338516}"/>
+              </a:ext>
+            </a:extLst>
+          </p:cNvPr>
+          <p:cNvSpPr>
+            <a:spLocks noGrp="1"/>
+          </p:cNvSpPr>
+          <p:nvPr>
+            <p:ph sz="half" idx="1"/>
+          </p:nvPr>
+        </p:nvSpPr>
+        <p:spPr/>
+        <p:txBody>
+          <a:bodyPr/>
+          <a:lstStyle/>
+          <a:p>
+            <a:endParaRPr lang="en-US" dirty="0"/>
+          </a:p>
+        </p:txBody>
+      </p:sp>
+      <p:sp>
+        <p:nvSpPr>
+          <p:cNvPr id="4" name="Content Placeholder 3">
+            <a:extLst>
+              <a:ext uri="{FF2B5EF4-FFF2-40B4-BE49-F238E27FC236}">
+                <a16:creationId xmlns:a16="http://schemas.microsoft.com/office/drawing/2014/main" id="{B144949A-4389-61E4-B0F3-DE62713CDF63}"/>
+              </a:ext>
+            </a:extLst>
+          </p:cNvPr>
+          <p:cNvSpPr>
+            <a:spLocks noGrp="1"/>
+          </p:cNvSpPr>
+          <p:nvPr>
+            <p:ph sz="half" idx="2"/>
+          </p:nvPr>
+        </p:nvSpPr>
+        <p:spPr/>
+        <p:txBody>
+          <a:bodyPr/>
+          <a:lstStyle/>
+          <a:p>
+            <a:endParaRPr lang="en-US"/>
+          </a:p>
+        </p:txBody>
+      </p:sp>
+      <p:sp>
+        <p:nvSpPr>
+          <p:cNvPr id="5" name="Slide Number Placeholder 4">
+            <a:extLst>
+              <a:ext uri="{FF2B5EF4-FFF2-40B4-BE49-F238E27FC236}">
+                <a16:creationId xmlns:a16="http://schemas.microsoft.com/office/drawing/2014/main" id="{C94A9BC8-1B4A-FE30-A6C2-1A223983342F}"/>
+              </a:ext>
+            </a:extLst>
+          </p:cNvPr>
+          <p:cNvSpPr>
+            <a:spLocks noGrp="1"/>
+          </p:cNvSpPr>
+          <p:nvPr>
+            <p:ph type="sldNum" sz="quarter" idx="12"/>
+          </p:nvPr>
+        </p:nvSpPr>
+        <p:spPr/>
+        <p:txBody>
+          <a:bodyPr/>
+          <a:lstStyle/>
+          <a:p>
+            <a:fld id="{E120E24D-9AC4-413F-A247-89E1AB2D5697}" type="slidenum">
+              <a:rPr lang="nl-BE" smtClean="0"/>
+              <a:t>31</a:t>
+            </a:fld>
+            <a:endParaRPr lang="nl-BE"/>
+          </a:p>
+        </p:txBody>
+      </p:sp>
+    </p:spTree>
+    <p:extLst>
+      <p:ext uri="{BB962C8B-B14F-4D97-AF65-F5344CB8AC3E}">
+        <p14:creationId xmlns:p14="http://schemas.microsoft.com/office/powerpoint/2010/main" val="1942464613"/>
+      </p:ext>
+    </p:extLst>
+  </p:cSld>
+  <p:clrMapOvr>
+    <a:masterClrMapping/>
+  </p:clrMapOvr>
+</p:sld>
+</file>
+
+<file path=ppt/slides/slide32.xml><?xml version="1.0" encoding="utf-8"?>
+<p:sld xmlns:a="http://schemas.openxmlformats.org/drawingml/2006/main" xmlns:r="http://schemas.openxmlformats.org/officeDocument/2006/relationships" xmlns:p="http://schemas.openxmlformats.org/presentationml/2006/main">
+  <p:cSld>
+    <p:spTree>
+      <p:nvGrpSpPr>
+        <p:cNvPr id="1" name=""/>
+        <p:cNvGrpSpPr/>
+        <p:nvPr/>
+      </p:nvGrpSpPr>
+      <p:grpSpPr>
+        <a:xfrm>
+          <a:off x="0" y="0"/>
+          <a:ext cx="0" cy="0"/>
+          <a:chOff x="0" y="0"/>
+          <a:chExt cx="0" cy="0"/>
+        </a:xfrm>
+      </p:grpSpPr>
+      <p:sp>
+        <p:nvSpPr>
+          <p:cNvPr id="2" name="Title 1">
+            <a:extLst>
+              <a:ext uri="{FF2B5EF4-FFF2-40B4-BE49-F238E27FC236}">
+                <a16:creationId xmlns:a16="http://schemas.microsoft.com/office/drawing/2014/main" id="{F2CEB216-696F-AA13-4F83-E7A2CA2B152E}"/>
+              </a:ext>
+            </a:extLst>
+          </p:cNvPr>
+          <p:cNvSpPr>
+            <a:spLocks noGrp="1"/>
+          </p:cNvSpPr>
+          <p:nvPr>
+            <p:ph type="title"/>
+          </p:nvPr>
+        </p:nvSpPr>
+        <p:spPr/>
+        <p:txBody>
+          <a:bodyPr/>
+          <a:lstStyle/>
+          <a:p>
+            <a:r>
+              <a:rPr lang="en-US" dirty="0"/>
+              <a:t>OpenThread</a:t>
+            </a:r>
+          </a:p>
+        </p:txBody>
+      </p:sp>
+      <p:sp>
+        <p:nvSpPr>
+          <p:cNvPr id="3" name="Content Placeholder 2">
+            <a:extLst>
+              <a:ext uri="{FF2B5EF4-FFF2-40B4-BE49-F238E27FC236}">
+                <a16:creationId xmlns:a16="http://schemas.microsoft.com/office/drawing/2014/main" id="{8A8732D5-4226-1A27-160D-A706972AC23E}"/>
+              </a:ext>
+            </a:extLst>
+          </p:cNvPr>
+          <p:cNvSpPr>
+            <a:spLocks noGrp="1"/>
+          </p:cNvSpPr>
+          <p:nvPr>
+            <p:ph idx="1"/>
+          </p:nvPr>
+        </p:nvSpPr>
+        <p:spPr/>
+        <p:txBody>
+          <a:bodyPr/>
+          <a:lstStyle/>
+          <a:p>
+            <a:r>
+              <a:rPr lang="en-US" dirty="0"/>
+              <a:t>IPv6 mesh network</a:t>
+            </a:r>
+          </a:p>
+          <a:p>
+            <a:r>
+              <a:rPr lang="en-US" dirty="0"/>
+              <a:t>Low-power</a:t>
+            </a:r>
+          </a:p>
+          <a:p>
+            <a:endParaRPr lang="en-US" dirty="0"/>
+          </a:p>
+        </p:txBody>
+      </p:sp>
+      <p:sp>
+        <p:nvSpPr>
+          <p:cNvPr id="4" name="Slide Number Placeholder 3">
+            <a:extLst>
+              <a:ext uri="{FF2B5EF4-FFF2-40B4-BE49-F238E27FC236}">
+                <a16:creationId xmlns:a16="http://schemas.microsoft.com/office/drawing/2014/main" id="{5DF1CD3F-F64D-CAB5-7B89-D9327C68F45D}"/>
+              </a:ext>
+            </a:extLst>
+          </p:cNvPr>
+          <p:cNvSpPr>
+            <a:spLocks noGrp="1"/>
+          </p:cNvSpPr>
+          <p:nvPr>
+            <p:ph type="sldNum" sz="quarter" idx="12"/>
+          </p:nvPr>
+        </p:nvSpPr>
+        <p:spPr/>
+        <p:txBody>
+          <a:bodyPr/>
+          <a:lstStyle/>
+          <a:p>
+            <a:fld id="{E120E24D-9AC4-413F-A247-89E1AB2D5697}" type="slidenum">
+              <a:rPr lang="nl-BE" smtClean="0"/>
+              <a:t>32</a:t>
+            </a:fld>
+            <a:endParaRPr lang="nl-BE"/>
+          </a:p>
+        </p:txBody>
+      </p:sp>
+    </p:spTree>
+    <p:extLst>
+      <p:ext uri="{BB962C8B-B14F-4D97-AF65-F5344CB8AC3E}">
+        <p14:creationId xmlns:p14="http://schemas.microsoft.com/office/powerpoint/2010/main" val="2145771448"/>
+      </p:ext>
+    </p:extLst>
+  </p:cSld>
+  <p:clrMapOvr>
+    <a:masterClrMapping/>
+  </p:clrMapOvr>
+</p:sld>
+</file>
+
+<file path=ppt/slides/slide33.xml><?xml version="1.0" encoding="utf-8"?>
+<p:sld xmlns:a="http://schemas.openxmlformats.org/drawingml/2006/main" xmlns:r="http://schemas.openxmlformats.org/officeDocument/2006/relationships" xmlns:p="http://schemas.openxmlformats.org/presentationml/2006/main">
+  <p:cSld>
+    <p:spTree>
+      <p:nvGrpSpPr>
+        <p:cNvPr id="1" name=""/>
+        <p:cNvGrpSpPr/>
+        <p:nvPr/>
+      </p:nvGrpSpPr>
+      <p:grpSpPr>
+        <a:xfrm>
+          <a:off x="0" y="0"/>
+          <a:ext cx="0" cy="0"/>
+          <a:chOff x="0" y="0"/>
+          <a:chExt cx="0" cy="0"/>
+        </a:xfrm>
+      </p:grpSpPr>
+      <p:sp>
+        <p:nvSpPr>
+          <p:cNvPr id="5" name="Title 4">
+            <a:extLst>
+              <a:ext uri="{FF2B5EF4-FFF2-40B4-BE49-F238E27FC236}">
+                <a16:creationId xmlns:a16="http://schemas.microsoft.com/office/drawing/2014/main" id="{E573EF1A-B254-94B1-A44B-F5FF88FC23F5}"/>
+              </a:ext>
+            </a:extLst>
+          </p:cNvPr>
+          <p:cNvSpPr>
+            <a:spLocks noGrp="1"/>
+          </p:cNvSpPr>
+          <p:nvPr>
+            <p:ph type="ctrTitle"/>
+          </p:nvPr>
+        </p:nvSpPr>
+        <p:spPr/>
+        <p:txBody>
+          <a:bodyPr/>
+          <a:lstStyle/>
+          <a:p>
+            <a:r>
+              <a:rPr lang="en-US" dirty="0"/>
+              <a:t>Q</a:t>
+            </a:r>
+            <a:r>
+              <a:rPr lang="en-US" dirty="0">
+                <a:latin typeface="Arial" panose="020B0604020202020204" pitchFamily="34" charset="0"/>
+                <a:cs typeface="Arial" panose="020B0604020202020204" pitchFamily="34" charset="0"/>
+              </a:rPr>
+              <a:t>&amp;</a:t>
+            </a:r>
+            <a:r>
+              <a:rPr lang="en-US" dirty="0"/>
+              <a:t>A</a:t>
+            </a:r>
+          </a:p>
+        </p:txBody>
+      </p:sp>
+      <p:sp>
+        <p:nvSpPr>
+          <p:cNvPr id="6" name="Subtitle 5">
+            <a:extLst>
+              <a:ext uri="{FF2B5EF4-FFF2-40B4-BE49-F238E27FC236}">
+                <a16:creationId xmlns:a16="http://schemas.microsoft.com/office/drawing/2014/main" id="{5BF664BE-ECF7-CA56-4859-DFCF270363A9}"/>
+              </a:ext>
+            </a:extLst>
+          </p:cNvPr>
+          <p:cNvSpPr>
+            <a:spLocks noGrp="1"/>
+          </p:cNvSpPr>
+          <p:nvPr>
+            <p:ph type="subTitle" idx="1"/>
+          </p:nvPr>
+        </p:nvSpPr>
+        <p:spPr/>
+        <p:txBody>
+          <a:bodyPr/>
+          <a:lstStyle/>
+          <a:p>
+            <a:endParaRPr lang="en-US" dirty="0"/>
+          </a:p>
+        </p:txBody>
+      </p:sp>
+      <p:sp>
+        <p:nvSpPr>
+          <p:cNvPr id="4" name="Slide Number Placeholder 3">
+            <a:extLst>
+              <a:ext uri="{FF2B5EF4-FFF2-40B4-BE49-F238E27FC236}">
+                <a16:creationId xmlns:a16="http://schemas.microsoft.com/office/drawing/2014/main" id="{9B57AC29-06A5-D1B5-F9FB-DDCD25C7532A}"/>
+              </a:ext>
+            </a:extLst>
+          </p:cNvPr>
+          <p:cNvSpPr>
+            <a:spLocks noGrp="1"/>
+          </p:cNvSpPr>
+          <p:nvPr>
+            <p:ph type="sldNum" sz="quarter" idx="12"/>
+          </p:nvPr>
+        </p:nvSpPr>
+        <p:spPr/>
+        <p:txBody>
+          <a:bodyPr/>
+          <a:lstStyle/>
+          <a:p>
+            <a:fld id="{E120E24D-9AC4-413F-A247-89E1AB2D5697}" type="slidenum">
+              <a:rPr lang="nl-BE" smtClean="0"/>
+              <a:t>33</a:t>
+            </a:fld>
+            <a:endParaRPr lang="nl-BE"/>
+          </a:p>
+        </p:txBody>
+      </p:sp>
+    </p:spTree>
+    <p:extLst>
+      <p:ext uri="{BB962C8B-B14F-4D97-AF65-F5344CB8AC3E}">
+        <p14:creationId xmlns:p14="http://schemas.microsoft.com/office/powerpoint/2010/main" val="1675698773"/>
       </p:ext>
     </p:extLst>
   </p:cSld>
@@ -9497,7 +11947,7 @@
           <a:p>
             <a:r>
               <a:rPr lang="en-US" dirty="0"/>
-              <a:t>Network</a:t>
+              <a:t>Architecture</a:t>
             </a:r>
           </a:p>
           <a:p>
@@ -9510,6 +11960,12 @@
             <a:r>
               <a:rPr lang="en-US" dirty="0"/>
               <a:t>Interaction Model</a:t>
+            </a:r>
+          </a:p>
+          <a:p>
+            <a:r>
+              <a:rPr lang="en-US" dirty="0"/>
+              <a:t>Network</a:t>
             </a:r>
           </a:p>
           <a:p>
@@ -9558,12 +12014,6 @@
             <a:r>
               <a:rPr lang="en-US" dirty="0"/>
               <a:t>CSA membership &amp; certification</a:t>
-            </a:r>
-          </a:p>
-          <a:p>
-            <a:r>
-              <a:rPr lang="en-US" dirty="0"/>
-              <a:t>Hardware</a:t>
             </a:r>
           </a:p>
           <a:p>
@@ -9694,7 +12144,7 @@
         <p:spPr/>
         <p:txBody>
           <a:bodyPr>
-            <a:normAutofit lnSpcReduction="10000"/>
+            <a:normAutofit/>
           </a:bodyPr>
           <a:lstStyle/>
           <a:p>
@@ -9731,12 +12181,6 @@
             <a:r>
               <a:rPr lang="en-US" dirty="0"/>
               <a:t>Secure</a:t>
-            </a:r>
-          </a:p>
-          <a:p>
-            <a:r>
-              <a:rPr lang="en-US" dirty="0"/>
-              <a:t>Easy to use</a:t>
             </a:r>
           </a:p>
           <a:p>
@@ -9826,7 +12270,7 @@
           <p:cNvPr id="2" name="Title 1">
             <a:extLst>
               <a:ext uri="{FF2B5EF4-FFF2-40B4-BE49-F238E27FC236}">
-                <a16:creationId xmlns:a16="http://schemas.microsoft.com/office/drawing/2014/main" id="{CA0B9CA8-098C-7FBC-7F6A-23975F48B4D3}"/>
+                <a16:creationId xmlns:a16="http://schemas.microsoft.com/office/drawing/2014/main" id="{752362B4-1596-3D96-A849-FCE3480D06D7}"/>
               </a:ext>
             </a:extLst>
           </p:cNvPr>
@@ -9842,75 +12286,98 @@
           <a:bodyPr/>
           <a:lstStyle/>
           <a:p>
-            <a:r>
-              <a:rPr lang="en-US" dirty="0"/>
-              <a:t>Matter – Network</a:t>
-            </a:r>
+            <a:endParaRPr lang="en-US"/>
+          </a:p>
+        </p:txBody>
+      </p:sp>
+      <p:sp>
+        <p:nvSpPr>
+          <p:cNvPr id="3" name="Content Placeholder 2">
+            <a:extLst>
+              <a:ext uri="{FF2B5EF4-FFF2-40B4-BE49-F238E27FC236}">
+                <a16:creationId xmlns:a16="http://schemas.microsoft.com/office/drawing/2014/main" id="{3163674E-C510-BEDB-8491-9D36F21406B5}"/>
+              </a:ext>
+            </a:extLst>
+          </p:cNvPr>
+          <p:cNvSpPr>
+            <a:spLocks noGrp="1"/>
+          </p:cNvSpPr>
+          <p:nvPr>
+            <p:ph idx="1"/>
+          </p:nvPr>
+        </p:nvSpPr>
+        <p:spPr/>
+        <p:txBody>
+          <a:bodyPr/>
+          <a:lstStyle/>
+          <a:p>
+            <a:endParaRPr lang="en-US"/>
+          </a:p>
+        </p:txBody>
+      </p:sp>
+      <p:sp>
+        <p:nvSpPr>
+          <p:cNvPr id="4" name="Slide Number Placeholder 3">
+            <a:extLst>
+              <a:ext uri="{FF2B5EF4-FFF2-40B4-BE49-F238E27FC236}">
+                <a16:creationId xmlns:a16="http://schemas.microsoft.com/office/drawing/2014/main" id="{88F9CD03-7E5E-4DBA-A268-4D847FF24533}"/>
+              </a:ext>
+            </a:extLst>
+          </p:cNvPr>
+          <p:cNvSpPr>
+            <a:spLocks noGrp="1"/>
+          </p:cNvSpPr>
+          <p:nvPr>
+            <p:ph type="sldNum" sz="quarter" idx="12"/>
+          </p:nvPr>
+        </p:nvSpPr>
+        <p:spPr/>
+        <p:txBody>
+          <a:bodyPr/>
+          <a:lstStyle/>
+          <a:p>
+            <a:fld id="{E120E24D-9AC4-413F-A247-89E1AB2D5697}" type="slidenum">
+              <a:rPr lang="nl-BE" smtClean="0"/>
+              <a:t>7</a:t>
+            </a:fld>
+            <a:endParaRPr lang="nl-BE"/>
           </a:p>
         </p:txBody>
       </p:sp>
       <p:pic>
         <p:nvPicPr>
-          <p:cNvPr id="8" name="Content Placeholder 7">
+          <p:cNvPr id="6" name="Picture 5">
             <a:extLst>
               <a:ext uri="{FF2B5EF4-FFF2-40B4-BE49-F238E27FC236}">
-                <a16:creationId xmlns:a16="http://schemas.microsoft.com/office/drawing/2014/main" id="{DF75CA9B-6C4B-F4AE-410B-BDAD3DF19880}"/>
+                <a16:creationId xmlns:a16="http://schemas.microsoft.com/office/drawing/2014/main" id="{278EA876-31FC-8928-853C-02669469E90D}"/>
               </a:ext>
             </a:extLst>
           </p:cNvPr>
           <p:cNvPicPr>
-            <a:picLocks noGrp="1" noChangeAspect="1"/>
+            <a:picLocks noChangeAspect="1"/>
           </p:cNvPicPr>
-          <p:nvPr>
-            <p:ph idx="1"/>
-          </p:nvPr>
+          <p:nvPr/>
         </p:nvPicPr>
         <p:blipFill>
-          <a:blip r:embed="rId3"/>
+          <a:blip r:embed="rId2"/>
           <a:stretch>
             <a:fillRect/>
           </a:stretch>
         </p:blipFill>
         <p:spPr>
           <a:xfrm>
-            <a:off x="677690" y="2514713"/>
-            <a:ext cx="8596312" cy="3090808"/>
+            <a:off x="0" y="0"/>
+            <a:ext cx="12192000" cy="6858000"/>
           </a:xfrm>
+          <a:prstGeom prst="rect">
+            <a:avLst/>
+          </a:prstGeom>
         </p:spPr>
       </p:pic>
-      <p:sp>
-        <p:nvSpPr>
-          <p:cNvPr id="10" name="Slide Number Placeholder 9">
-            <a:extLst>
-              <a:ext uri="{FF2B5EF4-FFF2-40B4-BE49-F238E27FC236}">
-                <a16:creationId xmlns:a16="http://schemas.microsoft.com/office/drawing/2014/main" id="{DBB1210C-09FF-1546-81D0-EBE3657619AD}"/>
-              </a:ext>
-            </a:extLst>
-          </p:cNvPr>
-          <p:cNvSpPr>
-            <a:spLocks noGrp="1"/>
-          </p:cNvSpPr>
-          <p:nvPr>
-            <p:ph type="sldNum" sz="quarter" idx="12"/>
-          </p:nvPr>
-        </p:nvSpPr>
-        <p:spPr/>
-        <p:txBody>
-          <a:bodyPr/>
-          <a:lstStyle/>
-          <a:p>
-            <a:fld id="{E120E24D-9AC4-413F-A247-89E1AB2D5697}" type="slidenum">
-              <a:rPr lang="nl-BE" smtClean="0"/>
-              <a:t>7</a:t>
-            </a:fld>
-            <a:endParaRPr lang="nl-BE"/>
-          </a:p>
-        </p:txBody>
-      </p:sp>
     </p:spTree>
     <p:extLst>
       <p:ext uri="{BB962C8B-B14F-4D97-AF65-F5344CB8AC3E}">
-        <p14:creationId xmlns:p14="http://schemas.microsoft.com/office/powerpoint/2010/main" val="607032824"/>
+        <p14:creationId xmlns:p14="http://schemas.microsoft.com/office/powerpoint/2010/main" val="4043666654"/>
       </p:ext>
     </p:extLst>
   </p:cSld>
@@ -9953,40 +12420,33 @@
             <p:ph type="title"/>
           </p:nvPr>
         </p:nvSpPr>
-        <p:spPr>
-          <a:xfrm>
-            <a:off x="677334" y="620584"/>
-            <a:ext cx="8596668" cy="1320800"/>
-          </a:xfrm>
-        </p:spPr>
-        <p:txBody>
-          <a:bodyPr/>
-          <a:lstStyle/>
-          <a:p>
-            <a:r>
-              <a:rPr lang="en-US" dirty="0">
-                <a:highlight>
-                  <a:srgbClr val="FFFF00"/>
-                </a:highlight>
-              </a:rPr>
-              <a:t>Matter – Network</a:t>
+        <p:spPr/>
+        <p:txBody>
+          <a:bodyPr/>
+          <a:lstStyle/>
+          <a:p>
+            <a:r>
+              <a:rPr lang="en-US" dirty="0"/>
+              <a:t>Matter – Architecture</a:t>
             </a:r>
           </a:p>
         </p:txBody>
       </p:sp>
       <p:pic>
         <p:nvPicPr>
-          <p:cNvPr id="6" name="Afbeelding 1">
+          <p:cNvPr id="8" name="Content Placeholder 7">
             <a:extLst>
               <a:ext uri="{FF2B5EF4-FFF2-40B4-BE49-F238E27FC236}">
-                <a16:creationId xmlns:a16="http://schemas.microsoft.com/office/drawing/2014/main" id="{0E68DD24-CFBE-054E-4265-3826B7940065}"/>
+                <a16:creationId xmlns:a16="http://schemas.microsoft.com/office/drawing/2014/main" id="{DF75CA9B-6C4B-F4AE-410B-BDAD3DF19880}"/>
               </a:ext>
             </a:extLst>
           </p:cNvPr>
           <p:cNvPicPr>
-            <a:picLocks noChangeAspect="1"/>
+            <a:picLocks noGrp="1" noChangeAspect="1"/>
           </p:cNvPicPr>
-          <p:nvPr/>
+          <p:nvPr>
+            <p:ph idx="1"/>
+          </p:nvPr>
         </p:nvPicPr>
         <p:blipFill>
           <a:blip r:embed="rId3"/>
@@ -9996,12 +12456,9 @@
         </p:blipFill>
         <p:spPr>
           <a:xfrm>
-            <a:off x="1942008" y="1854241"/>
-            <a:ext cx="5540737" cy="3722775"/>
+            <a:off x="677690" y="2514713"/>
+            <a:ext cx="8596312" cy="3090808"/>
           </a:xfrm>
-          <a:prstGeom prst="rect">
-            <a:avLst/>
-          </a:prstGeom>
         </p:spPr>
       </p:pic>
       <p:sp>
@@ -10009,7 +12466,7 @@
           <p:cNvPr id="10" name="Slide Number Placeholder 9">
             <a:extLst>
               <a:ext uri="{FF2B5EF4-FFF2-40B4-BE49-F238E27FC236}">
-                <a16:creationId xmlns:a16="http://schemas.microsoft.com/office/drawing/2014/main" id="{B2D644A0-C512-C11E-17A5-106CC3010F3C}"/>
+                <a16:creationId xmlns:a16="http://schemas.microsoft.com/office/drawing/2014/main" id="{DBB1210C-09FF-1546-81D0-EBE3657619AD}"/>
               </a:ext>
             </a:extLst>
           </p:cNvPr>
@@ -10033,49 +12490,10 @@
           </a:p>
         </p:txBody>
       </p:sp>
-      <p:sp>
-        <p:nvSpPr>
-          <p:cNvPr id="11" name="TextBox 10">
-            <a:extLst>
-              <a:ext uri="{FF2B5EF4-FFF2-40B4-BE49-F238E27FC236}">
-                <a16:creationId xmlns:a16="http://schemas.microsoft.com/office/drawing/2014/main" id="{057A28F1-165E-C3DA-F6DB-0ACDE303DBDA}"/>
-              </a:ext>
-            </a:extLst>
-          </p:cNvPr>
-          <p:cNvSpPr txBox="1"/>
-          <p:nvPr/>
-        </p:nvSpPr>
-        <p:spPr>
-          <a:xfrm>
-            <a:off x="3847785" y="1456077"/>
-            <a:ext cx="2255766" cy="369332"/>
-          </a:xfrm>
-          <a:prstGeom prst="rect">
-            <a:avLst/>
-          </a:prstGeom>
-          <a:noFill/>
-        </p:spPr>
-        <p:txBody>
-          <a:bodyPr wrap="square" rtlCol="0">
-            <a:spAutoFit/>
-          </a:bodyPr>
-          <a:lstStyle/>
-          <a:p>
-            <a:r>
-              <a:rPr lang="en-US" dirty="0">
-                <a:highlight>
-                  <a:srgbClr val="FFFF00"/>
-                </a:highlight>
-              </a:rPr>
-              <a:t>STUDY THIS!!!!!</a:t>
-            </a:r>
-          </a:p>
-        </p:txBody>
-      </p:sp>
     </p:spTree>
     <p:extLst>
       <p:ext uri="{BB962C8B-B14F-4D97-AF65-F5344CB8AC3E}">
-        <p14:creationId xmlns:p14="http://schemas.microsoft.com/office/powerpoint/2010/main" val="1443603669"/>
+        <p14:creationId xmlns:p14="http://schemas.microsoft.com/office/powerpoint/2010/main" val="607032824"/>
       </p:ext>
     </p:extLst>
   </p:cSld>
@@ -10118,38 +12536,10 @@
             <p:ph type="title"/>
           </p:nvPr>
         </p:nvSpPr>
-        <p:spPr/>
-        <p:txBody>
-          <a:bodyPr/>
-          <a:lstStyle/>
-          <a:p>
-            <a:r>
-              <a:rPr lang="en-US" dirty="0"/>
-              <a:t>Matter – Network</a:t>
-            </a:r>
-          </a:p>
-        </p:txBody>
-      </p:sp>
-      <p:sp>
-        <p:nvSpPr>
-          <p:cNvPr id="3" name="Content Placeholder 2">
-            <a:extLst>
-              <a:ext uri="{FF2B5EF4-FFF2-40B4-BE49-F238E27FC236}">
-                <a16:creationId xmlns:a16="http://schemas.microsoft.com/office/drawing/2014/main" id="{A591820D-66C5-9848-0DE4-1A026A9F08F7}"/>
-              </a:ext>
-            </a:extLst>
-          </p:cNvPr>
-          <p:cNvSpPr>
-            <a:spLocks noGrp="1"/>
-          </p:cNvSpPr>
-          <p:nvPr>
-            <p:ph sz="half" idx="1"/>
-          </p:nvPr>
-        </p:nvSpPr>
         <p:spPr>
           <a:xfrm>
-            <a:off x="677334" y="2160590"/>
-            <a:ext cx="5013347" cy="3880772"/>
+            <a:off x="677334" y="620584"/>
+            <a:ext cx="8596668" cy="1320800"/>
           </a:xfrm>
         </p:spPr>
         <p:txBody>
@@ -10157,45 +12547,52 @@
           <a:lstStyle/>
           <a:p>
             <a:r>
-              <a:rPr lang="en-US" dirty="0"/>
-              <a:t>IPv6</a:t>
-            </a:r>
-          </a:p>
-          <a:p>
-            <a:r>
-              <a:rPr lang="en-US" dirty="0"/>
-              <a:t>Focus on three link layer technologies</a:t>
-            </a:r>
-          </a:p>
-          <a:p>
-            <a:r>
-              <a:rPr lang="en-US" dirty="0"/>
-              <a:t>Single Network Topology</a:t>
-            </a:r>
-          </a:p>
-          <a:p>
-            <a:r>
-              <a:rPr lang="en-US" dirty="0"/>
-              <a:t>Star Network Topology</a:t>
-            </a:r>
-          </a:p>
-          <a:p>
-            <a:r>
-              <a:rPr lang="en-US" dirty="0"/>
-              <a:t>Multiple fabrics possible</a:t>
-            </a:r>
-          </a:p>
-          <a:p>
-            <a:endParaRPr lang="en-US" dirty="0"/>
-          </a:p>
-        </p:txBody>
-      </p:sp>
-      <p:sp>
-        <p:nvSpPr>
-          <p:cNvPr id="7" name="Slide Number Placeholder 6">
+              <a:rPr lang="en-US" dirty="0">
+                <a:highlight>
+                  <a:srgbClr val="FFFF00"/>
+                </a:highlight>
+              </a:rPr>
+              <a:t>Matter – Architecture</a:t>
+            </a:r>
+          </a:p>
+        </p:txBody>
+      </p:sp>
+      <p:pic>
+        <p:nvPicPr>
+          <p:cNvPr id="6" name="Afbeelding 1">
             <a:extLst>
               <a:ext uri="{FF2B5EF4-FFF2-40B4-BE49-F238E27FC236}">
-                <a16:creationId xmlns:a16="http://schemas.microsoft.com/office/drawing/2014/main" id="{30308D5D-1202-99DC-FDE4-181F20DDC0DF}"/>
+                <a16:creationId xmlns:a16="http://schemas.microsoft.com/office/drawing/2014/main" id="{0E68DD24-CFBE-054E-4265-3826B7940065}"/>
+              </a:ext>
+            </a:extLst>
+          </p:cNvPr>
+          <p:cNvPicPr>
+            <a:picLocks noChangeAspect="1"/>
+          </p:cNvPicPr>
+          <p:nvPr/>
+        </p:nvPicPr>
+        <p:blipFill>
+          <a:blip r:embed="rId3"/>
+          <a:stretch>
+            <a:fillRect/>
+          </a:stretch>
+        </p:blipFill>
+        <p:spPr>
+          <a:xfrm>
+            <a:off x="1942008" y="1854241"/>
+            <a:ext cx="5540737" cy="3722775"/>
+          </a:xfrm>
+          <a:prstGeom prst="rect">
+            <a:avLst/>
+          </a:prstGeom>
+        </p:spPr>
+      </p:pic>
+      <p:sp>
+        <p:nvSpPr>
+          <p:cNvPr id="10" name="Slide Number Placeholder 9">
+            <a:extLst>
+              <a:ext uri="{FF2B5EF4-FFF2-40B4-BE49-F238E27FC236}">
+                <a16:creationId xmlns:a16="http://schemas.microsoft.com/office/drawing/2014/main" id="{B2D644A0-C512-C11E-17A5-106CC3010F3C}"/>
               </a:ext>
             </a:extLst>
           </p:cNvPr>
@@ -10219,10 +12616,49 @@
           </a:p>
         </p:txBody>
       </p:sp>
+      <p:sp>
+        <p:nvSpPr>
+          <p:cNvPr id="11" name="TextBox 10">
+            <a:extLst>
+              <a:ext uri="{FF2B5EF4-FFF2-40B4-BE49-F238E27FC236}">
+                <a16:creationId xmlns:a16="http://schemas.microsoft.com/office/drawing/2014/main" id="{057A28F1-165E-C3DA-F6DB-0ACDE303DBDA}"/>
+              </a:ext>
+            </a:extLst>
+          </p:cNvPr>
+          <p:cNvSpPr txBox="1"/>
+          <p:nvPr/>
+        </p:nvSpPr>
+        <p:spPr>
+          <a:xfrm>
+            <a:off x="3847785" y="1456077"/>
+            <a:ext cx="2255766" cy="369332"/>
+          </a:xfrm>
+          <a:prstGeom prst="rect">
+            <a:avLst/>
+          </a:prstGeom>
+          <a:noFill/>
+        </p:spPr>
+        <p:txBody>
+          <a:bodyPr wrap="square" rtlCol="0">
+            <a:spAutoFit/>
+          </a:bodyPr>
+          <a:lstStyle/>
+          <a:p>
+            <a:r>
+              <a:rPr lang="en-US" dirty="0">
+                <a:highlight>
+                  <a:srgbClr val="FFFF00"/>
+                </a:highlight>
+              </a:rPr>
+              <a:t>STUDY THIS!!!!!</a:t>
+            </a:r>
+          </a:p>
+        </p:txBody>
+      </p:sp>
     </p:spTree>
     <p:extLst>
       <p:ext uri="{BB962C8B-B14F-4D97-AF65-F5344CB8AC3E}">
-        <p14:creationId xmlns:p14="http://schemas.microsoft.com/office/powerpoint/2010/main" val="2603978881"/>
+        <p14:creationId xmlns:p14="http://schemas.microsoft.com/office/powerpoint/2010/main" val="1443603669"/>
       </p:ext>
     </p:extLst>
   </p:cSld>

--- a/Presentatie/ProjectThreadMatter.pptx
+++ b/Presentatie/ProjectThreadMatter.pptx
@@ -5,7 +5,7 @@
     <p:sldMasterId id="2147484099" r:id="rId1"/>
   </p:sldMasterIdLst>
   <p:notesMasterIdLst>
-    <p:notesMasterId r:id="rId35"/>
+    <p:notesMasterId r:id="rId38"/>
   </p:notesMasterIdLst>
   <p:sldIdLst>
     <p:sldId id="256" r:id="rId2"/>
@@ -37,10 +37,13 @@
     <p:sldId id="277" r:id="rId28"/>
     <p:sldId id="268" r:id="rId29"/>
     <p:sldId id="269" r:id="rId30"/>
-    <p:sldId id="270" r:id="rId31"/>
+    <p:sldId id="290" r:id="rId31"/>
     <p:sldId id="271" r:id="rId32"/>
     <p:sldId id="260" r:id="rId33"/>
-    <p:sldId id="288" r:id="rId34"/>
+    <p:sldId id="291" r:id="rId34"/>
+    <p:sldId id="292" r:id="rId35"/>
+    <p:sldId id="293" r:id="rId36"/>
+    <p:sldId id="288" r:id="rId37"/>
   </p:sldIdLst>
   <p:sldSz cx="12192000" cy="6858000"/>
   <p:notesSz cx="6858000" cy="9144000"/>
@@ -200,10 +203,41 @@
         <p14:section name="Hub &amp; Bridge" id="{E1D12BC7-1AFF-4D7F-AF83-430EB5EF9C1A}">
           <p14:sldIdLst>
             <p14:sldId id="268"/>
+          </p14:sldIdLst>
+        </p14:section>
+        <p14:section name="CSA Membership" id="{2E194BCD-0897-4631-B37E-66D15BF21670}">
+          <p14:sldIdLst>
             <p14:sldId id="269"/>
-            <p14:sldId id="270"/>
+            <p14:sldId id="290"/>
+          </p14:sldIdLst>
+        </p14:section>
+        <p14:section name="Develop with matter" id="{2C692B9E-807D-4BFA-ABF1-869513B8D552}">
+          <p14:sldIdLst>
             <p14:sldId id="271"/>
+          </p14:sldIdLst>
+        </p14:section>
+        <p14:section name="OpenThread" id="{CE730125-611A-4EEC-8D64-02D2CB4DB034}">
+          <p14:sldIdLst>
             <p14:sldId id="260"/>
+          </p14:sldIdLst>
+        </p14:section>
+        <p14:section name="Game controller" id="{9BB2D5DE-18BA-4873-92BE-F2601516570C}">
+          <p14:sldIdLst>
+            <p14:sldId id="291"/>
+          </p14:sldIdLst>
+        </p14:section>
+        <p14:section name="Matter controller" id="{7EFCB405-05FA-483B-86E5-F22146E40453}">
+          <p14:sldIdLst>
+            <p14:sldId id="292"/>
+          </p14:sldIdLst>
+        </p14:section>
+        <p14:section name="Breakout game" id="{BAED3D76-3466-4336-825A-44E4C606706F}">
+          <p14:sldIdLst>
+            <p14:sldId id="293"/>
+          </p14:sldIdLst>
+        </p14:section>
+        <p14:section name="Q&amp;A" id="{87C16A0C-7204-4241-8FC0-19ABF94D25F5}">
+          <p14:sldIdLst>
             <p14:sldId id="288"/>
           </p14:sldIdLst>
         </p14:section>
@@ -801,7 +835,10 @@
           <a:bodyPr/>
           <a:lstStyle/>
           <a:p>
-            <a:endParaRPr lang="en-US" dirty="0"/>
+            <a:r>
+              <a:rPr lang="en-US" dirty="0"/>
+              <a:t>Specification</a:t>
+            </a:r>
           </a:p>
         </p:txBody>
       </p:sp>
@@ -8071,6 +8108,12 @@
               <a:t>Events</a:t>
             </a:r>
           </a:p>
+          <a:p>
+            <a:r>
+              <a:rPr lang="en-US" dirty="0"/>
+              <a:t>Application cluster specification</a:t>
+            </a:r>
+          </a:p>
         </p:txBody>
       </p:sp>
       <p:sp>
@@ -8277,6 +8320,12 @@
               <a:t>Intended to ensure interoperability</a:t>
             </a:r>
           </a:p>
+          <a:p>
+            <a:r>
+              <a:rPr lang="en-US" dirty="0"/>
+              <a:t>Device library specification</a:t>
+            </a:r>
+          </a:p>
         </p:txBody>
       </p:sp>
       <p:sp>
@@ -10521,7 +10570,7 @@
           <a:p>
             <a:r>
               <a:rPr lang="en-US" dirty="0"/>
-              <a:t>Matter – Multi-Admin</a:t>
+              <a:t>Matter – Multiple Fabrics</a:t>
             </a:r>
           </a:p>
         </p:txBody>
@@ -10618,7 +10667,7 @@
         </p:blipFill>
         <p:spPr>
           <a:xfrm flipH="1">
-            <a:off x="5971865" y="1373098"/>
+            <a:off x="5955661" y="1373098"/>
             <a:ext cx="6249020" cy="5484902"/>
           </a:xfrm>
           <a:prstGeom prst="rect">
@@ -10640,8 +10689,8 @@
         </p:nvSpPr>
         <p:spPr>
           <a:xfrm>
-            <a:off x="5100948" y="3784601"/>
-            <a:ext cx="1933575" cy="1152525"/>
+            <a:off x="3541073" y="1871197"/>
+            <a:ext cx="5012687" cy="1929651"/>
           </a:xfrm>
           <a:prstGeom prst="ellipse">
             <a:avLst/>
@@ -10669,7 +10718,7 @@
           <a:lstStyle/>
           <a:p>
             <a:pPr algn="ctr"/>
-            <a:endParaRPr lang="en-US"/>
+            <a:endParaRPr lang="en-US" dirty="0"/>
           </a:p>
         </p:txBody>
       </p:sp>
@@ -10733,35 +10782,38 @@
       </p:sp>
       <p:sp>
         <p:nvSpPr>
-          <p:cNvPr id="3" name="Content Placeholder 2">
-            <a:extLst>
-              <a:ext uri="{FF2B5EF4-FFF2-40B4-BE49-F238E27FC236}">
-                <a16:creationId xmlns:a16="http://schemas.microsoft.com/office/drawing/2014/main" id="{FF01C297-C12A-79DC-EB8D-DBE66056B72E}"/>
-              </a:ext>
-            </a:extLst>
-          </p:cNvPr>
-          <p:cNvSpPr>
-            <a:spLocks noGrp="1"/>
-          </p:cNvSpPr>
-          <p:nvPr>
-            <p:ph sz="half" idx="1"/>
-          </p:nvPr>
-        </p:nvSpPr>
-        <p:spPr/>
-        <p:txBody>
-          <a:bodyPr/>
-          <a:lstStyle/>
-          <a:p>
-            <a:endParaRPr lang="en-US"/>
-          </a:p>
-        </p:txBody>
-      </p:sp>
-      <p:sp>
-        <p:nvSpPr>
-          <p:cNvPr id="4" name="Content Placeholder 3">
-            <a:extLst>
-              <a:ext uri="{FF2B5EF4-FFF2-40B4-BE49-F238E27FC236}">
-                <a16:creationId xmlns:a16="http://schemas.microsoft.com/office/drawing/2014/main" id="{ADF718B8-406E-1529-A66A-196EFEF164AC}"/>
+          <p:cNvPr id="6" name="Text Placeholder 5">
+            <a:extLst>
+              <a:ext uri="{FF2B5EF4-FFF2-40B4-BE49-F238E27FC236}">
+                <a16:creationId xmlns:a16="http://schemas.microsoft.com/office/drawing/2014/main" id="{BEF6E375-785A-F4AE-E11A-5DE6E3E900AC}"/>
+              </a:ext>
+            </a:extLst>
+          </p:cNvPr>
+          <p:cNvSpPr>
+            <a:spLocks noGrp="1"/>
+          </p:cNvSpPr>
+          <p:nvPr>
+            <p:ph type="body" idx="1"/>
+          </p:nvPr>
+        </p:nvSpPr>
+        <p:spPr/>
+        <p:txBody>
+          <a:bodyPr/>
+          <a:lstStyle/>
+          <a:p>
+            <a:r>
+              <a:rPr lang="en-US" dirty="0"/>
+              <a:t>Hub</a:t>
+            </a:r>
+          </a:p>
+        </p:txBody>
+      </p:sp>
+      <p:sp>
+        <p:nvSpPr>
+          <p:cNvPr id="7" name="Content Placeholder 6">
+            <a:extLst>
+              <a:ext uri="{FF2B5EF4-FFF2-40B4-BE49-F238E27FC236}">
+                <a16:creationId xmlns:a16="http://schemas.microsoft.com/office/drawing/2014/main" id="{6D0E3BD0-D2E3-70B2-6977-09AC2A1FDE97}"/>
               </a:ext>
             </a:extLst>
           </p:cNvPr>
@@ -10777,7 +10829,84 @@
           <a:bodyPr/>
           <a:lstStyle/>
           <a:p>
-            <a:endParaRPr lang="en-US"/>
+            <a:r>
+              <a:rPr lang="en-US" dirty="0"/>
+              <a:t>Serves as controller</a:t>
+            </a:r>
+          </a:p>
+          <a:p>
+            <a:r>
+              <a:rPr lang="en-US" dirty="0"/>
+              <a:t>Not tied to ecosystem</a:t>
+            </a:r>
+          </a:p>
+          <a:p>
+            <a:r>
+              <a:rPr lang="en-US" dirty="0"/>
+              <a:t>Often functions as Border Router</a:t>
+            </a:r>
+          </a:p>
+        </p:txBody>
+      </p:sp>
+      <p:sp>
+        <p:nvSpPr>
+          <p:cNvPr id="8" name="Text Placeholder 7">
+            <a:extLst>
+              <a:ext uri="{FF2B5EF4-FFF2-40B4-BE49-F238E27FC236}">
+                <a16:creationId xmlns:a16="http://schemas.microsoft.com/office/drawing/2014/main" id="{55B7D7CF-44A1-1B77-880C-7222EFEA3406}"/>
+              </a:ext>
+            </a:extLst>
+          </p:cNvPr>
+          <p:cNvSpPr>
+            <a:spLocks noGrp="1"/>
+          </p:cNvSpPr>
+          <p:nvPr>
+            <p:ph type="body" sz="quarter" idx="3"/>
+          </p:nvPr>
+        </p:nvSpPr>
+        <p:spPr/>
+        <p:txBody>
+          <a:bodyPr/>
+          <a:lstStyle/>
+          <a:p>
+            <a:r>
+              <a:rPr lang="en-US" dirty="0"/>
+              <a:t>Bridge</a:t>
+            </a:r>
+          </a:p>
+        </p:txBody>
+      </p:sp>
+      <p:sp>
+        <p:nvSpPr>
+          <p:cNvPr id="9" name="Content Placeholder 8">
+            <a:extLst>
+              <a:ext uri="{FF2B5EF4-FFF2-40B4-BE49-F238E27FC236}">
+                <a16:creationId xmlns:a16="http://schemas.microsoft.com/office/drawing/2014/main" id="{3DC5B5F9-A101-AF72-BBDD-7D302B2A89BF}"/>
+              </a:ext>
+            </a:extLst>
+          </p:cNvPr>
+          <p:cNvSpPr>
+            <a:spLocks noGrp="1"/>
+          </p:cNvSpPr>
+          <p:nvPr>
+            <p:ph sz="quarter" idx="4"/>
+          </p:nvPr>
+        </p:nvSpPr>
+        <p:spPr/>
+        <p:txBody>
+          <a:bodyPr/>
+          <a:lstStyle/>
+          <a:p>
+            <a:r>
+              <a:rPr lang="en-US" dirty="0"/>
+              <a:t>Add more flexibility</a:t>
+            </a:r>
+          </a:p>
+          <a:p>
+            <a:r>
+              <a:rPr lang="en-US" dirty="0"/>
+              <a:t>Acts as translator for non-Matter devices</a:t>
+            </a:r>
           </a:p>
         </p:txBody>
       </p:sp>
@@ -10868,36 +10997,84 @@
           </a:p>
         </p:txBody>
       </p:sp>
-      <p:pic>
-        <p:nvPicPr>
-          <p:cNvPr id="6" name="Picture 5">
-            <a:extLst>
-              <a:ext uri="{FF2B5EF4-FFF2-40B4-BE49-F238E27FC236}">
-                <a16:creationId xmlns:a16="http://schemas.microsoft.com/office/drawing/2014/main" id="{8A3AB1FB-5128-62F0-34F2-C921977A5333}"/>
-              </a:ext>
-            </a:extLst>
-          </p:cNvPr>
-          <p:cNvPicPr>
-            <a:picLocks noChangeAspect="1"/>
-          </p:cNvPicPr>
-          <p:nvPr/>
-        </p:nvPicPr>
-        <p:blipFill>
-          <a:blip r:embed="rId2"/>
-          <a:stretch>
-            <a:fillRect/>
-          </a:stretch>
-        </p:blipFill>
-        <p:spPr>
-          <a:xfrm>
-            <a:off x="346047" y="1791012"/>
-            <a:ext cx="9030643" cy="3720102"/>
-          </a:xfrm>
-          <a:prstGeom prst="rect">
-            <a:avLst/>
-          </a:prstGeom>
-        </p:spPr>
-      </p:pic>
+      <p:sp>
+        <p:nvSpPr>
+          <p:cNvPr id="3" name="Content Placeholder 2">
+            <a:extLst>
+              <a:ext uri="{FF2B5EF4-FFF2-40B4-BE49-F238E27FC236}">
+                <a16:creationId xmlns:a16="http://schemas.microsoft.com/office/drawing/2014/main" id="{EB3EBEBC-519F-7BD3-0413-1F108409D286}"/>
+              </a:ext>
+            </a:extLst>
+          </p:cNvPr>
+          <p:cNvSpPr>
+            <a:spLocks noGrp="1"/>
+          </p:cNvSpPr>
+          <p:nvPr>
+            <p:ph sz="half" idx="1"/>
+          </p:nvPr>
+        </p:nvSpPr>
+        <p:spPr/>
+        <p:txBody>
+          <a:bodyPr/>
+          <a:lstStyle/>
+          <a:p>
+            <a:r>
+              <a:rPr lang="en-US" dirty="0"/>
+              <a:t>Membership necessary for certifying</a:t>
+            </a:r>
+          </a:p>
+          <a:p>
+            <a:r>
+              <a:rPr lang="en-US" dirty="0"/>
+              <a:t>Official resources</a:t>
+            </a:r>
+          </a:p>
+          <a:p>
+            <a:r>
+              <a:rPr lang="en-US" sz="1800" dirty="0">
+                <a:effectLst/>
+                <a:latin typeface="Arial" panose="020B0604020202020204" pitchFamily="34" charset="0"/>
+                <a:ea typeface="Times New Roman" panose="02020603050405020304" pitchFamily="18" charset="0"/>
+              </a:rPr>
+              <a:t>Authorization to contribute </a:t>
+            </a:r>
+          </a:p>
+          <a:p>
+            <a:r>
+              <a:rPr lang="en-US" dirty="0">
+                <a:latin typeface="Arial" panose="020B0604020202020204" pitchFamily="34" charset="0"/>
+              </a:rPr>
+              <a:t>Unique Vendor ID</a:t>
+            </a:r>
+            <a:endParaRPr lang="en-US" dirty="0"/>
+          </a:p>
+        </p:txBody>
+      </p:sp>
+      <p:sp>
+        <p:nvSpPr>
+          <p:cNvPr id="4" name="Content Placeholder 3">
+            <a:extLst>
+              <a:ext uri="{FF2B5EF4-FFF2-40B4-BE49-F238E27FC236}">
+                <a16:creationId xmlns:a16="http://schemas.microsoft.com/office/drawing/2014/main" id="{32403844-7931-A414-20AE-EC6FDC94D7C8}"/>
+              </a:ext>
+            </a:extLst>
+          </p:cNvPr>
+          <p:cNvSpPr>
+            <a:spLocks noGrp="1"/>
+          </p:cNvSpPr>
+          <p:nvPr>
+            <p:ph sz="half" idx="2"/>
+          </p:nvPr>
+        </p:nvSpPr>
+        <p:spPr/>
+        <p:txBody>
+          <a:bodyPr/>
+          <a:lstStyle/>
+          <a:p>
+            <a:endParaRPr lang="en-US"/>
+          </a:p>
+        </p:txBody>
+      </p:sp>
       <p:sp>
         <p:nvSpPr>
           <p:cNvPr id="7" name="Slide Number Placeholder 6">
@@ -11036,21 +11213,21 @@
           </a:p>
           <a:p>
             <a:r>
-              <a:rPr lang="nl-BE" dirty="0" err="1"/>
-              <a:t>Accelerometer</a:t>
-            </a:r>
-            <a:endParaRPr lang="nl-BE" dirty="0"/>
-          </a:p>
-          <a:p>
-            <a:r>
               <a:rPr lang="nl-BE" dirty="0"/>
-              <a:t>Controller </a:t>
-            </a:r>
-            <a:r>
-              <a:rPr lang="nl-BE" dirty="0" err="1"/>
-              <a:t>application</a:t>
-            </a:r>
-            <a:endParaRPr lang="nl-BE" dirty="0"/>
+              <a:t>Game controller</a:t>
+            </a:r>
+          </a:p>
+          <a:p>
+            <a:r>
+              <a:rPr lang="nl-BE" dirty="0"/>
+              <a:t>Matter controller</a:t>
+            </a:r>
+          </a:p>
+          <a:p>
+            <a:r>
+              <a:rPr lang="nl-BE" dirty="0"/>
+              <a:t>Breakout game</a:t>
+            </a:r>
           </a:p>
           <a:p>
             <a:r>
@@ -11160,38 +11337,10 @@
       </p:grpSpPr>
       <p:sp>
         <p:nvSpPr>
-          <p:cNvPr id="2" name="Title 1">
-            <a:extLst>
-              <a:ext uri="{FF2B5EF4-FFF2-40B4-BE49-F238E27FC236}">
-                <a16:creationId xmlns:a16="http://schemas.microsoft.com/office/drawing/2014/main" id="{B3A0456A-85A3-899D-1779-2C5B29ABF814}"/>
-              </a:ext>
-            </a:extLst>
-          </p:cNvPr>
-          <p:cNvSpPr>
-            <a:spLocks noGrp="1"/>
-          </p:cNvSpPr>
-          <p:nvPr>
-            <p:ph type="title"/>
-          </p:nvPr>
-        </p:nvSpPr>
-        <p:spPr/>
-        <p:txBody>
-          <a:bodyPr/>
-          <a:lstStyle/>
-          <a:p>
-            <a:r>
-              <a:rPr lang="en-US" dirty="0"/>
-              <a:t>Matter – Hardware</a:t>
-            </a:r>
-          </a:p>
-        </p:txBody>
-      </p:sp>
-      <p:sp>
-        <p:nvSpPr>
           <p:cNvPr id="3" name="Content Placeholder 2">
             <a:extLst>
               <a:ext uri="{FF2B5EF4-FFF2-40B4-BE49-F238E27FC236}">
-                <a16:creationId xmlns:a16="http://schemas.microsoft.com/office/drawing/2014/main" id="{EEE256C6-A04F-2CE1-9815-F03AC6BADD71}"/>
+                <a16:creationId xmlns:a16="http://schemas.microsoft.com/office/drawing/2014/main" id="{FDBB1A34-3DD3-25A7-51BD-D32E619604CE}"/>
               </a:ext>
             </a:extLst>
           </p:cNvPr>
@@ -11213,35 +11362,10 @@
       </p:sp>
       <p:sp>
         <p:nvSpPr>
-          <p:cNvPr id="4" name="Content Placeholder 3">
-            <a:extLst>
-              <a:ext uri="{FF2B5EF4-FFF2-40B4-BE49-F238E27FC236}">
-                <a16:creationId xmlns:a16="http://schemas.microsoft.com/office/drawing/2014/main" id="{63ABE3FC-3ABB-3B03-E7B8-62AD8C79E6BF}"/>
-              </a:ext>
-            </a:extLst>
-          </p:cNvPr>
-          <p:cNvSpPr>
-            <a:spLocks noGrp="1"/>
-          </p:cNvSpPr>
-          <p:nvPr>
-            <p:ph sz="half" idx="2"/>
-          </p:nvPr>
-        </p:nvSpPr>
-        <p:spPr/>
-        <p:txBody>
-          <a:bodyPr/>
-          <a:lstStyle/>
-          <a:p>
-            <a:endParaRPr lang="en-US"/>
-          </a:p>
-        </p:txBody>
-      </p:sp>
-      <p:sp>
-        <p:nvSpPr>
           <p:cNvPr id="5" name="Slide Number Placeholder 4">
             <a:extLst>
               <a:ext uri="{FF2B5EF4-FFF2-40B4-BE49-F238E27FC236}">
-                <a16:creationId xmlns:a16="http://schemas.microsoft.com/office/drawing/2014/main" id="{610EC97A-6E81-1B76-3730-694721D3D70E}"/>
+                <a16:creationId xmlns:a16="http://schemas.microsoft.com/office/drawing/2014/main" id="{7721DAAD-6DE9-609E-00FA-4F4E30A129C0}"/>
               </a:ext>
             </a:extLst>
           </p:cNvPr>
@@ -11265,10 +11389,40 @@
           </a:p>
         </p:txBody>
       </p:sp>
+      <p:pic>
+        <p:nvPicPr>
+          <p:cNvPr id="6" name="Picture 5">
+            <a:extLst>
+              <a:ext uri="{FF2B5EF4-FFF2-40B4-BE49-F238E27FC236}">
+                <a16:creationId xmlns:a16="http://schemas.microsoft.com/office/drawing/2014/main" id="{41005D0F-E7B1-A7D0-AB0B-33CE7ED158C7}"/>
+              </a:ext>
+            </a:extLst>
+          </p:cNvPr>
+          <p:cNvPicPr>
+            <a:picLocks noChangeAspect="1"/>
+          </p:cNvPicPr>
+          <p:nvPr/>
+        </p:nvPicPr>
+        <p:blipFill>
+          <a:blip r:embed="rId2"/>
+          <a:stretch>
+            <a:fillRect/>
+          </a:stretch>
+        </p:blipFill>
+        <p:spPr>
+          <a:xfrm>
+            <a:off x="677332" y="-14021"/>
+            <a:ext cx="8078997" cy="6872021"/>
+          </a:xfrm>
+          <a:prstGeom prst="rect">
+            <a:avLst/>
+          </a:prstGeom>
+        </p:spPr>
+      </p:pic>
     </p:spTree>
     <p:extLst>
       <p:ext uri="{BB962C8B-B14F-4D97-AF65-F5344CB8AC3E}">
-        <p14:creationId xmlns:p14="http://schemas.microsoft.com/office/powerpoint/2010/main" val="1631806897"/>
+        <p14:creationId xmlns:p14="http://schemas.microsoft.com/office/powerpoint/2010/main" val="1893796954"/>
       </p:ext>
     </p:extLst>
   </p:cSld>
@@ -11344,6 +11498,58 @@
           <a:bodyPr/>
           <a:lstStyle/>
           <a:p>
+            <a:r>
+              <a:rPr lang="en-US" dirty="0" err="1"/>
+              <a:t>Github</a:t>
+            </a:r>
+            <a:r>
+              <a:rPr lang="en-US" dirty="0"/>
+              <a:t> project-chip</a:t>
+            </a:r>
+          </a:p>
+          <a:p>
+            <a:pPr lvl="1"/>
+            <a:r>
+              <a:rPr lang="en-US" dirty="0"/>
+              <a:t>SDK</a:t>
+            </a:r>
+          </a:p>
+          <a:p>
+            <a:pPr lvl="1"/>
+            <a:r>
+              <a:rPr lang="en-US" dirty="0"/>
+              <a:t>Documentation</a:t>
+            </a:r>
+          </a:p>
+          <a:p>
+            <a:pPr lvl="1"/>
+            <a:r>
+              <a:rPr lang="en-US" dirty="0"/>
+              <a:t>Certification tool</a:t>
+            </a:r>
+          </a:p>
+          <a:p>
+            <a:r>
+              <a:rPr lang="en-US" dirty="0"/>
+              <a:t>Manufacturer SDK</a:t>
+            </a:r>
+          </a:p>
+          <a:p>
+            <a:pPr lvl="1"/>
+            <a:r>
+              <a:rPr lang="en-US" dirty="0"/>
+              <a:t>Manufacturer IDE</a:t>
+            </a:r>
+          </a:p>
+          <a:p>
+            <a:pPr lvl="1"/>
+            <a:r>
+              <a:rPr lang="en-US" dirty="0"/>
+              <a:t>A lot of examples you can use</a:t>
+            </a:r>
+          </a:p>
+          <a:p>
+            <a:pPr lvl="1"/>
             <a:endParaRPr lang="en-US" dirty="0"/>
           </a:p>
         </p:txBody>
@@ -11483,13 +11689,31 @@
           <a:p>
             <a:r>
               <a:rPr lang="en-US" dirty="0"/>
-              <a:t>IPv6 mesh network</a:t>
+              <a:t>Mesh Network-protocol</a:t>
+            </a:r>
+          </a:p>
+          <a:p>
+            <a:r>
+              <a:rPr lang="en-US" dirty="0"/>
+              <a:t>IPv6</a:t>
             </a:r>
           </a:p>
           <a:p>
             <a:r>
               <a:rPr lang="en-US" dirty="0"/>
               <a:t>Low-power</a:t>
+            </a:r>
+          </a:p>
+          <a:p>
+            <a:r>
+              <a:rPr lang="en-US" dirty="0"/>
+              <a:t>Ideal for smart-home devices</a:t>
+            </a:r>
+          </a:p>
+          <a:p>
+            <a:r>
+              <a:rPr lang="en-US" dirty="0"/>
+              <a:t>Border Router</a:t>
             </a:r>
           </a:p>
           <a:p>
@@ -11526,6 +11750,36 @@
           </a:p>
         </p:txBody>
       </p:sp>
+      <p:pic>
+        <p:nvPicPr>
+          <p:cNvPr id="6" name="Picture 5">
+            <a:extLst>
+              <a:ext uri="{FF2B5EF4-FFF2-40B4-BE49-F238E27FC236}">
+                <a16:creationId xmlns:a16="http://schemas.microsoft.com/office/drawing/2014/main" id="{1B95AFD1-CEA5-D50A-F9AA-B7DB8C4514BE}"/>
+              </a:ext>
+            </a:extLst>
+          </p:cNvPr>
+          <p:cNvPicPr>
+            <a:picLocks noChangeAspect="1"/>
+          </p:cNvPicPr>
+          <p:nvPr/>
+        </p:nvPicPr>
+        <p:blipFill>
+          <a:blip r:embed="rId2"/>
+          <a:stretch>
+            <a:fillRect/>
+          </a:stretch>
+        </p:blipFill>
+        <p:spPr>
+          <a:xfrm>
+            <a:off x="4276389" y="536006"/>
+            <a:ext cx="7915611" cy="5687918"/>
+          </a:xfrm>
+          <a:prstGeom prst="rect">
+            <a:avLst/>
+          </a:prstGeom>
+        </p:spPr>
+      </p:pic>
     </p:spTree>
     <p:extLst>
       <p:ext uri="{BB962C8B-B14F-4D97-AF65-F5344CB8AC3E}">
@@ -11558,6 +11812,336 @@
       </p:grpSpPr>
       <p:sp>
         <p:nvSpPr>
+          <p:cNvPr id="2" name="Title 1">
+            <a:extLst>
+              <a:ext uri="{FF2B5EF4-FFF2-40B4-BE49-F238E27FC236}">
+                <a16:creationId xmlns:a16="http://schemas.microsoft.com/office/drawing/2014/main" id="{260CBF3D-B1E6-FE1E-7F83-6AD5A662C2FE}"/>
+              </a:ext>
+            </a:extLst>
+          </p:cNvPr>
+          <p:cNvSpPr>
+            <a:spLocks noGrp="1"/>
+          </p:cNvSpPr>
+          <p:nvPr>
+            <p:ph type="title"/>
+          </p:nvPr>
+        </p:nvSpPr>
+        <p:spPr/>
+        <p:txBody>
+          <a:bodyPr/>
+          <a:lstStyle/>
+          <a:p>
+            <a:r>
+              <a:rPr lang="en-US" dirty="0"/>
+              <a:t>Game controller</a:t>
+            </a:r>
+          </a:p>
+        </p:txBody>
+      </p:sp>
+      <p:sp>
+        <p:nvSpPr>
+          <p:cNvPr id="3" name="Content Placeholder 2">
+            <a:extLst>
+              <a:ext uri="{FF2B5EF4-FFF2-40B4-BE49-F238E27FC236}">
+                <a16:creationId xmlns:a16="http://schemas.microsoft.com/office/drawing/2014/main" id="{CA6CEB04-6519-2FDE-5448-35C05E4656D9}"/>
+              </a:ext>
+            </a:extLst>
+          </p:cNvPr>
+          <p:cNvSpPr>
+            <a:spLocks noGrp="1"/>
+          </p:cNvSpPr>
+          <p:nvPr>
+            <p:ph idx="1"/>
+          </p:nvPr>
+        </p:nvSpPr>
+        <p:spPr/>
+        <p:txBody>
+          <a:bodyPr/>
+          <a:lstStyle/>
+          <a:p>
+            <a:endParaRPr lang="en-US" dirty="0"/>
+          </a:p>
+        </p:txBody>
+      </p:sp>
+      <p:sp>
+        <p:nvSpPr>
+          <p:cNvPr id="4" name="Slide Number Placeholder 3">
+            <a:extLst>
+              <a:ext uri="{FF2B5EF4-FFF2-40B4-BE49-F238E27FC236}">
+                <a16:creationId xmlns:a16="http://schemas.microsoft.com/office/drawing/2014/main" id="{9E89A326-C7A3-7600-E3DA-9D97069671A4}"/>
+              </a:ext>
+            </a:extLst>
+          </p:cNvPr>
+          <p:cNvSpPr>
+            <a:spLocks noGrp="1"/>
+          </p:cNvSpPr>
+          <p:nvPr>
+            <p:ph type="sldNum" sz="quarter" idx="12"/>
+          </p:nvPr>
+        </p:nvSpPr>
+        <p:spPr/>
+        <p:txBody>
+          <a:bodyPr/>
+          <a:lstStyle/>
+          <a:p>
+            <a:fld id="{E120E24D-9AC4-413F-A247-89E1AB2D5697}" type="slidenum">
+              <a:rPr lang="nl-BE" smtClean="0"/>
+              <a:t>33</a:t>
+            </a:fld>
+            <a:endParaRPr lang="nl-BE"/>
+          </a:p>
+        </p:txBody>
+      </p:sp>
+    </p:spTree>
+    <p:extLst>
+      <p:ext uri="{BB962C8B-B14F-4D97-AF65-F5344CB8AC3E}">
+        <p14:creationId xmlns:p14="http://schemas.microsoft.com/office/powerpoint/2010/main" val="898054552"/>
+      </p:ext>
+    </p:extLst>
+  </p:cSld>
+  <p:clrMapOvr>
+    <a:masterClrMapping/>
+  </p:clrMapOvr>
+</p:sld>
+</file>
+
+<file path=ppt/slides/slide34.xml><?xml version="1.0" encoding="utf-8"?>
+<p:sld xmlns:a="http://schemas.openxmlformats.org/drawingml/2006/main" xmlns:r="http://schemas.openxmlformats.org/officeDocument/2006/relationships" xmlns:p="http://schemas.openxmlformats.org/presentationml/2006/main">
+  <p:cSld>
+    <p:spTree>
+      <p:nvGrpSpPr>
+        <p:cNvPr id="1" name=""/>
+        <p:cNvGrpSpPr/>
+        <p:nvPr/>
+      </p:nvGrpSpPr>
+      <p:grpSpPr>
+        <a:xfrm>
+          <a:off x="0" y="0"/>
+          <a:ext cx="0" cy="0"/>
+          <a:chOff x="0" y="0"/>
+          <a:chExt cx="0" cy="0"/>
+        </a:xfrm>
+      </p:grpSpPr>
+      <p:sp>
+        <p:nvSpPr>
+          <p:cNvPr id="2" name="Title 1">
+            <a:extLst>
+              <a:ext uri="{FF2B5EF4-FFF2-40B4-BE49-F238E27FC236}">
+                <a16:creationId xmlns:a16="http://schemas.microsoft.com/office/drawing/2014/main" id="{3CE20EF9-8760-B2FF-8C7A-E3E0136D7CE1}"/>
+              </a:ext>
+            </a:extLst>
+          </p:cNvPr>
+          <p:cNvSpPr>
+            <a:spLocks noGrp="1"/>
+          </p:cNvSpPr>
+          <p:nvPr>
+            <p:ph type="title"/>
+          </p:nvPr>
+        </p:nvSpPr>
+        <p:spPr/>
+        <p:txBody>
+          <a:bodyPr/>
+          <a:lstStyle/>
+          <a:p>
+            <a:endParaRPr lang="en-US"/>
+          </a:p>
+        </p:txBody>
+      </p:sp>
+      <p:sp>
+        <p:nvSpPr>
+          <p:cNvPr id="3" name="Content Placeholder 2">
+            <a:extLst>
+              <a:ext uri="{FF2B5EF4-FFF2-40B4-BE49-F238E27FC236}">
+                <a16:creationId xmlns:a16="http://schemas.microsoft.com/office/drawing/2014/main" id="{7583EDFC-514B-A1E5-8A88-138F5011379C}"/>
+              </a:ext>
+            </a:extLst>
+          </p:cNvPr>
+          <p:cNvSpPr>
+            <a:spLocks noGrp="1"/>
+          </p:cNvSpPr>
+          <p:nvPr>
+            <p:ph idx="1"/>
+          </p:nvPr>
+        </p:nvSpPr>
+        <p:spPr/>
+        <p:txBody>
+          <a:bodyPr/>
+          <a:lstStyle/>
+          <a:p>
+            <a:endParaRPr lang="en-US"/>
+          </a:p>
+        </p:txBody>
+      </p:sp>
+      <p:sp>
+        <p:nvSpPr>
+          <p:cNvPr id="4" name="Slide Number Placeholder 3">
+            <a:extLst>
+              <a:ext uri="{FF2B5EF4-FFF2-40B4-BE49-F238E27FC236}">
+                <a16:creationId xmlns:a16="http://schemas.microsoft.com/office/drawing/2014/main" id="{BEC057EA-A1AE-CE69-A137-0CA22213683D}"/>
+              </a:ext>
+            </a:extLst>
+          </p:cNvPr>
+          <p:cNvSpPr>
+            <a:spLocks noGrp="1"/>
+          </p:cNvSpPr>
+          <p:nvPr>
+            <p:ph type="sldNum" sz="quarter" idx="12"/>
+          </p:nvPr>
+        </p:nvSpPr>
+        <p:spPr/>
+        <p:txBody>
+          <a:bodyPr/>
+          <a:lstStyle/>
+          <a:p>
+            <a:fld id="{E120E24D-9AC4-413F-A247-89E1AB2D5697}" type="slidenum">
+              <a:rPr lang="nl-BE" smtClean="0"/>
+              <a:t>34</a:t>
+            </a:fld>
+            <a:endParaRPr lang="nl-BE"/>
+          </a:p>
+        </p:txBody>
+      </p:sp>
+    </p:spTree>
+    <p:extLst>
+      <p:ext uri="{BB962C8B-B14F-4D97-AF65-F5344CB8AC3E}">
+        <p14:creationId xmlns:p14="http://schemas.microsoft.com/office/powerpoint/2010/main" val="710141799"/>
+      </p:ext>
+    </p:extLst>
+  </p:cSld>
+  <p:clrMapOvr>
+    <a:masterClrMapping/>
+  </p:clrMapOvr>
+</p:sld>
+</file>
+
+<file path=ppt/slides/slide35.xml><?xml version="1.0" encoding="utf-8"?>
+<p:sld xmlns:a="http://schemas.openxmlformats.org/drawingml/2006/main" xmlns:r="http://schemas.openxmlformats.org/officeDocument/2006/relationships" xmlns:p="http://schemas.openxmlformats.org/presentationml/2006/main">
+  <p:cSld>
+    <p:spTree>
+      <p:nvGrpSpPr>
+        <p:cNvPr id="1" name=""/>
+        <p:cNvGrpSpPr/>
+        <p:nvPr/>
+      </p:nvGrpSpPr>
+      <p:grpSpPr>
+        <a:xfrm>
+          <a:off x="0" y="0"/>
+          <a:ext cx="0" cy="0"/>
+          <a:chOff x="0" y="0"/>
+          <a:chExt cx="0" cy="0"/>
+        </a:xfrm>
+      </p:grpSpPr>
+      <p:sp>
+        <p:nvSpPr>
+          <p:cNvPr id="2" name="Title 1">
+            <a:extLst>
+              <a:ext uri="{FF2B5EF4-FFF2-40B4-BE49-F238E27FC236}">
+                <a16:creationId xmlns:a16="http://schemas.microsoft.com/office/drawing/2014/main" id="{24643650-DCA6-CE11-EFB4-D51F7296FA8A}"/>
+              </a:ext>
+            </a:extLst>
+          </p:cNvPr>
+          <p:cNvSpPr>
+            <a:spLocks noGrp="1"/>
+          </p:cNvSpPr>
+          <p:nvPr>
+            <p:ph type="title"/>
+          </p:nvPr>
+        </p:nvSpPr>
+        <p:spPr/>
+        <p:txBody>
+          <a:bodyPr/>
+          <a:lstStyle/>
+          <a:p>
+            <a:endParaRPr lang="en-US"/>
+          </a:p>
+        </p:txBody>
+      </p:sp>
+      <p:sp>
+        <p:nvSpPr>
+          <p:cNvPr id="3" name="Content Placeholder 2">
+            <a:extLst>
+              <a:ext uri="{FF2B5EF4-FFF2-40B4-BE49-F238E27FC236}">
+                <a16:creationId xmlns:a16="http://schemas.microsoft.com/office/drawing/2014/main" id="{6465E1D3-9958-F0DF-D6AE-BE6DF6BC0AE7}"/>
+              </a:ext>
+            </a:extLst>
+          </p:cNvPr>
+          <p:cNvSpPr>
+            <a:spLocks noGrp="1"/>
+          </p:cNvSpPr>
+          <p:nvPr>
+            <p:ph idx="1"/>
+          </p:nvPr>
+        </p:nvSpPr>
+        <p:spPr/>
+        <p:txBody>
+          <a:bodyPr/>
+          <a:lstStyle/>
+          <a:p>
+            <a:endParaRPr lang="en-US"/>
+          </a:p>
+        </p:txBody>
+      </p:sp>
+      <p:sp>
+        <p:nvSpPr>
+          <p:cNvPr id="4" name="Slide Number Placeholder 3">
+            <a:extLst>
+              <a:ext uri="{FF2B5EF4-FFF2-40B4-BE49-F238E27FC236}">
+                <a16:creationId xmlns:a16="http://schemas.microsoft.com/office/drawing/2014/main" id="{6239B41E-0BC7-8D00-D50B-1CDB38BC9D2D}"/>
+              </a:ext>
+            </a:extLst>
+          </p:cNvPr>
+          <p:cNvSpPr>
+            <a:spLocks noGrp="1"/>
+          </p:cNvSpPr>
+          <p:nvPr>
+            <p:ph type="sldNum" sz="quarter" idx="12"/>
+          </p:nvPr>
+        </p:nvSpPr>
+        <p:spPr/>
+        <p:txBody>
+          <a:bodyPr/>
+          <a:lstStyle/>
+          <a:p>
+            <a:fld id="{E120E24D-9AC4-413F-A247-89E1AB2D5697}" type="slidenum">
+              <a:rPr lang="nl-BE" smtClean="0"/>
+              <a:t>35</a:t>
+            </a:fld>
+            <a:endParaRPr lang="nl-BE"/>
+          </a:p>
+        </p:txBody>
+      </p:sp>
+    </p:spTree>
+    <p:extLst>
+      <p:ext uri="{BB962C8B-B14F-4D97-AF65-F5344CB8AC3E}">
+        <p14:creationId xmlns:p14="http://schemas.microsoft.com/office/powerpoint/2010/main" val="2790253825"/>
+      </p:ext>
+    </p:extLst>
+  </p:cSld>
+  <p:clrMapOvr>
+    <a:masterClrMapping/>
+  </p:clrMapOvr>
+</p:sld>
+</file>
+
+<file path=ppt/slides/slide36.xml><?xml version="1.0" encoding="utf-8"?>
+<p:sld xmlns:a="http://schemas.openxmlformats.org/drawingml/2006/main" xmlns:r="http://schemas.openxmlformats.org/officeDocument/2006/relationships" xmlns:p="http://schemas.openxmlformats.org/presentationml/2006/main">
+  <p:cSld>
+    <p:spTree>
+      <p:nvGrpSpPr>
+        <p:cNvPr id="1" name=""/>
+        <p:cNvGrpSpPr/>
+        <p:nvPr/>
+      </p:nvGrpSpPr>
+      <p:grpSpPr>
+        <a:xfrm>
+          <a:off x="0" y="0"/>
+          <a:ext cx="0" cy="0"/>
+          <a:chOff x="0" y="0"/>
+          <a:chExt cx="0" cy="0"/>
+        </a:xfrm>
+      </p:grpSpPr>
+      <p:sp>
+        <p:nvSpPr>
           <p:cNvPr id="5" name="Title 4">
             <a:extLst>
               <a:ext uri="{FF2B5EF4-FFF2-40B4-BE49-F238E27FC236}">
@@ -11643,7 +12227,7 @@
           <a:p>
             <a:fld id="{E120E24D-9AC4-413F-A247-89E1AB2D5697}" type="slidenum">
               <a:rPr lang="nl-BE" smtClean="0"/>
-              <a:t>33</a:t>
+              <a:t>36</a:t>
             </a:fld>
             <a:endParaRPr lang="nl-BE"/>
           </a:p>
@@ -11712,7 +12296,7 @@
         </p:blipFill>
         <p:spPr bwMode="auto">
           <a:xfrm>
-            <a:off x="677334" y="1727547"/>
+            <a:off x="677334" y="1795464"/>
             <a:ext cx="8464420" cy="3800314"/>
           </a:xfrm>
           <a:prstGeom prst="rect">
@@ -11872,7 +12456,7 @@
 </file>
 
 <file path=ppt/slides/slide5.xml><?xml version="1.0" encoding="utf-8"?>
-<p:sld xmlns:a="http://schemas.openxmlformats.org/drawingml/2006/main" xmlns:r="http://schemas.openxmlformats.org/officeDocument/2006/relationships" xmlns:p="http://schemas.openxmlformats.org/presentationml/2006/main">
+<p:sld xmlns:a="http://schemas.openxmlformats.org/drawingml/2006/main" xmlns:r="http://schemas.openxmlformats.org/officeDocument/2006/relationships" xmlns:p="http://schemas.openxmlformats.org/presentationml/2006/main" show="0">
   <p:cSld>
     <p:spTree>
       <p:nvGrpSpPr>
